--- a/Información/Desarrollador/Diagrama-datos.pptx
+++ b/Información/Desarrollador/Diagrama-datos.pptx
@@ -9,6 +9,7 @@
     <p:sldId id="257" r:id="rId3"/>
     <p:sldId id="258" r:id="rId4"/>
     <p:sldId id="259" r:id="rId5"/>
+    <p:sldId id="260" r:id="rId6"/>
   </p:sldIdLst>
   <p:sldSz cx="18359438" cy="36001325"/>
   <p:notesSz cx="6858000" cy="9144000"/>
@@ -246,7 +247,7 @@
           <a:p>
             <a:fld id="{28CCD6C2-3FA4-41AA-A575-5508C3C84906}" type="datetimeFigureOut">
               <a:rPr lang="en-US" smtClean="0"/>
-              <a:t>6/2/2022</a:t>
+              <a:t>7/13/2022</a:t>
             </a:fld>
             <a:endParaRPr lang="en-US"/>
           </a:p>
@@ -416,7 +417,7 @@
           <a:p>
             <a:fld id="{28CCD6C2-3FA4-41AA-A575-5508C3C84906}" type="datetimeFigureOut">
               <a:rPr lang="en-US" smtClean="0"/>
-              <a:t>6/2/2022</a:t>
+              <a:t>7/13/2022</a:t>
             </a:fld>
             <a:endParaRPr lang="en-US"/>
           </a:p>
@@ -596,7 +597,7 @@
           <a:p>
             <a:fld id="{28CCD6C2-3FA4-41AA-A575-5508C3C84906}" type="datetimeFigureOut">
               <a:rPr lang="en-US" smtClean="0"/>
-              <a:t>6/2/2022</a:t>
+              <a:t>7/13/2022</a:t>
             </a:fld>
             <a:endParaRPr lang="en-US"/>
           </a:p>
@@ -766,7 +767,7 @@
           <a:p>
             <a:fld id="{28CCD6C2-3FA4-41AA-A575-5508C3C84906}" type="datetimeFigureOut">
               <a:rPr lang="en-US" smtClean="0"/>
-              <a:t>6/2/2022</a:t>
+              <a:t>7/13/2022</a:t>
             </a:fld>
             <a:endParaRPr lang="en-US"/>
           </a:p>
@@ -1010,7 +1011,7 @@
           <a:p>
             <a:fld id="{28CCD6C2-3FA4-41AA-A575-5508C3C84906}" type="datetimeFigureOut">
               <a:rPr lang="en-US" smtClean="0"/>
-              <a:t>6/2/2022</a:t>
+              <a:t>7/13/2022</a:t>
             </a:fld>
             <a:endParaRPr lang="en-US"/>
           </a:p>
@@ -1242,7 +1243,7 @@
           <a:p>
             <a:fld id="{28CCD6C2-3FA4-41AA-A575-5508C3C84906}" type="datetimeFigureOut">
               <a:rPr lang="en-US" smtClean="0"/>
-              <a:t>6/2/2022</a:t>
+              <a:t>7/13/2022</a:t>
             </a:fld>
             <a:endParaRPr lang="en-US"/>
           </a:p>
@@ -1609,7 +1610,7 @@
           <a:p>
             <a:fld id="{28CCD6C2-3FA4-41AA-A575-5508C3C84906}" type="datetimeFigureOut">
               <a:rPr lang="en-US" smtClean="0"/>
-              <a:t>6/2/2022</a:t>
+              <a:t>7/13/2022</a:t>
             </a:fld>
             <a:endParaRPr lang="en-US"/>
           </a:p>
@@ -1727,7 +1728,7 @@
           <a:p>
             <a:fld id="{28CCD6C2-3FA4-41AA-A575-5508C3C84906}" type="datetimeFigureOut">
               <a:rPr lang="en-US" smtClean="0"/>
-              <a:t>6/2/2022</a:t>
+              <a:t>7/13/2022</a:t>
             </a:fld>
             <a:endParaRPr lang="en-US"/>
           </a:p>
@@ -1822,7 +1823,7 @@
           <a:p>
             <a:fld id="{28CCD6C2-3FA4-41AA-A575-5508C3C84906}" type="datetimeFigureOut">
               <a:rPr lang="en-US" smtClean="0"/>
-              <a:t>6/2/2022</a:t>
+              <a:t>7/13/2022</a:t>
             </a:fld>
             <a:endParaRPr lang="en-US"/>
           </a:p>
@@ -2099,7 +2100,7 @@
           <a:p>
             <a:fld id="{28CCD6C2-3FA4-41AA-A575-5508C3C84906}" type="datetimeFigureOut">
               <a:rPr lang="en-US" smtClean="0"/>
-              <a:t>6/2/2022</a:t>
+              <a:t>7/13/2022</a:t>
             </a:fld>
             <a:endParaRPr lang="en-US"/>
           </a:p>
@@ -2356,7 +2357,7 @@
           <a:p>
             <a:fld id="{28CCD6C2-3FA4-41AA-A575-5508C3C84906}" type="datetimeFigureOut">
               <a:rPr lang="en-US" smtClean="0"/>
-              <a:t>6/2/2022</a:t>
+              <a:t>7/13/2022</a:t>
             </a:fld>
             <a:endParaRPr lang="en-US"/>
           </a:p>
@@ -2569,7 +2570,7 @@
           <a:p>
             <a:fld id="{28CCD6C2-3FA4-41AA-A575-5508C3C84906}" type="datetimeFigureOut">
               <a:rPr lang="en-US" smtClean="0"/>
-              <a:t>6/2/2022</a:t>
+              <a:t>7/13/2022</a:t>
             </a:fld>
             <a:endParaRPr lang="en-US"/>
           </a:p>
@@ -9829,6 +9830,6167 @@
 </p:sld>
 </file>
 
+<file path=ppt/slides/slide5.xml><?xml version="1.0" encoding="utf-8"?>
+<p:sld xmlns:a="http://schemas.openxmlformats.org/drawingml/2006/main" xmlns:r="http://schemas.openxmlformats.org/officeDocument/2006/relationships" xmlns:p="http://schemas.openxmlformats.org/presentationml/2006/main">
+  <p:cSld>
+    <p:spTree>
+      <p:nvGrpSpPr>
+        <p:cNvPr id="1" name=""/>
+        <p:cNvGrpSpPr/>
+        <p:nvPr/>
+      </p:nvGrpSpPr>
+      <p:grpSpPr>
+        <a:xfrm>
+          <a:off x="0" y="0"/>
+          <a:ext cx="0" cy="0"/>
+          <a:chOff x="0" y="0"/>
+          <a:chExt cx="0" cy="0"/>
+        </a:xfrm>
+      </p:grpSpPr>
+      <p:sp>
+        <p:nvSpPr>
+          <p:cNvPr id="69" name="Rectángulo 68">
+            <a:extLst>
+              <a:ext uri="{FF2B5EF4-FFF2-40B4-BE49-F238E27FC236}">
+                <a16:creationId xmlns:a16="http://schemas.microsoft.com/office/drawing/2014/main" id="{620A22AD-99FA-66D4-4894-8D5ABC543BD6}"/>
+              </a:ext>
+            </a:extLst>
+          </p:cNvPr>
+          <p:cNvSpPr/>
+          <p:nvPr/>
+        </p:nvSpPr>
+        <p:spPr>
+          <a:xfrm rot="10800000" flipV="1">
+            <a:off x="10471349" y="6262391"/>
+            <a:ext cx="6280069" cy="2066276"/>
+          </a:xfrm>
+          <a:prstGeom prst="rect">
+            <a:avLst/>
+          </a:prstGeom>
+          <a:solidFill>
+            <a:schemeClr val="accent3">
+              <a:alpha val="42000"/>
+            </a:schemeClr>
+          </a:solidFill>
+        </p:spPr>
+        <p:style>
+          <a:lnRef idx="2">
+            <a:schemeClr val="accent3">
+              <a:shade val="50000"/>
+            </a:schemeClr>
+          </a:lnRef>
+          <a:fillRef idx="1">
+            <a:schemeClr val="accent3"/>
+          </a:fillRef>
+          <a:effectRef idx="0">
+            <a:schemeClr val="accent3"/>
+          </a:effectRef>
+          <a:fontRef idx="minor">
+            <a:schemeClr val="lt1"/>
+          </a:fontRef>
+        </p:style>
+        <p:txBody>
+          <a:bodyPr rtlCol="0" anchor="ctr"/>
+          <a:lstStyle/>
+          <a:p>
+            <a:pPr algn="ctr"/>
+            <a:endParaRPr lang="en-US" sz="4519" dirty="0"/>
+          </a:p>
+        </p:txBody>
+      </p:sp>
+      <p:sp>
+        <p:nvSpPr>
+          <p:cNvPr id="70" name="Rectángulo 69">
+            <a:extLst>
+              <a:ext uri="{FF2B5EF4-FFF2-40B4-BE49-F238E27FC236}">
+                <a16:creationId xmlns:a16="http://schemas.microsoft.com/office/drawing/2014/main" id="{EDDB50F3-DA66-F4D5-1F91-67C4EC46AC92}"/>
+              </a:ext>
+            </a:extLst>
+          </p:cNvPr>
+          <p:cNvSpPr/>
+          <p:nvPr/>
+        </p:nvSpPr>
+        <p:spPr>
+          <a:xfrm rot="10800000" flipV="1">
+            <a:off x="10282991" y="12998537"/>
+            <a:ext cx="6697184" cy="2098926"/>
+          </a:xfrm>
+          <a:prstGeom prst="rect">
+            <a:avLst/>
+          </a:prstGeom>
+          <a:solidFill>
+            <a:schemeClr val="accent3">
+              <a:alpha val="42000"/>
+            </a:schemeClr>
+          </a:solidFill>
+        </p:spPr>
+        <p:style>
+          <a:lnRef idx="2">
+            <a:schemeClr val="accent3">
+              <a:shade val="50000"/>
+            </a:schemeClr>
+          </a:lnRef>
+          <a:fillRef idx="1">
+            <a:schemeClr val="accent3"/>
+          </a:fillRef>
+          <a:effectRef idx="0">
+            <a:schemeClr val="accent3"/>
+          </a:effectRef>
+          <a:fontRef idx="minor">
+            <a:schemeClr val="lt1"/>
+          </a:fontRef>
+        </p:style>
+        <p:txBody>
+          <a:bodyPr rtlCol="0" anchor="ctr"/>
+          <a:lstStyle/>
+          <a:p>
+            <a:pPr algn="ctr"/>
+            <a:endParaRPr lang="en-US" sz="4519" dirty="0"/>
+          </a:p>
+        </p:txBody>
+      </p:sp>
+      <p:sp>
+        <p:nvSpPr>
+          <p:cNvPr id="71" name="Rectángulo 70">
+            <a:extLst>
+              <a:ext uri="{FF2B5EF4-FFF2-40B4-BE49-F238E27FC236}">
+                <a16:creationId xmlns:a16="http://schemas.microsoft.com/office/drawing/2014/main" id="{65D2F1B5-1F68-68AA-2874-F065609D7E29}"/>
+              </a:ext>
+            </a:extLst>
+          </p:cNvPr>
+          <p:cNvSpPr/>
+          <p:nvPr/>
+        </p:nvSpPr>
+        <p:spPr>
+          <a:xfrm rot="10800000" flipV="1">
+            <a:off x="10282998" y="15714979"/>
+            <a:ext cx="6901473" cy="6810695"/>
+          </a:xfrm>
+          <a:prstGeom prst="rect">
+            <a:avLst/>
+          </a:prstGeom>
+          <a:solidFill>
+            <a:schemeClr val="accent3">
+              <a:alpha val="42000"/>
+            </a:schemeClr>
+          </a:solidFill>
+        </p:spPr>
+        <p:style>
+          <a:lnRef idx="2">
+            <a:schemeClr val="accent3">
+              <a:shade val="50000"/>
+            </a:schemeClr>
+          </a:lnRef>
+          <a:fillRef idx="1">
+            <a:schemeClr val="accent3"/>
+          </a:fillRef>
+          <a:effectRef idx="0">
+            <a:schemeClr val="accent3"/>
+          </a:effectRef>
+          <a:fontRef idx="minor">
+            <a:schemeClr val="lt1"/>
+          </a:fontRef>
+        </p:style>
+        <p:txBody>
+          <a:bodyPr rtlCol="0" anchor="ctr"/>
+          <a:lstStyle/>
+          <a:p>
+            <a:pPr algn="ctr"/>
+            <a:endParaRPr lang="en-US" sz="4519" dirty="0"/>
+          </a:p>
+        </p:txBody>
+      </p:sp>
+      <p:sp>
+        <p:nvSpPr>
+          <p:cNvPr id="72" name="Rectángulo 71">
+            <a:extLst>
+              <a:ext uri="{FF2B5EF4-FFF2-40B4-BE49-F238E27FC236}">
+                <a16:creationId xmlns:a16="http://schemas.microsoft.com/office/drawing/2014/main" id="{F8DF00F2-70F6-F3CE-2028-CF68FBBE25EC}"/>
+              </a:ext>
+            </a:extLst>
+          </p:cNvPr>
+          <p:cNvSpPr/>
+          <p:nvPr/>
+        </p:nvSpPr>
+        <p:spPr>
+          <a:xfrm rot="10800000" flipV="1">
+            <a:off x="10282990" y="23143188"/>
+            <a:ext cx="6901473" cy="4146793"/>
+          </a:xfrm>
+          <a:prstGeom prst="rect">
+            <a:avLst/>
+          </a:prstGeom>
+          <a:solidFill>
+            <a:schemeClr val="accent3">
+              <a:alpha val="42000"/>
+            </a:schemeClr>
+          </a:solidFill>
+        </p:spPr>
+        <p:style>
+          <a:lnRef idx="2">
+            <a:schemeClr val="accent3">
+              <a:shade val="50000"/>
+            </a:schemeClr>
+          </a:lnRef>
+          <a:fillRef idx="1">
+            <a:schemeClr val="accent3"/>
+          </a:fillRef>
+          <a:effectRef idx="0">
+            <a:schemeClr val="accent3"/>
+          </a:effectRef>
+          <a:fontRef idx="minor">
+            <a:schemeClr val="lt1"/>
+          </a:fontRef>
+        </p:style>
+        <p:txBody>
+          <a:bodyPr rtlCol="0" anchor="ctr"/>
+          <a:lstStyle/>
+          <a:p>
+            <a:pPr algn="ctr"/>
+            <a:endParaRPr lang="en-US" sz="4519" dirty="0"/>
+          </a:p>
+        </p:txBody>
+      </p:sp>
+      <p:sp>
+        <p:nvSpPr>
+          <p:cNvPr id="12" name="Rectángulo 11">
+            <a:extLst>
+              <a:ext uri="{FF2B5EF4-FFF2-40B4-BE49-F238E27FC236}">
+                <a16:creationId xmlns:a16="http://schemas.microsoft.com/office/drawing/2014/main" id="{6447456F-219E-87FF-E3AB-428D52BA4CBA}"/>
+              </a:ext>
+            </a:extLst>
+          </p:cNvPr>
+          <p:cNvSpPr/>
+          <p:nvPr/>
+        </p:nvSpPr>
+        <p:spPr>
+          <a:xfrm rot="10800000" flipV="1">
+            <a:off x="506942" y="4682787"/>
+            <a:ext cx="9172422" cy="5144355"/>
+          </a:xfrm>
+          <a:prstGeom prst="rect">
+            <a:avLst/>
+          </a:prstGeom>
+          <a:solidFill>
+            <a:schemeClr val="accent1">
+              <a:alpha val="42000"/>
+            </a:schemeClr>
+          </a:solidFill>
+        </p:spPr>
+        <p:style>
+          <a:lnRef idx="2">
+            <a:schemeClr val="accent1">
+              <a:shade val="50000"/>
+            </a:schemeClr>
+          </a:lnRef>
+          <a:fillRef idx="1">
+            <a:schemeClr val="accent1"/>
+          </a:fillRef>
+          <a:effectRef idx="0">
+            <a:schemeClr val="accent1"/>
+          </a:effectRef>
+          <a:fontRef idx="minor">
+            <a:schemeClr val="lt1"/>
+          </a:fontRef>
+        </p:style>
+        <p:txBody>
+          <a:bodyPr rtlCol="0" anchor="ctr"/>
+          <a:lstStyle/>
+          <a:p>
+            <a:pPr algn="ctr"/>
+            <a:endParaRPr lang="en-US" sz="4519" dirty="0"/>
+          </a:p>
+        </p:txBody>
+      </p:sp>
+      <p:sp>
+        <p:nvSpPr>
+          <p:cNvPr id="3" name="Marcador de contenido 2">
+            <a:extLst>
+              <a:ext uri="{FF2B5EF4-FFF2-40B4-BE49-F238E27FC236}">
+                <a16:creationId xmlns:a16="http://schemas.microsoft.com/office/drawing/2014/main" id="{E8FD123C-43A9-6138-44A1-AA66E9159C7A}"/>
+              </a:ext>
+            </a:extLst>
+          </p:cNvPr>
+          <p:cNvSpPr>
+            <a:spLocks noGrp="1"/>
+          </p:cNvSpPr>
+          <p:nvPr>
+            <p:ph idx="1"/>
+          </p:nvPr>
+        </p:nvSpPr>
+        <p:spPr>
+          <a:xfrm>
+            <a:off x="915159" y="611590"/>
+            <a:ext cx="12533182" cy="1897231"/>
+          </a:xfrm>
+        </p:spPr>
+        <p:txBody>
+          <a:bodyPr/>
+          <a:lstStyle/>
+          <a:p>
+            <a:pPr marL="0" indent="0">
+              <a:buNone/>
+            </a:pPr>
+            <a:r>
+              <a:rPr lang="es-CO" dirty="0"/>
+              <a:t>Aplicación Responsive</a:t>
+            </a:r>
+            <a:endParaRPr lang="en-US" dirty="0"/>
+          </a:p>
+        </p:txBody>
+      </p:sp>
+      <p:sp>
+        <p:nvSpPr>
+          <p:cNvPr id="16" name="Rectángulo 15">
+            <a:extLst>
+              <a:ext uri="{FF2B5EF4-FFF2-40B4-BE49-F238E27FC236}">
+                <a16:creationId xmlns:a16="http://schemas.microsoft.com/office/drawing/2014/main" id="{7A6BE477-5EAF-0971-939C-554400BD32B5}"/>
+              </a:ext>
+            </a:extLst>
+          </p:cNvPr>
+          <p:cNvSpPr/>
+          <p:nvPr/>
+        </p:nvSpPr>
+        <p:spPr>
+          <a:xfrm rot="10800000" flipV="1">
+            <a:off x="4156405" y="2155989"/>
+            <a:ext cx="4329210" cy="1425812"/>
+          </a:xfrm>
+          <a:prstGeom prst="rect">
+            <a:avLst/>
+          </a:prstGeom>
+        </p:spPr>
+        <p:style>
+          <a:lnRef idx="2">
+            <a:schemeClr val="accent1">
+              <a:shade val="50000"/>
+            </a:schemeClr>
+          </a:lnRef>
+          <a:fillRef idx="1">
+            <a:schemeClr val="accent1"/>
+          </a:fillRef>
+          <a:effectRef idx="0">
+            <a:schemeClr val="accent1"/>
+          </a:effectRef>
+          <a:fontRef idx="minor">
+            <a:schemeClr val="lt1"/>
+          </a:fontRef>
+        </p:style>
+        <p:txBody>
+          <a:bodyPr rtlCol="0" anchor="ctr"/>
+          <a:lstStyle/>
+          <a:p>
+            <a:pPr algn="ctr"/>
+            <a:r>
+              <a:rPr lang="es-CO" sz="4519" dirty="0"/>
+              <a:t>Administrador</a:t>
+            </a:r>
+            <a:endParaRPr lang="en-US" sz="4519" dirty="0"/>
+          </a:p>
+        </p:txBody>
+      </p:sp>
+      <p:sp>
+        <p:nvSpPr>
+          <p:cNvPr id="17" name="Marcador de contenido 2">
+            <a:extLst>
+              <a:ext uri="{FF2B5EF4-FFF2-40B4-BE49-F238E27FC236}">
+                <a16:creationId xmlns:a16="http://schemas.microsoft.com/office/drawing/2014/main" id="{61CC7AE9-E6BA-D3BA-D7B0-4AE5B2AE504B}"/>
+              </a:ext>
+            </a:extLst>
+          </p:cNvPr>
+          <p:cNvSpPr txBox="1">
+            <a:spLocks/>
+          </p:cNvSpPr>
+          <p:nvPr/>
+        </p:nvSpPr>
+        <p:spPr>
+          <a:xfrm>
+            <a:off x="915159" y="2508821"/>
+            <a:ext cx="12533182" cy="1897231"/>
+          </a:xfrm>
+          <a:prstGeom prst="rect">
+            <a:avLst/>
+          </a:prstGeom>
+        </p:spPr>
+        <p:txBody>
+          <a:bodyPr vert="horz" lIns="186541" tIns="93271" rIns="186541" bIns="93271" rtlCol="0">
+            <a:normAutofit/>
+          </a:bodyPr>
+          <a:lstStyle>
+            <a:lvl1pPr marL="224988" indent="-224988" algn="l" defTabSz="899952" rtl="0" eaLnBrk="1" latinLnBrk="0" hangingPunct="1">
+              <a:lnSpc>
+                <a:spcPct val="90000"/>
+              </a:lnSpc>
+              <a:spcBef>
+                <a:spcPts val="984"/>
+              </a:spcBef>
+              <a:buFont typeface="Arial" panose="020B0604020202020204" pitchFamily="34" charset="0"/>
+              <a:buChar char="•"/>
+              <a:defRPr sz="2756" kern="1200">
+                <a:solidFill>
+                  <a:schemeClr val="tx1"/>
+                </a:solidFill>
+                <a:latin typeface="+mn-lt"/>
+                <a:ea typeface="+mn-ea"/>
+                <a:cs typeface="+mn-cs"/>
+              </a:defRPr>
+            </a:lvl1pPr>
+            <a:lvl2pPr marL="674964" indent="-224988" algn="l" defTabSz="899952" rtl="0" eaLnBrk="1" latinLnBrk="0" hangingPunct="1">
+              <a:lnSpc>
+                <a:spcPct val="90000"/>
+              </a:lnSpc>
+              <a:spcBef>
+                <a:spcPts val="492"/>
+              </a:spcBef>
+              <a:buFont typeface="Arial" panose="020B0604020202020204" pitchFamily="34" charset="0"/>
+              <a:buChar char="•"/>
+              <a:defRPr sz="2362" kern="1200">
+                <a:solidFill>
+                  <a:schemeClr val="tx1"/>
+                </a:solidFill>
+                <a:latin typeface="+mn-lt"/>
+                <a:ea typeface="+mn-ea"/>
+                <a:cs typeface="+mn-cs"/>
+              </a:defRPr>
+            </a:lvl2pPr>
+            <a:lvl3pPr marL="1124941" indent="-224988" algn="l" defTabSz="899952" rtl="0" eaLnBrk="1" latinLnBrk="0" hangingPunct="1">
+              <a:lnSpc>
+                <a:spcPct val="90000"/>
+              </a:lnSpc>
+              <a:spcBef>
+                <a:spcPts val="492"/>
+              </a:spcBef>
+              <a:buFont typeface="Arial" panose="020B0604020202020204" pitchFamily="34" charset="0"/>
+              <a:buChar char="•"/>
+              <a:defRPr sz="1968" kern="1200">
+                <a:solidFill>
+                  <a:schemeClr val="tx1"/>
+                </a:solidFill>
+                <a:latin typeface="+mn-lt"/>
+                <a:ea typeface="+mn-ea"/>
+                <a:cs typeface="+mn-cs"/>
+              </a:defRPr>
+            </a:lvl3pPr>
+            <a:lvl4pPr marL="1574917" indent="-224988" algn="l" defTabSz="899952" rtl="0" eaLnBrk="1" latinLnBrk="0" hangingPunct="1">
+              <a:lnSpc>
+                <a:spcPct val="90000"/>
+              </a:lnSpc>
+              <a:spcBef>
+                <a:spcPts val="492"/>
+              </a:spcBef>
+              <a:buFont typeface="Arial" panose="020B0604020202020204" pitchFamily="34" charset="0"/>
+              <a:buChar char="•"/>
+              <a:defRPr sz="1772" kern="1200">
+                <a:solidFill>
+                  <a:schemeClr val="tx1"/>
+                </a:solidFill>
+                <a:latin typeface="+mn-lt"/>
+                <a:ea typeface="+mn-ea"/>
+                <a:cs typeface="+mn-cs"/>
+              </a:defRPr>
+            </a:lvl4pPr>
+            <a:lvl5pPr marL="2024893" indent="-224988" algn="l" defTabSz="899952" rtl="0" eaLnBrk="1" latinLnBrk="0" hangingPunct="1">
+              <a:lnSpc>
+                <a:spcPct val="90000"/>
+              </a:lnSpc>
+              <a:spcBef>
+                <a:spcPts val="492"/>
+              </a:spcBef>
+              <a:buFont typeface="Arial" panose="020B0604020202020204" pitchFamily="34" charset="0"/>
+              <a:buChar char="•"/>
+              <a:defRPr sz="1772" kern="1200">
+                <a:solidFill>
+                  <a:schemeClr val="tx1"/>
+                </a:solidFill>
+                <a:latin typeface="+mn-lt"/>
+                <a:ea typeface="+mn-ea"/>
+                <a:cs typeface="+mn-cs"/>
+              </a:defRPr>
+            </a:lvl5pPr>
+            <a:lvl6pPr marL="2474869" indent="-224988" algn="l" defTabSz="899952" rtl="0" eaLnBrk="1" latinLnBrk="0" hangingPunct="1">
+              <a:lnSpc>
+                <a:spcPct val="90000"/>
+              </a:lnSpc>
+              <a:spcBef>
+                <a:spcPts val="492"/>
+              </a:spcBef>
+              <a:buFont typeface="Arial" panose="020B0604020202020204" pitchFamily="34" charset="0"/>
+              <a:buChar char="•"/>
+              <a:defRPr sz="1772" kern="1200">
+                <a:solidFill>
+                  <a:schemeClr val="tx1"/>
+                </a:solidFill>
+                <a:latin typeface="+mn-lt"/>
+                <a:ea typeface="+mn-ea"/>
+                <a:cs typeface="+mn-cs"/>
+              </a:defRPr>
+            </a:lvl6pPr>
+            <a:lvl7pPr marL="2924846" indent="-224988" algn="l" defTabSz="899952" rtl="0" eaLnBrk="1" latinLnBrk="0" hangingPunct="1">
+              <a:lnSpc>
+                <a:spcPct val="90000"/>
+              </a:lnSpc>
+              <a:spcBef>
+                <a:spcPts val="492"/>
+              </a:spcBef>
+              <a:buFont typeface="Arial" panose="020B0604020202020204" pitchFamily="34" charset="0"/>
+              <a:buChar char="•"/>
+              <a:defRPr sz="1772" kern="1200">
+                <a:solidFill>
+                  <a:schemeClr val="tx1"/>
+                </a:solidFill>
+                <a:latin typeface="+mn-lt"/>
+                <a:ea typeface="+mn-ea"/>
+                <a:cs typeface="+mn-cs"/>
+              </a:defRPr>
+            </a:lvl7pPr>
+            <a:lvl8pPr marL="3374822" indent="-224988" algn="l" defTabSz="899952" rtl="0" eaLnBrk="1" latinLnBrk="0" hangingPunct="1">
+              <a:lnSpc>
+                <a:spcPct val="90000"/>
+              </a:lnSpc>
+              <a:spcBef>
+                <a:spcPts val="492"/>
+              </a:spcBef>
+              <a:buFont typeface="Arial" panose="020B0604020202020204" pitchFamily="34" charset="0"/>
+              <a:buChar char="•"/>
+              <a:defRPr sz="1772" kern="1200">
+                <a:solidFill>
+                  <a:schemeClr val="tx1"/>
+                </a:solidFill>
+                <a:latin typeface="+mn-lt"/>
+                <a:ea typeface="+mn-ea"/>
+                <a:cs typeface="+mn-cs"/>
+              </a:defRPr>
+            </a:lvl8pPr>
+            <a:lvl9pPr marL="3824798" indent="-224988" algn="l" defTabSz="899952" rtl="0" eaLnBrk="1" latinLnBrk="0" hangingPunct="1">
+              <a:lnSpc>
+                <a:spcPct val="90000"/>
+              </a:lnSpc>
+              <a:spcBef>
+                <a:spcPts val="492"/>
+              </a:spcBef>
+              <a:buFont typeface="Arial" panose="020B0604020202020204" pitchFamily="34" charset="0"/>
+              <a:buChar char="•"/>
+              <a:defRPr sz="1772" kern="1200">
+                <a:solidFill>
+                  <a:schemeClr val="tx1"/>
+                </a:solidFill>
+                <a:latin typeface="+mn-lt"/>
+                <a:ea typeface="+mn-ea"/>
+                <a:cs typeface="+mn-cs"/>
+              </a:defRPr>
+            </a:lvl9pPr>
+          </a:lstStyle>
+          <a:p>
+            <a:pPr marL="0" indent="0">
+              <a:buNone/>
+            </a:pPr>
+            <a:r>
+              <a:rPr lang="es-CO" sz="5622" dirty="0"/>
+              <a:t>Vistas:</a:t>
+            </a:r>
+            <a:endParaRPr lang="en-US" sz="5622" dirty="0"/>
+          </a:p>
+        </p:txBody>
+      </p:sp>
+      <p:sp>
+        <p:nvSpPr>
+          <p:cNvPr id="18" name="Rectángulo 17">
+            <a:extLst>
+              <a:ext uri="{FF2B5EF4-FFF2-40B4-BE49-F238E27FC236}">
+                <a16:creationId xmlns:a16="http://schemas.microsoft.com/office/drawing/2014/main" id="{DA86264A-7D34-37A8-609B-613AB02A2FEA}"/>
+              </a:ext>
+            </a:extLst>
+          </p:cNvPr>
+          <p:cNvSpPr/>
+          <p:nvPr/>
+        </p:nvSpPr>
+        <p:spPr>
+          <a:xfrm rot="10800000" flipV="1">
+            <a:off x="9119131" y="2155989"/>
+            <a:ext cx="4329210" cy="1425812"/>
+          </a:xfrm>
+          <a:prstGeom prst="rect">
+            <a:avLst/>
+          </a:prstGeom>
+        </p:spPr>
+        <p:style>
+          <a:lnRef idx="2">
+            <a:schemeClr val="accent6">
+              <a:shade val="50000"/>
+            </a:schemeClr>
+          </a:lnRef>
+          <a:fillRef idx="1">
+            <a:schemeClr val="accent6"/>
+          </a:fillRef>
+          <a:effectRef idx="0">
+            <a:schemeClr val="accent6"/>
+          </a:effectRef>
+          <a:fontRef idx="minor">
+            <a:schemeClr val="lt1"/>
+          </a:fontRef>
+        </p:style>
+        <p:txBody>
+          <a:bodyPr rtlCol="0" anchor="ctr"/>
+          <a:lstStyle/>
+          <a:p>
+            <a:pPr algn="ctr"/>
+            <a:r>
+              <a:rPr lang="es-CO" sz="4519" dirty="0"/>
+              <a:t>Operario</a:t>
+            </a:r>
+            <a:endParaRPr lang="en-US" sz="4519" dirty="0"/>
+          </a:p>
+        </p:txBody>
+      </p:sp>
+      <p:sp>
+        <p:nvSpPr>
+          <p:cNvPr id="19" name="Marcador de contenido 2">
+            <a:extLst>
+              <a:ext uri="{FF2B5EF4-FFF2-40B4-BE49-F238E27FC236}">
+                <a16:creationId xmlns:a16="http://schemas.microsoft.com/office/drawing/2014/main" id="{88F3539B-5825-D2E7-5F93-BB0B88DF08B1}"/>
+              </a:ext>
+            </a:extLst>
+          </p:cNvPr>
+          <p:cNvSpPr txBox="1">
+            <a:spLocks/>
+          </p:cNvSpPr>
+          <p:nvPr/>
+        </p:nvSpPr>
+        <p:spPr>
+          <a:xfrm>
+            <a:off x="616717" y="4821394"/>
+            <a:ext cx="9062647" cy="5327001"/>
+          </a:xfrm>
+          <a:prstGeom prst="rect">
+            <a:avLst/>
+          </a:prstGeom>
+        </p:spPr>
+        <p:txBody>
+          <a:bodyPr vert="horz" lIns="186541" tIns="93271" rIns="186541" bIns="93271" rtlCol="0">
+            <a:normAutofit/>
+          </a:bodyPr>
+          <a:lstStyle>
+            <a:lvl1pPr marL="224988" indent="-224988" algn="l" defTabSz="899952" rtl="0" eaLnBrk="1" latinLnBrk="0" hangingPunct="1">
+              <a:lnSpc>
+                <a:spcPct val="90000"/>
+              </a:lnSpc>
+              <a:spcBef>
+                <a:spcPts val="984"/>
+              </a:spcBef>
+              <a:buFont typeface="Arial" panose="020B0604020202020204" pitchFamily="34" charset="0"/>
+              <a:buChar char="•"/>
+              <a:defRPr sz="2756" kern="1200">
+                <a:solidFill>
+                  <a:schemeClr val="tx1"/>
+                </a:solidFill>
+                <a:latin typeface="+mn-lt"/>
+                <a:ea typeface="+mn-ea"/>
+                <a:cs typeface="+mn-cs"/>
+              </a:defRPr>
+            </a:lvl1pPr>
+            <a:lvl2pPr marL="674964" indent="-224988" algn="l" defTabSz="899952" rtl="0" eaLnBrk="1" latinLnBrk="0" hangingPunct="1">
+              <a:lnSpc>
+                <a:spcPct val="90000"/>
+              </a:lnSpc>
+              <a:spcBef>
+                <a:spcPts val="492"/>
+              </a:spcBef>
+              <a:buFont typeface="Arial" panose="020B0604020202020204" pitchFamily="34" charset="0"/>
+              <a:buChar char="•"/>
+              <a:defRPr sz="2362" kern="1200">
+                <a:solidFill>
+                  <a:schemeClr val="tx1"/>
+                </a:solidFill>
+                <a:latin typeface="+mn-lt"/>
+                <a:ea typeface="+mn-ea"/>
+                <a:cs typeface="+mn-cs"/>
+              </a:defRPr>
+            </a:lvl2pPr>
+            <a:lvl3pPr marL="1124941" indent="-224988" algn="l" defTabSz="899952" rtl="0" eaLnBrk="1" latinLnBrk="0" hangingPunct="1">
+              <a:lnSpc>
+                <a:spcPct val="90000"/>
+              </a:lnSpc>
+              <a:spcBef>
+                <a:spcPts val="492"/>
+              </a:spcBef>
+              <a:buFont typeface="Arial" panose="020B0604020202020204" pitchFamily="34" charset="0"/>
+              <a:buChar char="•"/>
+              <a:defRPr sz="1968" kern="1200">
+                <a:solidFill>
+                  <a:schemeClr val="tx1"/>
+                </a:solidFill>
+                <a:latin typeface="+mn-lt"/>
+                <a:ea typeface="+mn-ea"/>
+                <a:cs typeface="+mn-cs"/>
+              </a:defRPr>
+            </a:lvl3pPr>
+            <a:lvl4pPr marL="1574917" indent="-224988" algn="l" defTabSz="899952" rtl="0" eaLnBrk="1" latinLnBrk="0" hangingPunct="1">
+              <a:lnSpc>
+                <a:spcPct val="90000"/>
+              </a:lnSpc>
+              <a:spcBef>
+                <a:spcPts val="492"/>
+              </a:spcBef>
+              <a:buFont typeface="Arial" panose="020B0604020202020204" pitchFamily="34" charset="0"/>
+              <a:buChar char="•"/>
+              <a:defRPr sz="1772" kern="1200">
+                <a:solidFill>
+                  <a:schemeClr val="tx1"/>
+                </a:solidFill>
+                <a:latin typeface="+mn-lt"/>
+                <a:ea typeface="+mn-ea"/>
+                <a:cs typeface="+mn-cs"/>
+              </a:defRPr>
+            </a:lvl4pPr>
+            <a:lvl5pPr marL="2024893" indent="-224988" algn="l" defTabSz="899952" rtl="0" eaLnBrk="1" latinLnBrk="0" hangingPunct="1">
+              <a:lnSpc>
+                <a:spcPct val="90000"/>
+              </a:lnSpc>
+              <a:spcBef>
+                <a:spcPts val="492"/>
+              </a:spcBef>
+              <a:buFont typeface="Arial" panose="020B0604020202020204" pitchFamily="34" charset="0"/>
+              <a:buChar char="•"/>
+              <a:defRPr sz="1772" kern="1200">
+                <a:solidFill>
+                  <a:schemeClr val="tx1"/>
+                </a:solidFill>
+                <a:latin typeface="+mn-lt"/>
+                <a:ea typeface="+mn-ea"/>
+                <a:cs typeface="+mn-cs"/>
+              </a:defRPr>
+            </a:lvl5pPr>
+            <a:lvl6pPr marL="2474869" indent="-224988" algn="l" defTabSz="899952" rtl="0" eaLnBrk="1" latinLnBrk="0" hangingPunct="1">
+              <a:lnSpc>
+                <a:spcPct val="90000"/>
+              </a:lnSpc>
+              <a:spcBef>
+                <a:spcPts val="492"/>
+              </a:spcBef>
+              <a:buFont typeface="Arial" panose="020B0604020202020204" pitchFamily="34" charset="0"/>
+              <a:buChar char="•"/>
+              <a:defRPr sz="1772" kern="1200">
+                <a:solidFill>
+                  <a:schemeClr val="tx1"/>
+                </a:solidFill>
+                <a:latin typeface="+mn-lt"/>
+                <a:ea typeface="+mn-ea"/>
+                <a:cs typeface="+mn-cs"/>
+              </a:defRPr>
+            </a:lvl6pPr>
+            <a:lvl7pPr marL="2924846" indent="-224988" algn="l" defTabSz="899952" rtl="0" eaLnBrk="1" latinLnBrk="0" hangingPunct="1">
+              <a:lnSpc>
+                <a:spcPct val="90000"/>
+              </a:lnSpc>
+              <a:spcBef>
+                <a:spcPts val="492"/>
+              </a:spcBef>
+              <a:buFont typeface="Arial" panose="020B0604020202020204" pitchFamily="34" charset="0"/>
+              <a:buChar char="•"/>
+              <a:defRPr sz="1772" kern="1200">
+                <a:solidFill>
+                  <a:schemeClr val="tx1"/>
+                </a:solidFill>
+                <a:latin typeface="+mn-lt"/>
+                <a:ea typeface="+mn-ea"/>
+                <a:cs typeface="+mn-cs"/>
+              </a:defRPr>
+            </a:lvl7pPr>
+            <a:lvl8pPr marL="3374822" indent="-224988" algn="l" defTabSz="899952" rtl="0" eaLnBrk="1" latinLnBrk="0" hangingPunct="1">
+              <a:lnSpc>
+                <a:spcPct val="90000"/>
+              </a:lnSpc>
+              <a:spcBef>
+                <a:spcPts val="492"/>
+              </a:spcBef>
+              <a:buFont typeface="Arial" panose="020B0604020202020204" pitchFamily="34" charset="0"/>
+              <a:buChar char="•"/>
+              <a:defRPr sz="1772" kern="1200">
+                <a:solidFill>
+                  <a:schemeClr val="tx1"/>
+                </a:solidFill>
+                <a:latin typeface="+mn-lt"/>
+                <a:ea typeface="+mn-ea"/>
+                <a:cs typeface="+mn-cs"/>
+              </a:defRPr>
+            </a:lvl8pPr>
+            <a:lvl9pPr marL="3824798" indent="-224988" algn="l" defTabSz="899952" rtl="0" eaLnBrk="1" latinLnBrk="0" hangingPunct="1">
+              <a:lnSpc>
+                <a:spcPct val="90000"/>
+              </a:lnSpc>
+              <a:spcBef>
+                <a:spcPts val="492"/>
+              </a:spcBef>
+              <a:buFont typeface="Arial" panose="020B0604020202020204" pitchFamily="34" charset="0"/>
+              <a:buChar char="•"/>
+              <a:defRPr sz="1772" kern="1200">
+                <a:solidFill>
+                  <a:schemeClr val="tx1"/>
+                </a:solidFill>
+                <a:latin typeface="+mn-lt"/>
+                <a:ea typeface="+mn-ea"/>
+                <a:cs typeface="+mn-cs"/>
+              </a:defRPr>
+            </a:lvl9pPr>
+          </a:lstStyle>
+          <a:p>
+            <a:pPr marL="0" indent="0" algn="ctr">
+              <a:buNone/>
+            </a:pPr>
+            <a:r>
+              <a:rPr lang="es-CO" sz="5712" dirty="0" err="1"/>
+              <a:t>Loggeo</a:t>
+            </a:r>
+            <a:r>
+              <a:rPr lang="es-CO" sz="5712" dirty="0"/>
+              <a:t> </a:t>
+            </a:r>
+            <a:r>
+              <a:rPr lang="es-CO" sz="5712" dirty="0" err="1"/>
+              <a:t>Admin</a:t>
+            </a:r>
+            <a:endParaRPr lang="es-CO" sz="5712" dirty="0"/>
+          </a:p>
+          <a:p>
+            <a:pPr marL="0" indent="0" algn="ctr">
+              <a:buNone/>
+            </a:pPr>
+            <a:endParaRPr lang="es-CO" sz="5712" dirty="0"/>
+          </a:p>
+          <a:p>
+            <a:pPr marL="0" indent="0" algn="ctr">
+              <a:buNone/>
+            </a:pPr>
+            <a:r>
+              <a:rPr lang="es-CO" sz="5712" dirty="0"/>
+              <a:t>Subir conjunto de pedidos</a:t>
+            </a:r>
+          </a:p>
+          <a:p>
+            <a:pPr marL="0" indent="0" algn="ctr">
+              <a:buNone/>
+            </a:pPr>
+            <a:endParaRPr lang="es-CO" sz="5712" dirty="0"/>
+          </a:p>
+          <a:p>
+            <a:pPr marL="0" indent="0" algn="ctr">
+              <a:buNone/>
+            </a:pPr>
+            <a:r>
+              <a:rPr lang="es-CO" sz="5712" dirty="0"/>
+              <a:t>Aceptar e iniciar </a:t>
+            </a:r>
+            <a:r>
+              <a:rPr lang="es-CO" sz="5712" dirty="0" err="1"/>
+              <a:t>Picking</a:t>
+            </a:r>
+            <a:endParaRPr lang="en-US" sz="5712" dirty="0"/>
+          </a:p>
+        </p:txBody>
+      </p:sp>
+      <p:sp>
+        <p:nvSpPr>
+          <p:cNvPr id="21" name="Marcador de contenido 2">
+            <a:extLst>
+              <a:ext uri="{FF2B5EF4-FFF2-40B4-BE49-F238E27FC236}">
+                <a16:creationId xmlns:a16="http://schemas.microsoft.com/office/drawing/2014/main" id="{24705B0B-D55D-927D-9ED5-2820609B2474}"/>
+              </a:ext>
+            </a:extLst>
+          </p:cNvPr>
+          <p:cNvSpPr txBox="1">
+            <a:spLocks/>
+          </p:cNvSpPr>
+          <p:nvPr/>
+        </p:nvSpPr>
+        <p:spPr>
+          <a:xfrm>
+            <a:off x="18899092" y="2105470"/>
+            <a:ext cx="10254132" cy="3890218"/>
+          </a:xfrm>
+          <a:prstGeom prst="rect">
+            <a:avLst/>
+          </a:prstGeom>
+        </p:spPr>
+        <p:txBody>
+          <a:bodyPr vert="horz" lIns="391694" tIns="195847" rIns="391694" bIns="195847" rtlCol="0">
+            <a:normAutofit/>
+          </a:bodyPr>
+          <a:lstStyle>
+            <a:lvl1pPr marL="228600" indent="-228600" algn="l" defTabSz="914400" rtl="0" eaLnBrk="1" latinLnBrk="0" hangingPunct="1">
+              <a:lnSpc>
+                <a:spcPct val="90000"/>
+              </a:lnSpc>
+              <a:spcBef>
+                <a:spcPts val="1000"/>
+              </a:spcBef>
+              <a:buFont typeface="Arial" panose="020B0604020202020204" pitchFamily="34" charset="0"/>
+              <a:buChar char="•"/>
+              <a:defRPr sz="2800" kern="1200">
+                <a:solidFill>
+                  <a:schemeClr val="tx1"/>
+                </a:solidFill>
+                <a:latin typeface="+mn-lt"/>
+                <a:ea typeface="+mn-ea"/>
+                <a:cs typeface="+mn-cs"/>
+              </a:defRPr>
+            </a:lvl1pPr>
+            <a:lvl2pPr marL="685800" indent="-228600" algn="l" defTabSz="914400" rtl="0" eaLnBrk="1" latinLnBrk="0" hangingPunct="1">
+              <a:lnSpc>
+                <a:spcPct val="90000"/>
+              </a:lnSpc>
+              <a:spcBef>
+                <a:spcPts val="500"/>
+              </a:spcBef>
+              <a:buFont typeface="Arial" panose="020B0604020202020204" pitchFamily="34" charset="0"/>
+              <a:buChar char="•"/>
+              <a:defRPr sz="2400" kern="1200">
+                <a:solidFill>
+                  <a:schemeClr val="tx1"/>
+                </a:solidFill>
+                <a:latin typeface="+mn-lt"/>
+                <a:ea typeface="+mn-ea"/>
+                <a:cs typeface="+mn-cs"/>
+              </a:defRPr>
+            </a:lvl2pPr>
+            <a:lvl3pPr marL="1143000" indent="-228600" algn="l" defTabSz="914400" rtl="0" eaLnBrk="1" latinLnBrk="0" hangingPunct="1">
+              <a:lnSpc>
+                <a:spcPct val="90000"/>
+              </a:lnSpc>
+              <a:spcBef>
+                <a:spcPts val="500"/>
+              </a:spcBef>
+              <a:buFont typeface="Arial" panose="020B0604020202020204" pitchFamily="34" charset="0"/>
+              <a:buChar char="•"/>
+              <a:defRPr sz="2000" kern="1200">
+                <a:solidFill>
+                  <a:schemeClr val="tx1"/>
+                </a:solidFill>
+                <a:latin typeface="+mn-lt"/>
+                <a:ea typeface="+mn-ea"/>
+                <a:cs typeface="+mn-cs"/>
+              </a:defRPr>
+            </a:lvl3pPr>
+            <a:lvl4pPr marL="1600200" indent="-228600" algn="l" defTabSz="914400" rtl="0" eaLnBrk="1" latinLnBrk="0" hangingPunct="1">
+              <a:lnSpc>
+                <a:spcPct val="90000"/>
+              </a:lnSpc>
+              <a:spcBef>
+                <a:spcPts val="500"/>
+              </a:spcBef>
+              <a:buFont typeface="Arial" panose="020B0604020202020204" pitchFamily="34" charset="0"/>
+              <a:buChar char="•"/>
+              <a:defRPr sz="1800" kern="1200">
+                <a:solidFill>
+                  <a:schemeClr val="tx1"/>
+                </a:solidFill>
+                <a:latin typeface="+mn-lt"/>
+                <a:ea typeface="+mn-ea"/>
+                <a:cs typeface="+mn-cs"/>
+              </a:defRPr>
+            </a:lvl4pPr>
+            <a:lvl5pPr marL="2057400" indent="-228600" algn="l" defTabSz="914400" rtl="0" eaLnBrk="1" latinLnBrk="0" hangingPunct="1">
+              <a:lnSpc>
+                <a:spcPct val="90000"/>
+              </a:lnSpc>
+              <a:spcBef>
+                <a:spcPts val="500"/>
+              </a:spcBef>
+              <a:buFont typeface="Arial" panose="020B0604020202020204" pitchFamily="34" charset="0"/>
+              <a:buChar char="•"/>
+              <a:defRPr sz="1800" kern="1200">
+                <a:solidFill>
+                  <a:schemeClr val="tx1"/>
+                </a:solidFill>
+                <a:latin typeface="+mn-lt"/>
+                <a:ea typeface="+mn-ea"/>
+                <a:cs typeface="+mn-cs"/>
+              </a:defRPr>
+            </a:lvl5pPr>
+            <a:lvl6pPr marL="2514600" indent="-228600" algn="l" defTabSz="914400" rtl="0" eaLnBrk="1" latinLnBrk="0" hangingPunct="1">
+              <a:lnSpc>
+                <a:spcPct val="90000"/>
+              </a:lnSpc>
+              <a:spcBef>
+                <a:spcPts val="500"/>
+              </a:spcBef>
+              <a:buFont typeface="Arial" panose="020B0604020202020204" pitchFamily="34" charset="0"/>
+              <a:buChar char="•"/>
+              <a:defRPr sz="1800" kern="1200">
+                <a:solidFill>
+                  <a:schemeClr val="tx1"/>
+                </a:solidFill>
+                <a:latin typeface="+mn-lt"/>
+                <a:ea typeface="+mn-ea"/>
+                <a:cs typeface="+mn-cs"/>
+              </a:defRPr>
+            </a:lvl6pPr>
+            <a:lvl7pPr marL="2971800" indent="-228600" algn="l" defTabSz="914400" rtl="0" eaLnBrk="1" latinLnBrk="0" hangingPunct="1">
+              <a:lnSpc>
+                <a:spcPct val="90000"/>
+              </a:lnSpc>
+              <a:spcBef>
+                <a:spcPts val="500"/>
+              </a:spcBef>
+              <a:buFont typeface="Arial" panose="020B0604020202020204" pitchFamily="34" charset="0"/>
+              <a:buChar char="•"/>
+              <a:defRPr sz="1800" kern="1200">
+                <a:solidFill>
+                  <a:schemeClr val="tx1"/>
+                </a:solidFill>
+                <a:latin typeface="+mn-lt"/>
+                <a:ea typeface="+mn-ea"/>
+                <a:cs typeface="+mn-cs"/>
+              </a:defRPr>
+            </a:lvl7pPr>
+            <a:lvl8pPr marL="3429000" indent="-228600" algn="l" defTabSz="914400" rtl="0" eaLnBrk="1" latinLnBrk="0" hangingPunct="1">
+              <a:lnSpc>
+                <a:spcPct val="90000"/>
+              </a:lnSpc>
+              <a:spcBef>
+                <a:spcPts val="500"/>
+              </a:spcBef>
+              <a:buFont typeface="Arial" panose="020B0604020202020204" pitchFamily="34" charset="0"/>
+              <a:buChar char="•"/>
+              <a:defRPr sz="1800" kern="1200">
+                <a:solidFill>
+                  <a:schemeClr val="tx1"/>
+                </a:solidFill>
+                <a:latin typeface="+mn-lt"/>
+                <a:ea typeface="+mn-ea"/>
+                <a:cs typeface="+mn-cs"/>
+              </a:defRPr>
+            </a:lvl8pPr>
+            <a:lvl9pPr marL="3886200" indent="-228600" algn="l" defTabSz="914400" rtl="0" eaLnBrk="1" latinLnBrk="0" hangingPunct="1">
+              <a:lnSpc>
+                <a:spcPct val="90000"/>
+              </a:lnSpc>
+              <a:spcBef>
+                <a:spcPts val="500"/>
+              </a:spcBef>
+              <a:buFont typeface="Arial" panose="020B0604020202020204" pitchFamily="34" charset="0"/>
+              <a:buChar char="•"/>
+              <a:defRPr sz="1800" kern="1200">
+                <a:solidFill>
+                  <a:schemeClr val="tx1"/>
+                </a:solidFill>
+                <a:latin typeface="+mn-lt"/>
+                <a:ea typeface="+mn-ea"/>
+                <a:cs typeface="+mn-cs"/>
+              </a:defRPr>
+            </a:lvl9pPr>
+          </a:lstStyle>
+          <a:p>
+            <a:r>
+              <a:rPr lang="es-CO" sz="5399" dirty="0"/>
+              <a:t>Formato de pedidos (ejemplo aplicación existente)</a:t>
+            </a:r>
+          </a:p>
+          <a:p>
+            <a:r>
+              <a:rPr lang="es-CO" sz="5399" dirty="0"/>
+              <a:t>Vista de aplicación (ejemplo aplicación existente)</a:t>
+            </a:r>
+          </a:p>
+          <a:p>
+            <a:endParaRPr lang="en-US" sz="5399" dirty="0"/>
+          </a:p>
+        </p:txBody>
+      </p:sp>
+      <p:sp>
+        <p:nvSpPr>
+          <p:cNvPr id="24" name="Marcador de contenido 2">
+            <a:extLst>
+              <a:ext uri="{FF2B5EF4-FFF2-40B4-BE49-F238E27FC236}">
+                <a16:creationId xmlns:a16="http://schemas.microsoft.com/office/drawing/2014/main" id="{BF18ABE8-AA84-B274-05DF-5B4272C2CD63}"/>
+              </a:ext>
+            </a:extLst>
+          </p:cNvPr>
+          <p:cNvSpPr txBox="1">
+            <a:spLocks/>
+          </p:cNvSpPr>
+          <p:nvPr/>
+        </p:nvSpPr>
+        <p:spPr>
+          <a:xfrm>
+            <a:off x="18899092" y="5770495"/>
+            <a:ext cx="9823826" cy="3428798"/>
+          </a:xfrm>
+          <a:prstGeom prst="rect">
+            <a:avLst/>
+          </a:prstGeom>
+        </p:spPr>
+        <p:txBody>
+          <a:bodyPr vert="horz" lIns="391694" tIns="195847" rIns="391694" bIns="195847" rtlCol="0">
+            <a:normAutofit/>
+          </a:bodyPr>
+          <a:lstStyle>
+            <a:defPPr>
+              <a:defRPr lang="en-US"/>
+            </a:defPPr>
+            <a:lvl1pPr marL="228600" indent="-228600" defTabSz="914400">
+              <a:lnSpc>
+                <a:spcPct val="90000"/>
+              </a:lnSpc>
+              <a:spcBef>
+                <a:spcPts val="1000"/>
+              </a:spcBef>
+              <a:buFont typeface="Arial" panose="020B0604020202020204" pitchFamily="34" charset="0"/>
+              <a:buChar char="•"/>
+              <a:defRPr sz="5400"/>
+            </a:lvl1pPr>
+            <a:lvl2pPr marL="685800" indent="-228600" defTabSz="914400">
+              <a:lnSpc>
+                <a:spcPct val="90000"/>
+              </a:lnSpc>
+              <a:spcBef>
+                <a:spcPts val="500"/>
+              </a:spcBef>
+              <a:buFont typeface="Arial" panose="020B0604020202020204" pitchFamily="34" charset="0"/>
+              <a:buChar char="•"/>
+              <a:defRPr sz="2400"/>
+            </a:lvl2pPr>
+            <a:lvl3pPr marL="1143000" indent="-228600" defTabSz="914400">
+              <a:lnSpc>
+                <a:spcPct val="90000"/>
+              </a:lnSpc>
+              <a:spcBef>
+                <a:spcPts val="500"/>
+              </a:spcBef>
+              <a:buFont typeface="Arial" panose="020B0604020202020204" pitchFamily="34" charset="0"/>
+              <a:buChar char="•"/>
+              <a:defRPr sz="2000"/>
+            </a:lvl3pPr>
+            <a:lvl4pPr marL="1600200" indent="-228600" defTabSz="914400">
+              <a:lnSpc>
+                <a:spcPct val="90000"/>
+              </a:lnSpc>
+              <a:spcBef>
+                <a:spcPts val="500"/>
+              </a:spcBef>
+              <a:buFont typeface="Arial" panose="020B0604020202020204" pitchFamily="34" charset="0"/>
+              <a:buChar char="•"/>
+            </a:lvl4pPr>
+            <a:lvl5pPr marL="2057400" indent="-228600" defTabSz="914400">
+              <a:lnSpc>
+                <a:spcPct val="90000"/>
+              </a:lnSpc>
+              <a:spcBef>
+                <a:spcPts val="500"/>
+              </a:spcBef>
+              <a:buFont typeface="Arial" panose="020B0604020202020204" pitchFamily="34" charset="0"/>
+              <a:buChar char="•"/>
+            </a:lvl5pPr>
+            <a:lvl6pPr marL="2514600" indent="-228600" defTabSz="914400">
+              <a:lnSpc>
+                <a:spcPct val="90000"/>
+              </a:lnSpc>
+              <a:spcBef>
+                <a:spcPts val="500"/>
+              </a:spcBef>
+              <a:buFont typeface="Arial" panose="020B0604020202020204" pitchFamily="34" charset="0"/>
+              <a:buChar char="•"/>
+            </a:lvl6pPr>
+            <a:lvl7pPr marL="2971800" indent="-228600" defTabSz="914400">
+              <a:lnSpc>
+                <a:spcPct val="90000"/>
+              </a:lnSpc>
+              <a:spcBef>
+                <a:spcPts val="500"/>
+              </a:spcBef>
+              <a:buFont typeface="Arial" panose="020B0604020202020204" pitchFamily="34" charset="0"/>
+              <a:buChar char="•"/>
+            </a:lvl7pPr>
+            <a:lvl8pPr marL="3429000" indent="-228600" defTabSz="914400">
+              <a:lnSpc>
+                <a:spcPct val="90000"/>
+              </a:lnSpc>
+              <a:spcBef>
+                <a:spcPts val="500"/>
+              </a:spcBef>
+              <a:buFont typeface="Arial" panose="020B0604020202020204" pitchFamily="34" charset="0"/>
+              <a:buChar char="•"/>
+            </a:lvl8pPr>
+            <a:lvl9pPr marL="3886200" indent="-228600" defTabSz="914400">
+              <a:lnSpc>
+                <a:spcPct val="90000"/>
+              </a:lnSpc>
+              <a:spcBef>
+                <a:spcPts val="500"/>
+              </a:spcBef>
+              <a:buFont typeface="Arial" panose="020B0604020202020204" pitchFamily="34" charset="0"/>
+              <a:buChar char="•"/>
+            </a:lvl9pPr>
+          </a:lstStyle>
+          <a:p>
+            <a:r>
+              <a:rPr lang="es-CO" sz="5399" dirty="0"/>
+              <a:t>Un pedido tiene varias filas. Tiene numero de filas como numero de referencias</a:t>
+            </a:r>
+            <a:endParaRPr lang="en-US" sz="5399" dirty="0"/>
+          </a:p>
+        </p:txBody>
+      </p:sp>
+      <p:cxnSp>
+        <p:nvCxnSpPr>
+          <p:cNvPr id="6" name="Conector recto de flecha 5">
+            <a:extLst>
+              <a:ext uri="{FF2B5EF4-FFF2-40B4-BE49-F238E27FC236}">
+                <a16:creationId xmlns:a16="http://schemas.microsoft.com/office/drawing/2014/main" id="{179EB152-9FD2-D69F-B3CF-C908C0F1EB77}"/>
+              </a:ext>
+            </a:extLst>
+          </p:cNvPr>
+          <p:cNvCxnSpPr>
+            <a:cxnSpLocks/>
+          </p:cNvCxnSpPr>
+          <p:nvPr/>
+        </p:nvCxnSpPr>
+        <p:spPr>
+          <a:xfrm>
+            <a:off x="5173439" y="5814844"/>
+            <a:ext cx="0" cy="889318"/>
+          </a:xfrm>
+          <a:prstGeom prst="straightConnector1">
+            <a:avLst/>
+          </a:prstGeom>
+          <a:ln w="9525" cap="flat" cmpd="sng" algn="ctr">
+            <a:solidFill>
+              <a:schemeClr val="dk1"/>
+            </a:solidFill>
+            <a:prstDash val="solid"/>
+            <a:round/>
+            <a:headEnd type="none" w="med" len="med"/>
+            <a:tailEnd type="arrow" w="med" len="med"/>
+          </a:ln>
+        </p:spPr>
+        <p:style>
+          <a:lnRef idx="0">
+            <a:scrgbClr r="0" g="0" b="0"/>
+          </a:lnRef>
+          <a:fillRef idx="0">
+            <a:scrgbClr r="0" g="0" b="0"/>
+          </a:fillRef>
+          <a:effectRef idx="0">
+            <a:scrgbClr r="0" g="0" b="0"/>
+          </a:effectRef>
+          <a:fontRef idx="minor">
+            <a:schemeClr val="tx1"/>
+          </a:fontRef>
+        </p:style>
+      </p:cxnSp>
+      <p:cxnSp>
+        <p:nvCxnSpPr>
+          <p:cNvPr id="25" name="Conector recto de flecha 24">
+            <a:extLst>
+              <a:ext uri="{FF2B5EF4-FFF2-40B4-BE49-F238E27FC236}">
+                <a16:creationId xmlns:a16="http://schemas.microsoft.com/office/drawing/2014/main" id="{50D07BE2-270D-E239-9E4C-5D7EEA04F5E2}"/>
+              </a:ext>
+            </a:extLst>
+          </p:cNvPr>
+          <p:cNvCxnSpPr>
+            <a:cxnSpLocks/>
+          </p:cNvCxnSpPr>
+          <p:nvPr/>
+        </p:nvCxnSpPr>
+        <p:spPr>
+          <a:xfrm>
+            <a:off x="5147853" y="7667949"/>
+            <a:ext cx="0" cy="889318"/>
+          </a:xfrm>
+          <a:prstGeom prst="straightConnector1">
+            <a:avLst/>
+          </a:prstGeom>
+          <a:ln w="9525" cap="flat" cmpd="sng" algn="ctr">
+            <a:solidFill>
+              <a:schemeClr val="dk1"/>
+            </a:solidFill>
+            <a:prstDash val="solid"/>
+            <a:round/>
+            <a:headEnd type="none" w="med" len="med"/>
+            <a:tailEnd type="arrow" w="med" len="med"/>
+          </a:ln>
+        </p:spPr>
+        <p:style>
+          <a:lnRef idx="0">
+            <a:scrgbClr r="0" g="0" b="0"/>
+          </a:lnRef>
+          <a:fillRef idx="0">
+            <a:scrgbClr r="0" g="0" b="0"/>
+          </a:fillRef>
+          <a:effectRef idx="0">
+            <a:scrgbClr r="0" g="0" b="0"/>
+          </a:effectRef>
+          <a:fontRef idx="minor">
+            <a:schemeClr val="tx1"/>
+          </a:fontRef>
+        </p:style>
+      </p:cxnSp>
+      <p:sp>
+        <p:nvSpPr>
+          <p:cNvPr id="27" name="Rectángulo 26">
+            <a:extLst>
+              <a:ext uri="{FF2B5EF4-FFF2-40B4-BE49-F238E27FC236}">
+                <a16:creationId xmlns:a16="http://schemas.microsoft.com/office/drawing/2014/main" id="{59FD2729-D004-EB4E-EEDF-7EB4054A3906}"/>
+              </a:ext>
+            </a:extLst>
+          </p:cNvPr>
+          <p:cNvSpPr/>
+          <p:nvPr/>
+        </p:nvSpPr>
+        <p:spPr>
+          <a:xfrm rot="10800000" flipV="1">
+            <a:off x="557741" y="11227992"/>
+            <a:ext cx="9172422" cy="6444204"/>
+          </a:xfrm>
+          <a:prstGeom prst="rect">
+            <a:avLst/>
+          </a:prstGeom>
+          <a:solidFill>
+            <a:schemeClr val="accent6">
+              <a:alpha val="42000"/>
+            </a:schemeClr>
+          </a:solidFill>
+        </p:spPr>
+        <p:style>
+          <a:lnRef idx="2">
+            <a:schemeClr val="accent1">
+              <a:shade val="50000"/>
+            </a:schemeClr>
+          </a:lnRef>
+          <a:fillRef idx="1">
+            <a:schemeClr val="accent1"/>
+          </a:fillRef>
+          <a:effectRef idx="0">
+            <a:schemeClr val="accent1"/>
+          </a:effectRef>
+          <a:fontRef idx="minor">
+            <a:schemeClr val="lt1"/>
+          </a:fontRef>
+        </p:style>
+        <p:txBody>
+          <a:bodyPr rtlCol="0" anchor="ctr"/>
+          <a:lstStyle/>
+          <a:p>
+            <a:pPr algn="ctr"/>
+            <a:endParaRPr lang="en-US" sz="4519" dirty="0"/>
+          </a:p>
+        </p:txBody>
+      </p:sp>
+      <p:sp>
+        <p:nvSpPr>
+          <p:cNvPr id="28" name="CuadroTexto 27">
+            <a:extLst>
+              <a:ext uri="{FF2B5EF4-FFF2-40B4-BE49-F238E27FC236}">
+                <a16:creationId xmlns:a16="http://schemas.microsoft.com/office/drawing/2014/main" id="{7FBF4575-985F-52FE-0098-A30CD0566C35}"/>
+              </a:ext>
+            </a:extLst>
+          </p:cNvPr>
+          <p:cNvSpPr txBox="1"/>
+          <p:nvPr/>
+        </p:nvSpPr>
+        <p:spPr>
+          <a:xfrm>
+            <a:off x="10409912" y="6451755"/>
+            <a:ext cx="6280069" cy="1599156"/>
+          </a:xfrm>
+          <a:prstGeom prst="rect">
+            <a:avLst/>
+          </a:prstGeom>
+          <a:noFill/>
+        </p:spPr>
+        <p:txBody>
+          <a:bodyPr wrap="square">
+            <a:spAutoFit/>
+          </a:bodyPr>
+          <a:lstStyle/>
+          <a:p>
+            <a:pPr algn="ctr"/>
+            <a:r>
+              <a:rPr lang="es-CO" sz="4896" dirty="0"/>
+              <a:t>Pedido se almacena en la base de datos</a:t>
+            </a:r>
+          </a:p>
+        </p:txBody>
+      </p:sp>
+      <p:sp>
+        <p:nvSpPr>
+          <p:cNvPr id="33" name="Marcador de contenido 2">
+            <a:extLst>
+              <a:ext uri="{FF2B5EF4-FFF2-40B4-BE49-F238E27FC236}">
+                <a16:creationId xmlns:a16="http://schemas.microsoft.com/office/drawing/2014/main" id="{582B3C1E-5B3D-D49C-640C-AC966547A7C8}"/>
+              </a:ext>
+            </a:extLst>
+          </p:cNvPr>
+          <p:cNvSpPr txBox="1">
+            <a:spLocks/>
+          </p:cNvSpPr>
+          <p:nvPr/>
+        </p:nvSpPr>
+        <p:spPr>
+          <a:xfrm>
+            <a:off x="729851" y="11459056"/>
+            <a:ext cx="9062647" cy="6213140"/>
+          </a:xfrm>
+          <a:prstGeom prst="rect">
+            <a:avLst/>
+          </a:prstGeom>
+        </p:spPr>
+        <p:txBody>
+          <a:bodyPr vert="horz" lIns="186541" tIns="93271" rIns="186541" bIns="93271" rtlCol="0">
+            <a:normAutofit fontScale="92500" lnSpcReduction="20000"/>
+          </a:bodyPr>
+          <a:lstStyle>
+            <a:lvl1pPr marL="224988" indent="-224988" algn="l" defTabSz="899952" rtl="0" eaLnBrk="1" latinLnBrk="0" hangingPunct="1">
+              <a:lnSpc>
+                <a:spcPct val="90000"/>
+              </a:lnSpc>
+              <a:spcBef>
+                <a:spcPts val="984"/>
+              </a:spcBef>
+              <a:buFont typeface="Arial" panose="020B0604020202020204" pitchFamily="34" charset="0"/>
+              <a:buChar char="•"/>
+              <a:defRPr sz="2756" kern="1200">
+                <a:solidFill>
+                  <a:schemeClr val="tx1"/>
+                </a:solidFill>
+                <a:latin typeface="+mn-lt"/>
+                <a:ea typeface="+mn-ea"/>
+                <a:cs typeface="+mn-cs"/>
+              </a:defRPr>
+            </a:lvl1pPr>
+            <a:lvl2pPr marL="674964" indent="-224988" algn="l" defTabSz="899952" rtl="0" eaLnBrk="1" latinLnBrk="0" hangingPunct="1">
+              <a:lnSpc>
+                <a:spcPct val="90000"/>
+              </a:lnSpc>
+              <a:spcBef>
+                <a:spcPts val="492"/>
+              </a:spcBef>
+              <a:buFont typeface="Arial" panose="020B0604020202020204" pitchFamily="34" charset="0"/>
+              <a:buChar char="•"/>
+              <a:defRPr sz="2362" kern="1200">
+                <a:solidFill>
+                  <a:schemeClr val="tx1"/>
+                </a:solidFill>
+                <a:latin typeface="+mn-lt"/>
+                <a:ea typeface="+mn-ea"/>
+                <a:cs typeface="+mn-cs"/>
+              </a:defRPr>
+            </a:lvl2pPr>
+            <a:lvl3pPr marL="1124941" indent="-224988" algn="l" defTabSz="899952" rtl="0" eaLnBrk="1" latinLnBrk="0" hangingPunct="1">
+              <a:lnSpc>
+                <a:spcPct val="90000"/>
+              </a:lnSpc>
+              <a:spcBef>
+                <a:spcPts val="492"/>
+              </a:spcBef>
+              <a:buFont typeface="Arial" panose="020B0604020202020204" pitchFamily="34" charset="0"/>
+              <a:buChar char="•"/>
+              <a:defRPr sz="1968" kern="1200">
+                <a:solidFill>
+                  <a:schemeClr val="tx1"/>
+                </a:solidFill>
+                <a:latin typeface="+mn-lt"/>
+                <a:ea typeface="+mn-ea"/>
+                <a:cs typeface="+mn-cs"/>
+              </a:defRPr>
+            </a:lvl3pPr>
+            <a:lvl4pPr marL="1574917" indent="-224988" algn="l" defTabSz="899952" rtl="0" eaLnBrk="1" latinLnBrk="0" hangingPunct="1">
+              <a:lnSpc>
+                <a:spcPct val="90000"/>
+              </a:lnSpc>
+              <a:spcBef>
+                <a:spcPts val="492"/>
+              </a:spcBef>
+              <a:buFont typeface="Arial" panose="020B0604020202020204" pitchFamily="34" charset="0"/>
+              <a:buChar char="•"/>
+              <a:defRPr sz="1772" kern="1200">
+                <a:solidFill>
+                  <a:schemeClr val="tx1"/>
+                </a:solidFill>
+                <a:latin typeface="+mn-lt"/>
+                <a:ea typeface="+mn-ea"/>
+                <a:cs typeface="+mn-cs"/>
+              </a:defRPr>
+            </a:lvl4pPr>
+            <a:lvl5pPr marL="2024893" indent="-224988" algn="l" defTabSz="899952" rtl="0" eaLnBrk="1" latinLnBrk="0" hangingPunct="1">
+              <a:lnSpc>
+                <a:spcPct val="90000"/>
+              </a:lnSpc>
+              <a:spcBef>
+                <a:spcPts val="492"/>
+              </a:spcBef>
+              <a:buFont typeface="Arial" panose="020B0604020202020204" pitchFamily="34" charset="0"/>
+              <a:buChar char="•"/>
+              <a:defRPr sz="1772" kern="1200">
+                <a:solidFill>
+                  <a:schemeClr val="tx1"/>
+                </a:solidFill>
+                <a:latin typeface="+mn-lt"/>
+                <a:ea typeface="+mn-ea"/>
+                <a:cs typeface="+mn-cs"/>
+              </a:defRPr>
+            </a:lvl5pPr>
+            <a:lvl6pPr marL="2474869" indent="-224988" algn="l" defTabSz="899952" rtl="0" eaLnBrk="1" latinLnBrk="0" hangingPunct="1">
+              <a:lnSpc>
+                <a:spcPct val="90000"/>
+              </a:lnSpc>
+              <a:spcBef>
+                <a:spcPts val="492"/>
+              </a:spcBef>
+              <a:buFont typeface="Arial" panose="020B0604020202020204" pitchFamily="34" charset="0"/>
+              <a:buChar char="•"/>
+              <a:defRPr sz="1772" kern="1200">
+                <a:solidFill>
+                  <a:schemeClr val="tx1"/>
+                </a:solidFill>
+                <a:latin typeface="+mn-lt"/>
+                <a:ea typeface="+mn-ea"/>
+                <a:cs typeface="+mn-cs"/>
+              </a:defRPr>
+            </a:lvl6pPr>
+            <a:lvl7pPr marL="2924846" indent="-224988" algn="l" defTabSz="899952" rtl="0" eaLnBrk="1" latinLnBrk="0" hangingPunct="1">
+              <a:lnSpc>
+                <a:spcPct val="90000"/>
+              </a:lnSpc>
+              <a:spcBef>
+                <a:spcPts val="492"/>
+              </a:spcBef>
+              <a:buFont typeface="Arial" panose="020B0604020202020204" pitchFamily="34" charset="0"/>
+              <a:buChar char="•"/>
+              <a:defRPr sz="1772" kern="1200">
+                <a:solidFill>
+                  <a:schemeClr val="tx1"/>
+                </a:solidFill>
+                <a:latin typeface="+mn-lt"/>
+                <a:ea typeface="+mn-ea"/>
+                <a:cs typeface="+mn-cs"/>
+              </a:defRPr>
+            </a:lvl7pPr>
+            <a:lvl8pPr marL="3374822" indent="-224988" algn="l" defTabSz="899952" rtl="0" eaLnBrk="1" latinLnBrk="0" hangingPunct="1">
+              <a:lnSpc>
+                <a:spcPct val="90000"/>
+              </a:lnSpc>
+              <a:spcBef>
+                <a:spcPts val="492"/>
+              </a:spcBef>
+              <a:buFont typeface="Arial" panose="020B0604020202020204" pitchFamily="34" charset="0"/>
+              <a:buChar char="•"/>
+              <a:defRPr sz="1772" kern="1200">
+                <a:solidFill>
+                  <a:schemeClr val="tx1"/>
+                </a:solidFill>
+                <a:latin typeface="+mn-lt"/>
+                <a:ea typeface="+mn-ea"/>
+                <a:cs typeface="+mn-cs"/>
+              </a:defRPr>
+            </a:lvl8pPr>
+            <a:lvl9pPr marL="3824798" indent="-224988" algn="l" defTabSz="899952" rtl="0" eaLnBrk="1" latinLnBrk="0" hangingPunct="1">
+              <a:lnSpc>
+                <a:spcPct val="90000"/>
+              </a:lnSpc>
+              <a:spcBef>
+                <a:spcPts val="492"/>
+              </a:spcBef>
+              <a:buFont typeface="Arial" panose="020B0604020202020204" pitchFamily="34" charset="0"/>
+              <a:buChar char="•"/>
+              <a:defRPr sz="1772" kern="1200">
+                <a:solidFill>
+                  <a:schemeClr val="tx1"/>
+                </a:solidFill>
+                <a:latin typeface="+mn-lt"/>
+                <a:ea typeface="+mn-ea"/>
+                <a:cs typeface="+mn-cs"/>
+              </a:defRPr>
+            </a:lvl9pPr>
+          </a:lstStyle>
+          <a:p>
+            <a:pPr marL="0" indent="0" algn="ctr">
+              <a:buNone/>
+            </a:pPr>
+            <a:r>
+              <a:rPr lang="es-CO" sz="5712" dirty="0" err="1"/>
+              <a:t>Loggeo</a:t>
+            </a:r>
+            <a:r>
+              <a:rPr lang="es-CO" sz="5712" dirty="0"/>
+              <a:t> Operario modulo A</a:t>
+            </a:r>
+          </a:p>
+          <a:p>
+            <a:pPr marL="0" indent="0" algn="ctr">
+              <a:buNone/>
+            </a:pPr>
+            <a:endParaRPr lang="es-CO" sz="5712" dirty="0"/>
+          </a:p>
+          <a:p>
+            <a:pPr marL="0" indent="0" algn="ctr">
+              <a:buNone/>
+            </a:pPr>
+            <a:endParaRPr lang="es-CO" sz="5712" dirty="0"/>
+          </a:p>
+          <a:p>
+            <a:pPr marL="0" indent="0" algn="ctr">
+              <a:buNone/>
+            </a:pPr>
+            <a:r>
+              <a:rPr lang="es-CO" sz="5712" dirty="0"/>
+              <a:t>Escanea un código de canasta y lo asocia a uno de los pedidos disponibles. Puede elegir pedido N</a:t>
+            </a:r>
+          </a:p>
+          <a:p>
+            <a:pPr marL="0" indent="0" algn="ctr">
+              <a:buNone/>
+            </a:pPr>
+            <a:endParaRPr lang="es-CO" sz="5712" dirty="0"/>
+          </a:p>
+          <a:p>
+            <a:pPr marL="0" indent="0" algn="ctr">
+              <a:buNone/>
+            </a:pPr>
+            <a:r>
+              <a:rPr lang="es-CO" sz="5712" dirty="0"/>
+              <a:t>Aceptar</a:t>
+            </a:r>
+            <a:endParaRPr lang="en-US" sz="5712" dirty="0"/>
+          </a:p>
+        </p:txBody>
+      </p:sp>
+      <p:sp>
+        <p:nvSpPr>
+          <p:cNvPr id="34" name="CuadroTexto 33">
+            <a:extLst>
+              <a:ext uri="{FF2B5EF4-FFF2-40B4-BE49-F238E27FC236}">
+                <a16:creationId xmlns:a16="http://schemas.microsoft.com/office/drawing/2014/main" id="{248E9C5E-B345-62A6-D5C1-F6732FB0AFDD}"/>
+              </a:ext>
+            </a:extLst>
+          </p:cNvPr>
+          <p:cNvSpPr txBox="1"/>
+          <p:nvPr/>
+        </p:nvSpPr>
+        <p:spPr>
+          <a:xfrm>
+            <a:off x="10409913" y="13249800"/>
+            <a:ext cx="6570271" cy="1599156"/>
+          </a:xfrm>
+          <a:prstGeom prst="rect">
+            <a:avLst/>
+          </a:prstGeom>
+          <a:noFill/>
+        </p:spPr>
+        <p:txBody>
+          <a:bodyPr wrap="square">
+            <a:spAutoFit/>
+          </a:bodyPr>
+          <a:lstStyle/>
+          <a:p>
+            <a:pPr algn="ctr"/>
+            <a:r>
+              <a:rPr lang="es-CO" sz="4896" dirty="0"/>
+              <a:t>Actualiza base de datos de pedido con la canasta</a:t>
+            </a:r>
+          </a:p>
+        </p:txBody>
+      </p:sp>
+      <p:cxnSp>
+        <p:nvCxnSpPr>
+          <p:cNvPr id="43" name="Conector recto 42">
+            <a:extLst>
+              <a:ext uri="{FF2B5EF4-FFF2-40B4-BE49-F238E27FC236}">
+                <a16:creationId xmlns:a16="http://schemas.microsoft.com/office/drawing/2014/main" id="{C428F8F0-F710-15CB-0036-F6F59CF3A78C}"/>
+              </a:ext>
+            </a:extLst>
+          </p:cNvPr>
+          <p:cNvCxnSpPr>
+            <a:cxnSpLocks/>
+          </p:cNvCxnSpPr>
+          <p:nvPr/>
+        </p:nvCxnSpPr>
+        <p:spPr>
+          <a:xfrm>
+            <a:off x="5148039" y="9432924"/>
+            <a:ext cx="0" cy="1216895"/>
+          </a:xfrm>
+          <a:prstGeom prst="line">
+            <a:avLst/>
+          </a:prstGeom>
+        </p:spPr>
+        <p:style>
+          <a:lnRef idx="3">
+            <a:schemeClr val="dk1"/>
+          </a:lnRef>
+          <a:fillRef idx="0">
+            <a:schemeClr val="dk1"/>
+          </a:fillRef>
+          <a:effectRef idx="2">
+            <a:schemeClr val="dk1"/>
+          </a:effectRef>
+          <a:fontRef idx="minor">
+            <a:schemeClr val="tx1"/>
+          </a:fontRef>
+        </p:style>
+      </p:cxnSp>
+      <p:cxnSp>
+        <p:nvCxnSpPr>
+          <p:cNvPr id="47" name="Conector recto 46">
+            <a:extLst>
+              <a:ext uri="{FF2B5EF4-FFF2-40B4-BE49-F238E27FC236}">
+                <a16:creationId xmlns:a16="http://schemas.microsoft.com/office/drawing/2014/main" id="{9FF71ED7-548F-8F95-2A27-6CADAB292531}"/>
+              </a:ext>
+            </a:extLst>
+          </p:cNvPr>
+          <p:cNvCxnSpPr>
+            <a:cxnSpLocks/>
+          </p:cNvCxnSpPr>
+          <p:nvPr/>
+        </p:nvCxnSpPr>
+        <p:spPr>
+          <a:xfrm>
+            <a:off x="5148039" y="10649810"/>
+            <a:ext cx="5448524" cy="0"/>
+          </a:xfrm>
+          <a:prstGeom prst="line">
+            <a:avLst/>
+          </a:prstGeom>
+        </p:spPr>
+        <p:style>
+          <a:lnRef idx="3">
+            <a:schemeClr val="dk1"/>
+          </a:lnRef>
+          <a:fillRef idx="0">
+            <a:schemeClr val="dk1"/>
+          </a:fillRef>
+          <a:effectRef idx="2">
+            <a:schemeClr val="dk1"/>
+          </a:effectRef>
+          <a:fontRef idx="minor">
+            <a:schemeClr val="tx1"/>
+          </a:fontRef>
+        </p:style>
+      </p:cxnSp>
+      <p:cxnSp>
+        <p:nvCxnSpPr>
+          <p:cNvPr id="48" name="Conector recto 47">
+            <a:extLst>
+              <a:ext uri="{FF2B5EF4-FFF2-40B4-BE49-F238E27FC236}">
+                <a16:creationId xmlns:a16="http://schemas.microsoft.com/office/drawing/2014/main" id="{56E5BFF5-2313-655C-9FC5-7BA51431C99C}"/>
+              </a:ext>
+            </a:extLst>
+          </p:cNvPr>
+          <p:cNvCxnSpPr>
+            <a:cxnSpLocks/>
+          </p:cNvCxnSpPr>
+          <p:nvPr/>
+        </p:nvCxnSpPr>
+        <p:spPr>
+          <a:xfrm>
+            <a:off x="10596563" y="10649818"/>
+            <a:ext cx="0" cy="2066276"/>
+          </a:xfrm>
+          <a:prstGeom prst="line">
+            <a:avLst/>
+          </a:prstGeom>
+        </p:spPr>
+        <p:style>
+          <a:lnRef idx="3">
+            <a:schemeClr val="dk1"/>
+          </a:lnRef>
+          <a:fillRef idx="0">
+            <a:schemeClr val="dk1"/>
+          </a:fillRef>
+          <a:effectRef idx="2">
+            <a:schemeClr val="dk1"/>
+          </a:effectRef>
+          <a:fontRef idx="minor">
+            <a:schemeClr val="tx1"/>
+          </a:fontRef>
+        </p:style>
+      </p:cxnSp>
+      <p:cxnSp>
+        <p:nvCxnSpPr>
+          <p:cNvPr id="51" name="Conector recto 50">
+            <a:extLst>
+              <a:ext uri="{FF2B5EF4-FFF2-40B4-BE49-F238E27FC236}">
+                <a16:creationId xmlns:a16="http://schemas.microsoft.com/office/drawing/2014/main" id="{DFC3C378-EF3B-22F0-5460-FD4AA91EC90B}"/>
+              </a:ext>
+            </a:extLst>
+          </p:cNvPr>
+          <p:cNvCxnSpPr>
+            <a:cxnSpLocks/>
+          </p:cNvCxnSpPr>
+          <p:nvPr/>
+        </p:nvCxnSpPr>
+        <p:spPr>
+          <a:xfrm flipH="1">
+            <a:off x="5198659" y="12716085"/>
+            <a:ext cx="5397911" cy="0"/>
+          </a:xfrm>
+          <a:prstGeom prst="line">
+            <a:avLst/>
+          </a:prstGeom>
+        </p:spPr>
+        <p:style>
+          <a:lnRef idx="3">
+            <a:schemeClr val="dk1"/>
+          </a:lnRef>
+          <a:fillRef idx="0">
+            <a:schemeClr val="dk1"/>
+          </a:fillRef>
+          <a:effectRef idx="2">
+            <a:schemeClr val="dk1"/>
+          </a:effectRef>
+          <a:fontRef idx="minor">
+            <a:schemeClr val="tx1"/>
+          </a:fontRef>
+        </p:style>
+      </p:cxnSp>
+      <p:cxnSp>
+        <p:nvCxnSpPr>
+          <p:cNvPr id="54" name="Conector recto de flecha 53">
+            <a:extLst>
+              <a:ext uri="{FF2B5EF4-FFF2-40B4-BE49-F238E27FC236}">
+                <a16:creationId xmlns:a16="http://schemas.microsoft.com/office/drawing/2014/main" id="{EDECC99A-5951-F465-6821-DC0FB3203B5E}"/>
+              </a:ext>
+            </a:extLst>
+          </p:cNvPr>
+          <p:cNvCxnSpPr>
+            <a:cxnSpLocks/>
+          </p:cNvCxnSpPr>
+          <p:nvPr/>
+        </p:nvCxnSpPr>
+        <p:spPr>
+          <a:xfrm>
+            <a:off x="5198653" y="12132581"/>
+            <a:ext cx="0" cy="988067"/>
+          </a:xfrm>
+          <a:prstGeom prst="straightConnector1">
+            <a:avLst/>
+          </a:prstGeom>
+          <a:ln>
+            <a:headEnd type="none" w="med" len="med"/>
+            <a:tailEnd type="arrow" w="med" len="med"/>
+          </a:ln>
+        </p:spPr>
+        <p:style>
+          <a:lnRef idx="3">
+            <a:schemeClr val="dk1"/>
+          </a:lnRef>
+          <a:fillRef idx="0">
+            <a:schemeClr val="dk1"/>
+          </a:fillRef>
+          <a:effectRef idx="2">
+            <a:schemeClr val="dk1"/>
+          </a:effectRef>
+          <a:fontRef idx="minor">
+            <a:schemeClr val="tx1"/>
+          </a:fontRef>
+        </p:style>
+      </p:cxnSp>
+      <p:cxnSp>
+        <p:nvCxnSpPr>
+          <p:cNvPr id="59" name="Conector recto de flecha 58">
+            <a:extLst>
+              <a:ext uri="{FF2B5EF4-FFF2-40B4-BE49-F238E27FC236}">
+                <a16:creationId xmlns:a16="http://schemas.microsoft.com/office/drawing/2014/main" id="{37263A98-2F6C-9441-FAE8-861BF61ED68E}"/>
+              </a:ext>
+            </a:extLst>
+          </p:cNvPr>
+          <p:cNvCxnSpPr>
+            <a:cxnSpLocks/>
+          </p:cNvCxnSpPr>
+          <p:nvPr/>
+        </p:nvCxnSpPr>
+        <p:spPr>
+          <a:xfrm>
+            <a:off x="5249639" y="17378453"/>
+            <a:ext cx="0" cy="674724"/>
+          </a:xfrm>
+          <a:prstGeom prst="straightConnector1">
+            <a:avLst/>
+          </a:prstGeom>
+          <a:ln>
+            <a:tailEnd type="triangle"/>
+          </a:ln>
+        </p:spPr>
+        <p:style>
+          <a:lnRef idx="3">
+            <a:schemeClr val="dk1"/>
+          </a:lnRef>
+          <a:fillRef idx="0">
+            <a:schemeClr val="dk1"/>
+          </a:fillRef>
+          <a:effectRef idx="2">
+            <a:schemeClr val="dk1"/>
+          </a:effectRef>
+          <a:fontRef idx="minor">
+            <a:schemeClr val="tx1"/>
+          </a:fontRef>
+        </p:style>
+      </p:cxnSp>
+      <p:sp>
+        <p:nvSpPr>
+          <p:cNvPr id="61" name="CuadroTexto 60">
+            <a:extLst>
+              <a:ext uri="{FF2B5EF4-FFF2-40B4-BE49-F238E27FC236}">
+                <a16:creationId xmlns:a16="http://schemas.microsoft.com/office/drawing/2014/main" id="{CFAAB45E-5AC9-7960-8F2F-24FC565BF258}"/>
+              </a:ext>
+            </a:extLst>
+          </p:cNvPr>
+          <p:cNvSpPr txBox="1"/>
+          <p:nvPr/>
+        </p:nvSpPr>
+        <p:spPr>
+          <a:xfrm>
+            <a:off x="10336498" y="15865455"/>
+            <a:ext cx="6847964" cy="5366213"/>
+          </a:xfrm>
+          <a:prstGeom prst="rect">
+            <a:avLst/>
+          </a:prstGeom>
+          <a:noFill/>
+        </p:spPr>
+        <p:txBody>
+          <a:bodyPr wrap="square">
+            <a:spAutoFit/>
+          </a:bodyPr>
+          <a:lstStyle/>
+          <a:p>
+            <a:pPr algn="ctr"/>
+            <a:r>
+              <a:rPr lang="es-CO" sz="4896" dirty="0"/>
+              <a:t>Asociar en BD pedido N a direcciones MAC de los tags a alumbrar en el modulo A y organizar un JSON con la información de </a:t>
+            </a:r>
+            <a:r>
+              <a:rPr lang="es-CO" sz="4896" dirty="0" err="1"/>
+              <a:t>MACs</a:t>
+            </a:r>
+            <a:r>
+              <a:rPr lang="es-CO" sz="4896" dirty="0"/>
+              <a:t> y Cantidades por módulo</a:t>
+            </a:r>
+          </a:p>
+        </p:txBody>
+      </p:sp>
+      <p:sp>
+        <p:nvSpPr>
+          <p:cNvPr id="62" name="CuadroTexto 61">
+            <a:extLst>
+              <a:ext uri="{FF2B5EF4-FFF2-40B4-BE49-F238E27FC236}">
+                <a16:creationId xmlns:a16="http://schemas.microsoft.com/office/drawing/2014/main" id="{753C3F10-202F-7DA4-B27B-F51A9714DD87}"/>
+              </a:ext>
+            </a:extLst>
+          </p:cNvPr>
+          <p:cNvSpPr txBox="1"/>
+          <p:nvPr/>
+        </p:nvSpPr>
+        <p:spPr>
+          <a:xfrm>
+            <a:off x="10452967" y="21578134"/>
+            <a:ext cx="6901478" cy="845744"/>
+          </a:xfrm>
+          <a:prstGeom prst="rect">
+            <a:avLst/>
+          </a:prstGeom>
+          <a:noFill/>
+        </p:spPr>
+        <p:txBody>
+          <a:bodyPr wrap="square">
+            <a:spAutoFit/>
+          </a:bodyPr>
+          <a:lstStyle/>
+          <a:p>
+            <a:pPr algn="ctr"/>
+            <a:r>
+              <a:rPr lang="es-CO" sz="4896" dirty="0"/>
+              <a:t>Espera por confirmación</a:t>
+            </a:r>
+          </a:p>
+        </p:txBody>
+      </p:sp>
+      <p:sp>
+        <p:nvSpPr>
+          <p:cNvPr id="63" name="CuadroTexto 62">
+            <a:extLst>
+              <a:ext uri="{FF2B5EF4-FFF2-40B4-BE49-F238E27FC236}">
+                <a16:creationId xmlns:a16="http://schemas.microsoft.com/office/drawing/2014/main" id="{1A682DA5-EA5A-987A-0494-34CE3D6D4BE3}"/>
+              </a:ext>
+            </a:extLst>
+          </p:cNvPr>
+          <p:cNvSpPr txBox="1"/>
+          <p:nvPr/>
+        </p:nvSpPr>
+        <p:spPr>
+          <a:xfrm>
+            <a:off x="1747919" y="20072142"/>
+            <a:ext cx="6901478" cy="2352567"/>
+          </a:xfrm>
+          <a:prstGeom prst="rect">
+            <a:avLst/>
+          </a:prstGeom>
+          <a:noFill/>
+        </p:spPr>
+        <p:txBody>
+          <a:bodyPr wrap="square">
+            <a:spAutoFit/>
+          </a:bodyPr>
+          <a:lstStyle/>
+          <a:p>
+            <a:pPr algn="ctr"/>
+            <a:r>
+              <a:rPr lang="es-CO" sz="4896" dirty="0"/>
+              <a:t>Recolectar referencias y presionar botones de confirmación</a:t>
+            </a:r>
+          </a:p>
+        </p:txBody>
+      </p:sp>
+      <p:sp>
+        <p:nvSpPr>
+          <p:cNvPr id="64" name="CuadroTexto 63">
+            <a:extLst>
+              <a:ext uri="{FF2B5EF4-FFF2-40B4-BE49-F238E27FC236}">
+                <a16:creationId xmlns:a16="http://schemas.microsoft.com/office/drawing/2014/main" id="{013572A2-7301-C834-C5A7-9C5468F65599}"/>
+              </a:ext>
+            </a:extLst>
+          </p:cNvPr>
+          <p:cNvSpPr txBox="1"/>
+          <p:nvPr/>
+        </p:nvSpPr>
+        <p:spPr>
+          <a:xfrm>
+            <a:off x="1697303" y="23028421"/>
+            <a:ext cx="6901478" cy="1599156"/>
+          </a:xfrm>
+          <a:prstGeom prst="rect">
+            <a:avLst/>
+          </a:prstGeom>
+          <a:noFill/>
+        </p:spPr>
+        <p:txBody>
+          <a:bodyPr wrap="square">
+            <a:spAutoFit/>
+          </a:bodyPr>
+          <a:lstStyle/>
+          <a:p>
+            <a:pPr algn="ctr"/>
+            <a:r>
+              <a:rPr lang="es-CO" sz="4896" dirty="0"/>
+              <a:t>JSON de Confirmación de todos los tags</a:t>
+            </a:r>
+          </a:p>
+        </p:txBody>
+      </p:sp>
+      <p:sp>
+        <p:nvSpPr>
+          <p:cNvPr id="66" name="CuadroTexto 65">
+            <a:extLst>
+              <a:ext uri="{FF2B5EF4-FFF2-40B4-BE49-F238E27FC236}">
+                <a16:creationId xmlns:a16="http://schemas.microsoft.com/office/drawing/2014/main" id="{ACB48E5D-979B-92F4-2045-11266AEDAAB3}"/>
+              </a:ext>
+            </a:extLst>
+          </p:cNvPr>
+          <p:cNvSpPr txBox="1"/>
+          <p:nvPr/>
+        </p:nvSpPr>
+        <p:spPr>
+          <a:xfrm>
+            <a:off x="1842989" y="18091715"/>
+            <a:ext cx="6901478" cy="1599156"/>
+          </a:xfrm>
+          <a:prstGeom prst="rect">
+            <a:avLst/>
+          </a:prstGeom>
+          <a:noFill/>
+        </p:spPr>
+        <p:txBody>
+          <a:bodyPr wrap="square">
+            <a:spAutoFit/>
+          </a:bodyPr>
+          <a:lstStyle/>
+          <a:p>
+            <a:pPr algn="ctr"/>
+            <a:r>
+              <a:rPr lang="es-CO" sz="4896" dirty="0"/>
+              <a:t>Leer JSON y alumbrar tags del modulo A</a:t>
+            </a:r>
+          </a:p>
+        </p:txBody>
+      </p:sp>
+      <p:sp>
+        <p:nvSpPr>
+          <p:cNvPr id="67" name="CuadroTexto 66">
+            <a:extLst>
+              <a:ext uri="{FF2B5EF4-FFF2-40B4-BE49-F238E27FC236}">
+                <a16:creationId xmlns:a16="http://schemas.microsoft.com/office/drawing/2014/main" id="{FD6C2AF0-E7E6-CD0A-88E9-5786FF5E0C7C}"/>
+              </a:ext>
+            </a:extLst>
+          </p:cNvPr>
+          <p:cNvSpPr txBox="1"/>
+          <p:nvPr/>
+        </p:nvSpPr>
+        <p:spPr>
+          <a:xfrm>
+            <a:off x="10282992" y="23334347"/>
+            <a:ext cx="6901478" cy="3859390"/>
+          </a:xfrm>
+          <a:prstGeom prst="rect">
+            <a:avLst/>
+          </a:prstGeom>
+          <a:noFill/>
+        </p:spPr>
+        <p:txBody>
+          <a:bodyPr wrap="square">
+            <a:spAutoFit/>
+          </a:bodyPr>
+          <a:lstStyle/>
+          <a:p>
+            <a:pPr algn="ctr"/>
+            <a:r>
+              <a:rPr lang="es-CO" sz="4896" dirty="0"/>
+              <a:t>Escribir en la base de datos la información de cantidades para las referencias del pedido en modulo A</a:t>
+            </a:r>
+          </a:p>
+        </p:txBody>
+      </p:sp>
+      <p:sp>
+        <p:nvSpPr>
+          <p:cNvPr id="68" name="Rectángulo 67">
+            <a:extLst>
+              <a:ext uri="{FF2B5EF4-FFF2-40B4-BE49-F238E27FC236}">
+                <a16:creationId xmlns:a16="http://schemas.microsoft.com/office/drawing/2014/main" id="{7138288B-8EC6-4DF6-42B1-416E3BDA1380}"/>
+              </a:ext>
+            </a:extLst>
+          </p:cNvPr>
+          <p:cNvSpPr/>
+          <p:nvPr/>
+        </p:nvSpPr>
+        <p:spPr>
+          <a:xfrm rot="10800000" flipV="1">
+            <a:off x="9119131" y="371308"/>
+            <a:ext cx="4329210" cy="1425812"/>
+          </a:xfrm>
+          <a:prstGeom prst="rect">
+            <a:avLst/>
+          </a:prstGeom>
+        </p:spPr>
+        <p:style>
+          <a:lnRef idx="2">
+            <a:schemeClr val="accent3">
+              <a:shade val="50000"/>
+            </a:schemeClr>
+          </a:lnRef>
+          <a:fillRef idx="1">
+            <a:schemeClr val="accent3"/>
+          </a:fillRef>
+          <a:effectRef idx="0">
+            <a:schemeClr val="accent3"/>
+          </a:effectRef>
+          <a:fontRef idx="minor">
+            <a:schemeClr val="lt1"/>
+          </a:fontRef>
+        </p:style>
+        <p:txBody>
+          <a:bodyPr rtlCol="0" anchor="ctr"/>
+          <a:lstStyle/>
+          <a:p>
+            <a:pPr algn="ctr"/>
+            <a:r>
+              <a:rPr lang="es-CO" sz="4519" dirty="0"/>
+              <a:t>Back </a:t>
+            </a:r>
+            <a:r>
+              <a:rPr lang="es-CO" sz="4519" dirty="0" err="1"/>
+              <a:t>end</a:t>
+            </a:r>
+            <a:r>
+              <a:rPr lang="es-CO" sz="4519" dirty="0"/>
+              <a:t> - BD</a:t>
+            </a:r>
+            <a:endParaRPr lang="en-US" sz="4519" dirty="0"/>
+          </a:p>
+        </p:txBody>
+      </p:sp>
+      <p:sp>
+        <p:nvSpPr>
+          <p:cNvPr id="73" name="Rectángulo 72">
+            <a:extLst>
+              <a:ext uri="{FF2B5EF4-FFF2-40B4-BE49-F238E27FC236}">
+                <a16:creationId xmlns:a16="http://schemas.microsoft.com/office/drawing/2014/main" id="{115D4CF7-564C-2E38-76B1-1D1B9C75A7BA}"/>
+              </a:ext>
+            </a:extLst>
+          </p:cNvPr>
+          <p:cNvSpPr/>
+          <p:nvPr/>
+        </p:nvSpPr>
+        <p:spPr>
+          <a:xfrm rot="10800000" flipV="1">
+            <a:off x="495223" y="27014477"/>
+            <a:ext cx="9172422" cy="6444204"/>
+          </a:xfrm>
+          <a:prstGeom prst="rect">
+            <a:avLst/>
+          </a:prstGeom>
+          <a:solidFill>
+            <a:schemeClr val="accent6">
+              <a:alpha val="42000"/>
+            </a:schemeClr>
+          </a:solidFill>
+        </p:spPr>
+        <p:style>
+          <a:lnRef idx="2">
+            <a:schemeClr val="accent1">
+              <a:shade val="50000"/>
+            </a:schemeClr>
+          </a:lnRef>
+          <a:fillRef idx="1">
+            <a:schemeClr val="accent1"/>
+          </a:fillRef>
+          <a:effectRef idx="0">
+            <a:schemeClr val="accent1"/>
+          </a:effectRef>
+          <a:fontRef idx="minor">
+            <a:schemeClr val="lt1"/>
+          </a:fontRef>
+        </p:style>
+        <p:txBody>
+          <a:bodyPr rtlCol="0" anchor="ctr"/>
+          <a:lstStyle/>
+          <a:p>
+            <a:pPr algn="ctr"/>
+            <a:endParaRPr lang="en-US" sz="4519" dirty="0"/>
+          </a:p>
+        </p:txBody>
+      </p:sp>
+      <p:sp>
+        <p:nvSpPr>
+          <p:cNvPr id="74" name="Marcador de contenido 2">
+            <a:extLst>
+              <a:ext uri="{FF2B5EF4-FFF2-40B4-BE49-F238E27FC236}">
+                <a16:creationId xmlns:a16="http://schemas.microsoft.com/office/drawing/2014/main" id="{81ED0DAB-72F6-F990-9D5D-D6C9779537AF}"/>
+              </a:ext>
+            </a:extLst>
+          </p:cNvPr>
+          <p:cNvSpPr txBox="1">
+            <a:spLocks/>
+          </p:cNvSpPr>
+          <p:nvPr/>
+        </p:nvSpPr>
+        <p:spPr>
+          <a:xfrm>
+            <a:off x="667331" y="27245542"/>
+            <a:ext cx="9062647" cy="6213140"/>
+          </a:xfrm>
+          <a:prstGeom prst="rect">
+            <a:avLst/>
+          </a:prstGeom>
+        </p:spPr>
+        <p:txBody>
+          <a:bodyPr vert="horz" lIns="186541" tIns="93271" rIns="186541" bIns="93271" rtlCol="0">
+            <a:normAutofit fontScale="92500" lnSpcReduction="10000"/>
+          </a:bodyPr>
+          <a:lstStyle>
+            <a:lvl1pPr marL="224988" indent="-224988" algn="l" defTabSz="899952" rtl="0" eaLnBrk="1" latinLnBrk="0" hangingPunct="1">
+              <a:lnSpc>
+                <a:spcPct val="90000"/>
+              </a:lnSpc>
+              <a:spcBef>
+                <a:spcPts val="984"/>
+              </a:spcBef>
+              <a:buFont typeface="Arial" panose="020B0604020202020204" pitchFamily="34" charset="0"/>
+              <a:buChar char="•"/>
+              <a:defRPr sz="2756" kern="1200">
+                <a:solidFill>
+                  <a:schemeClr val="tx1"/>
+                </a:solidFill>
+                <a:latin typeface="+mn-lt"/>
+                <a:ea typeface="+mn-ea"/>
+                <a:cs typeface="+mn-cs"/>
+              </a:defRPr>
+            </a:lvl1pPr>
+            <a:lvl2pPr marL="674964" indent="-224988" algn="l" defTabSz="899952" rtl="0" eaLnBrk="1" latinLnBrk="0" hangingPunct="1">
+              <a:lnSpc>
+                <a:spcPct val="90000"/>
+              </a:lnSpc>
+              <a:spcBef>
+                <a:spcPts val="492"/>
+              </a:spcBef>
+              <a:buFont typeface="Arial" panose="020B0604020202020204" pitchFamily="34" charset="0"/>
+              <a:buChar char="•"/>
+              <a:defRPr sz="2362" kern="1200">
+                <a:solidFill>
+                  <a:schemeClr val="tx1"/>
+                </a:solidFill>
+                <a:latin typeface="+mn-lt"/>
+                <a:ea typeface="+mn-ea"/>
+                <a:cs typeface="+mn-cs"/>
+              </a:defRPr>
+            </a:lvl2pPr>
+            <a:lvl3pPr marL="1124941" indent="-224988" algn="l" defTabSz="899952" rtl="0" eaLnBrk="1" latinLnBrk="0" hangingPunct="1">
+              <a:lnSpc>
+                <a:spcPct val="90000"/>
+              </a:lnSpc>
+              <a:spcBef>
+                <a:spcPts val="492"/>
+              </a:spcBef>
+              <a:buFont typeface="Arial" panose="020B0604020202020204" pitchFamily="34" charset="0"/>
+              <a:buChar char="•"/>
+              <a:defRPr sz="1968" kern="1200">
+                <a:solidFill>
+                  <a:schemeClr val="tx1"/>
+                </a:solidFill>
+                <a:latin typeface="+mn-lt"/>
+                <a:ea typeface="+mn-ea"/>
+                <a:cs typeface="+mn-cs"/>
+              </a:defRPr>
+            </a:lvl3pPr>
+            <a:lvl4pPr marL="1574917" indent="-224988" algn="l" defTabSz="899952" rtl="0" eaLnBrk="1" latinLnBrk="0" hangingPunct="1">
+              <a:lnSpc>
+                <a:spcPct val="90000"/>
+              </a:lnSpc>
+              <a:spcBef>
+                <a:spcPts val="492"/>
+              </a:spcBef>
+              <a:buFont typeface="Arial" panose="020B0604020202020204" pitchFamily="34" charset="0"/>
+              <a:buChar char="•"/>
+              <a:defRPr sz="1772" kern="1200">
+                <a:solidFill>
+                  <a:schemeClr val="tx1"/>
+                </a:solidFill>
+                <a:latin typeface="+mn-lt"/>
+                <a:ea typeface="+mn-ea"/>
+                <a:cs typeface="+mn-cs"/>
+              </a:defRPr>
+            </a:lvl4pPr>
+            <a:lvl5pPr marL="2024893" indent="-224988" algn="l" defTabSz="899952" rtl="0" eaLnBrk="1" latinLnBrk="0" hangingPunct="1">
+              <a:lnSpc>
+                <a:spcPct val="90000"/>
+              </a:lnSpc>
+              <a:spcBef>
+                <a:spcPts val="492"/>
+              </a:spcBef>
+              <a:buFont typeface="Arial" panose="020B0604020202020204" pitchFamily="34" charset="0"/>
+              <a:buChar char="•"/>
+              <a:defRPr sz="1772" kern="1200">
+                <a:solidFill>
+                  <a:schemeClr val="tx1"/>
+                </a:solidFill>
+                <a:latin typeface="+mn-lt"/>
+                <a:ea typeface="+mn-ea"/>
+                <a:cs typeface="+mn-cs"/>
+              </a:defRPr>
+            </a:lvl5pPr>
+            <a:lvl6pPr marL="2474869" indent="-224988" algn="l" defTabSz="899952" rtl="0" eaLnBrk="1" latinLnBrk="0" hangingPunct="1">
+              <a:lnSpc>
+                <a:spcPct val="90000"/>
+              </a:lnSpc>
+              <a:spcBef>
+                <a:spcPts val="492"/>
+              </a:spcBef>
+              <a:buFont typeface="Arial" panose="020B0604020202020204" pitchFamily="34" charset="0"/>
+              <a:buChar char="•"/>
+              <a:defRPr sz="1772" kern="1200">
+                <a:solidFill>
+                  <a:schemeClr val="tx1"/>
+                </a:solidFill>
+                <a:latin typeface="+mn-lt"/>
+                <a:ea typeface="+mn-ea"/>
+                <a:cs typeface="+mn-cs"/>
+              </a:defRPr>
+            </a:lvl6pPr>
+            <a:lvl7pPr marL="2924846" indent="-224988" algn="l" defTabSz="899952" rtl="0" eaLnBrk="1" latinLnBrk="0" hangingPunct="1">
+              <a:lnSpc>
+                <a:spcPct val="90000"/>
+              </a:lnSpc>
+              <a:spcBef>
+                <a:spcPts val="492"/>
+              </a:spcBef>
+              <a:buFont typeface="Arial" panose="020B0604020202020204" pitchFamily="34" charset="0"/>
+              <a:buChar char="•"/>
+              <a:defRPr sz="1772" kern="1200">
+                <a:solidFill>
+                  <a:schemeClr val="tx1"/>
+                </a:solidFill>
+                <a:latin typeface="+mn-lt"/>
+                <a:ea typeface="+mn-ea"/>
+                <a:cs typeface="+mn-cs"/>
+              </a:defRPr>
+            </a:lvl7pPr>
+            <a:lvl8pPr marL="3374822" indent="-224988" algn="l" defTabSz="899952" rtl="0" eaLnBrk="1" latinLnBrk="0" hangingPunct="1">
+              <a:lnSpc>
+                <a:spcPct val="90000"/>
+              </a:lnSpc>
+              <a:spcBef>
+                <a:spcPts val="492"/>
+              </a:spcBef>
+              <a:buFont typeface="Arial" panose="020B0604020202020204" pitchFamily="34" charset="0"/>
+              <a:buChar char="•"/>
+              <a:defRPr sz="1772" kern="1200">
+                <a:solidFill>
+                  <a:schemeClr val="tx1"/>
+                </a:solidFill>
+                <a:latin typeface="+mn-lt"/>
+                <a:ea typeface="+mn-ea"/>
+                <a:cs typeface="+mn-cs"/>
+              </a:defRPr>
+            </a:lvl8pPr>
+            <a:lvl9pPr marL="3824798" indent="-224988" algn="l" defTabSz="899952" rtl="0" eaLnBrk="1" latinLnBrk="0" hangingPunct="1">
+              <a:lnSpc>
+                <a:spcPct val="90000"/>
+              </a:lnSpc>
+              <a:spcBef>
+                <a:spcPts val="492"/>
+              </a:spcBef>
+              <a:buFont typeface="Arial" panose="020B0604020202020204" pitchFamily="34" charset="0"/>
+              <a:buChar char="•"/>
+              <a:defRPr sz="1772" kern="1200">
+                <a:solidFill>
+                  <a:schemeClr val="tx1"/>
+                </a:solidFill>
+                <a:latin typeface="+mn-lt"/>
+                <a:ea typeface="+mn-ea"/>
+                <a:cs typeface="+mn-cs"/>
+              </a:defRPr>
+            </a:lvl9pPr>
+          </a:lstStyle>
+          <a:p>
+            <a:pPr marL="0" indent="0" algn="ctr">
+              <a:buNone/>
+            </a:pPr>
+            <a:r>
+              <a:rPr lang="es-CO" sz="5712" dirty="0" err="1"/>
+              <a:t>Loggeo</a:t>
+            </a:r>
+            <a:r>
+              <a:rPr lang="es-CO" sz="5712" dirty="0"/>
+              <a:t> Operario modulo B</a:t>
+            </a:r>
+          </a:p>
+          <a:p>
+            <a:pPr marL="0" indent="0" algn="ctr">
+              <a:buNone/>
+            </a:pPr>
+            <a:endParaRPr lang="es-CO" sz="5712" dirty="0"/>
+          </a:p>
+          <a:p>
+            <a:pPr marL="0" indent="0" algn="ctr">
+              <a:buNone/>
+            </a:pPr>
+            <a:r>
+              <a:rPr lang="es-CO" sz="5712" dirty="0"/>
+              <a:t>Escanea un código de canasta y se asocia automáticamente al pedido de la canasta de la base de datos</a:t>
+            </a:r>
+          </a:p>
+          <a:p>
+            <a:pPr marL="0" indent="0" algn="ctr">
+              <a:buNone/>
+            </a:pPr>
+            <a:endParaRPr lang="es-CO" sz="5712" dirty="0"/>
+          </a:p>
+          <a:p>
+            <a:pPr marL="0" indent="0" algn="ctr">
+              <a:buNone/>
+            </a:pPr>
+            <a:r>
+              <a:rPr lang="es-CO" sz="5712" dirty="0"/>
+              <a:t>Aceptar</a:t>
+            </a:r>
+            <a:endParaRPr lang="en-US" sz="5712" dirty="0"/>
+          </a:p>
+        </p:txBody>
+      </p:sp>
+      <p:cxnSp>
+        <p:nvCxnSpPr>
+          <p:cNvPr id="75" name="Conector recto de flecha 74">
+            <a:extLst>
+              <a:ext uri="{FF2B5EF4-FFF2-40B4-BE49-F238E27FC236}">
+                <a16:creationId xmlns:a16="http://schemas.microsoft.com/office/drawing/2014/main" id="{994FDBF0-D7B4-17C5-834A-3F79D46864BE}"/>
+              </a:ext>
+            </a:extLst>
+          </p:cNvPr>
+          <p:cNvCxnSpPr>
+            <a:cxnSpLocks/>
+          </p:cNvCxnSpPr>
+          <p:nvPr/>
+        </p:nvCxnSpPr>
+        <p:spPr>
+          <a:xfrm>
+            <a:off x="5288531" y="27977283"/>
+            <a:ext cx="5192" cy="819060"/>
+          </a:xfrm>
+          <a:prstGeom prst="straightConnector1">
+            <a:avLst/>
+          </a:prstGeom>
+          <a:ln>
+            <a:headEnd type="none" w="med" len="med"/>
+            <a:tailEnd type="arrow" w="med" len="med"/>
+          </a:ln>
+        </p:spPr>
+        <p:style>
+          <a:lnRef idx="3">
+            <a:schemeClr val="dk1"/>
+          </a:lnRef>
+          <a:fillRef idx="0">
+            <a:schemeClr val="dk1"/>
+          </a:fillRef>
+          <a:effectRef idx="2">
+            <a:schemeClr val="dk1"/>
+          </a:effectRef>
+          <a:fontRef idx="minor">
+            <a:schemeClr val="tx1"/>
+          </a:fontRef>
+        </p:style>
+      </p:cxnSp>
+      <p:cxnSp>
+        <p:nvCxnSpPr>
+          <p:cNvPr id="76" name="Conector recto de flecha 75">
+            <a:extLst>
+              <a:ext uri="{FF2B5EF4-FFF2-40B4-BE49-F238E27FC236}">
+                <a16:creationId xmlns:a16="http://schemas.microsoft.com/office/drawing/2014/main" id="{7A8ED54A-6DCF-16E0-26F6-09419EB74525}"/>
+              </a:ext>
+            </a:extLst>
+          </p:cNvPr>
+          <p:cNvCxnSpPr>
+            <a:cxnSpLocks/>
+          </p:cNvCxnSpPr>
+          <p:nvPr/>
+        </p:nvCxnSpPr>
+        <p:spPr>
+          <a:xfrm>
+            <a:off x="5415718" y="31518104"/>
+            <a:ext cx="0" cy="674724"/>
+          </a:xfrm>
+          <a:prstGeom prst="straightConnector1">
+            <a:avLst/>
+          </a:prstGeom>
+          <a:ln>
+            <a:tailEnd type="triangle"/>
+          </a:ln>
+        </p:spPr>
+        <p:style>
+          <a:lnRef idx="3">
+            <a:schemeClr val="dk1"/>
+          </a:lnRef>
+          <a:fillRef idx="0">
+            <a:schemeClr val="dk1"/>
+          </a:fillRef>
+          <a:effectRef idx="2">
+            <a:schemeClr val="dk1"/>
+          </a:effectRef>
+          <a:fontRef idx="minor">
+            <a:schemeClr val="tx1"/>
+          </a:fontRef>
+        </p:style>
+      </p:cxnSp>
+      <p:sp>
+        <p:nvSpPr>
+          <p:cNvPr id="77" name="Rectángulo 76">
+            <a:extLst>
+              <a:ext uri="{FF2B5EF4-FFF2-40B4-BE49-F238E27FC236}">
+                <a16:creationId xmlns:a16="http://schemas.microsoft.com/office/drawing/2014/main" id="{2362775B-77EA-4BFB-E3B8-468661E1831D}"/>
+              </a:ext>
+            </a:extLst>
+          </p:cNvPr>
+          <p:cNvSpPr/>
+          <p:nvPr/>
+        </p:nvSpPr>
+        <p:spPr>
+          <a:xfrm rot="10800000" flipV="1">
+            <a:off x="10282988" y="27702775"/>
+            <a:ext cx="7123010" cy="6444204"/>
+          </a:xfrm>
+          <a:prstGeom prst="rect">
+            <a:avLst/>
+          </a:prstGeom>
+          <a:solidFill>
+            <a:schemeClr val="accent3">
+              <a:alpha val="42000"/>
+            </a:schemeClr>
+          </a:solidFill>
+        </p:spPr>
+        <p:style>
+          <a:lnRef idx="2">
+            <a:schemeClr val="accent3">
+              <a:shade val="50000"/>
+            </a:schemeClr>
+          </a:lnRef>
+          <a:fillRef idx="1">
+            <a:schemeClr val="accent3"/>
+          </a:fillRef>
+          <a:effectRef idx="0">
+            <a:schemeClr val="accent3"/>
+          </a:effectRef>
+          <a:fontRef idx="minor">
+            <a:schemeClr val="lt1"/>
+          </a:fontRef>
+        </p:style>
+        <p:txBody>
+          <a:bodyPr rtlCol="0" anchor="ctr"/>
+          <a:lstStyle/>
+          <a:p>
+            <a:pPr algn="ctr"/>
+            <a:endParaRPr lang="en-US" sz="4519" dirty="0"/>
+          </a:p>
+        </p:txBody>
+      </p:sp>
+      <p:sp>
+        <p:nvSpPr>
+          <p:cNvPr id="78" name="CuadroTexto 77">
+            <a:extLst>
+              <a:ext uri="{FF2B5EF4-FFF2-40B4-BE49-F238E27FC236}">
+                <a16:creationId xmlns:a16="http://schemas.microsoft.com/office/drawing/2014/main" id="{BDB969F4-EBFA-A87E-CA83-7AEA51C48695}"/>
+              </a:ext>
+            </a:extLst>
+          </p:cNvPr>
+          <p:cNvSpPr txBox="1"/>
+          <p:nvPr/>
+        </p:nvSpPr>
+        <p:spPr>
+          <a:xfrm>
+            <a:off x="10299595" y="27751652"/>
+            <a:ext cx="7106403" cy="5366213"/>
+          </a:xfrm>
+          <a:prstGeom prst="rect">
+            <a:avLst/>
+          </a:prstGeom>
+          <a:noFill/>
+        </p:spPr>
+        <p:txBody>
+          <a:bodyPr wrap="square">
+            <a:spAutoFit/>
+          </a:bodyPr>
+          <a:lstStyle/>
+          <a:p>
+            <a:pPr algn="ctr"/>
+            <a:r>
+              <a:rPr lang="es-CO" sz="4896" dirty="0"/>
+              <a:t>Asociar en BD pedido N a direcciones MAC de los tags a alumbrar en el modulo B y organizar un JSON con la información de </a:t>
+            </a:r>
+            <a:r>
+              <a:rPr lang="es-CO" sz="4896" dirty="0" err="1"/>
+              <a:t>MACs</a:t>
+            </a:r>
+            <a:r>
+              <a:rPr lang="es-CO" sz="4896" dirty="0"/>
+              <a:t> y Cantidades por módulo</a:t>
+            </a:r>
+          </a:p>
+        </p:txBody>
+      </p:sp>
+      <p:sp>
+        <p:nvSpPr>
+          <p:cNvPr id="79" name="CuadroTexto 78">
+            <a:extLst>
+              <a:ext uri="{FF2B5EF4-FFF2-40B4-BE49-F238E27FC236}">
+                <a16:creationId xmlns:a16="http://schemas.microsoft.com/office/drawing/2014/main" id="{CB6F8DCE-4B1C-F147-CAFC-DAC835B5423A}"/>
+              </a:ext>
+            </a:extLst>
+          </p:cNvPr>
+          <p:cNvSpPr txBox="1"/>
+          <p:nvPr/>
+        </p:nvSpPr>
+        <p:spPr>
+          <a:xfrm>
+            <a:off x="10632892" y="33188209"/>
+            <a:ext cx="6901478" cy="845744"/>
+          </a:xfrm>
+          <a:prstGeom prst="rect">
+            <a:avLst/>
+          </a:prstGeom>
+          <a:noFill/>
+        </p:spPr>
+        <p:txBody>
+          <a:bodyPr wrap="square">
+            <a:spAutoFit/>
+          </a:bodyPr>
+          <a:lstStyle/>
+          <a:p>
+            <a:pPr algn="ctr"/>
+            <a:r>
+              <a:rPr lang="es-CO" sz="4896" dirty="0"/>
+              <a:t>Espera por confirmación</a:t>
+            </a:r>
+          </a:p>
+        </p:txBody>
+      </p:sp>
+      <p:cxnSp>
+        <p:nvCxnSpPr>
+          <p:cNvPr id="80" name="Conector recto de flecha 79">
+            <a:extLst>
+              <a:ext uri="{FF2B5EF4-FFF2-40B4-BE49-F238E27FC236}">
+                <a16:creationId xmlns:a16="http://schemas.microsoft.com/office/drawing/2014/main" id="{85298F14-6E9F-1A91-3D5C-666BDECEAC21}"/>
+              </a:ext>
+            </a:extLst>
+          </p:cNvPr>
+          <p:cNvCxnSpPr>
+            <a:cxnSpLocks/>
+            <a:endCxn id="34" idx="1"/>
+          </p:cNvCxnSpPr>
+          <p:nvPr/>
+        </p:nvCxnSpPr>
+        <p:spPr>
+          <a:xfrm flipV="1">
+            <a:off x="6591394" y="14049378"/>
+            <a:ext cx="3818519" cy="2972464"/>
+          </a:xfrm>
+          <a:prstGeom prst="straightConnector1">
+            <a:avLst/>
+          </a:prstGeom>
+          <a:ln>
+            <a:tailEnd type="triangle"/>
+          </a:ln>
+        </p:spPr>
+        <p:style>
+          <a:lnRef idx="3">
+            <a:schemeClr val="dk1"/>
+          </a:lnRef>
+          <a:fillRef idx="0">
+            <a:schemeClr val="dk1"/>
+          </a:fillRef>
+          <a:effectRef idx="2">
+            <a:schemeClr val="dk1"/>
+          </a:effectRef>
+          <a:fontRef idx="minor">
+            <a:schemeClr val="tx1"/>
+          </a:fontRef>
+        </p:style>
+      </p:cxnSp>
+      <p:cxnSp>
+        <p:nvCxnSpPr>
+          <p:cNvPr id="85" name="Conector recto de flecha 84">
+            <a:extLst>
+              <a:ext uri="{FF2B5EF4-FFF2-40B4-BE49-F238E27FC236}">
+                <a16:creationId xmlns:a16="http://schemas.microsoft.com/office/drawing/2014/main" id="{63350D83-E2B7-E86E-9ECD-0097F3C24402}"/>
+              </a:ext>
+            </a:extLst>
+          </p:cNvPr>
+          <p:cNvCxnSpPr>
+            <a:cxnSpLocks/>
+            <a:endCxn id="61" idx="0"/>
+          </p:cNvCxnSpPr>
+          <p:nvPr/>
+        </p:nvCxnSpPr>
+        <p:spPr>
+          <a:xfrm>
+            <a:off x="13759639" y="15258473"/>
+            <a:ext cx="841" cy="606982"/>
+          </a:xfrm>
+          <a:prstGeom prst="straightConnector1">
+            <a:avLst/>
+          </a:prstGeom>
+          <a:ln>
+            <a:tailEnd type="triangle"/>
+          </a:ln>
+        </p:spPr>
+        <p:style>
+          <a:lnRef idx="3">
+            <a:schemeClr val="dk1"/>
+          </a:lnRef>
+          <a:fillRef idx="0">
+            <a:schemeClr val="dk1"/>
+          </a:fillRef>
+          <a:effectRef idx="2">
+            <a:schemeClr val="dk1"/>
+          </a:effectRef>
+          <a:fontRef idx="minor">
+            <a:schemeClr val="tx1"/>
+          </a:fontRef>
+        </p:style>
+      </p:cxnSp>
+      <p:cxnSp>
+        <p:nvCxnSpPr>
+          <p:cNvPr id="91" name="Conector recto de flecha 90">
+            <a:extLst>
+              <a:ext uri="{FF2B5EF4-FFF2-40B4-BE49-F238E27FC236}">
+                <a16:creationId xmlns:a16="http://schemas.microsoft.com/office/drawing/2014/main" id="{B5E7DC99-3D8D-483D-C04E-0AAD986372B2}"/>
+              </a:ext>
+            </a:extLst>
+          </p:cNvPr>
+          <p:cNvCxnSpPr>
+            <a:cxnSpLocks/>
+            <a:endCxn id="66" idx="3"/>
+          </p:cNvCxnSpPr>
+          <p:nvPr/>
+        </p:nvCxnSpPr>
+        <p:spPr>
+          <a:xfrm flipH="1">
+            <a:off x="8744467" y="18795799"/>
+            <a:ext cx="1607304" cy="95494"/>
+          </a:xfrm>
+          <a:prstGeom prst="straightConnector1">
+            <a:avLst/>
+          </a:prstGeom>
+          <a:ln>
+            <a:tailEnd type="triangle"/>
+          </a:ln>
+        </p:spPr>
+        <p:style>
+          <a:lnRef idx="3">
+            <a:schemeClr val="dk1"/>
+          </a:lnRef>
+          <a:fillRef idx="0">
+            <a:schemeClr val="dk1"/>
+          </a:fillRef>
+          <a:effectRef idx="2">
+            <a:schemeClr val="dk1"/>
+          </a:effectRef>
+          <a:fontRef idx="minor">
+            <a:schemeClr val="tx1"/>
+          </a:fontRef>
+        </p:style>
+      </p:cxnSp>
+      <p:cxnSp>
+        <p:nvCxnSpPr>
+          <p:cNvPr id="94" name="Conector recto de flecha 93">
+            <a:extLst>
+              <a:ext uri="{FF2B5EF4-FFF2-40B4-BE49-F238E27FC236}">
+                <a16:creationId xmlns:a16="http://schemas.microsoft.com/office/drawing/2014/main" id="{22D5711F-0859-EB59-0B75-23BD4A1EA51C}"/>
+              </a:ext>
+            </a:extLst>
+          </p:cNvPr>
+          <p:cNvCxnSpPr>
+            <a:cxnSpLocks/>
+          </p:cNvCxnSpPr>
+          <p:nvPr/>
+        </p:nvCxnSpPr>
+        <p:spPr>
+          <a:xfrm>
+            <a:off x="5293723" y="19493711"/>
+            <a:ext cx="0" cy="716773"/>
+          </a:xfrm>
+          <a:prstGeom prst="straightConnector1">
+            <a:avLst/>
+          </a:prstGeom>
+          <a:ln>
+            <a:tailEnd type="triangle"/>
+          </a:ln>
+        </p:spPr>
+        <p:style>
+          <a:lnRef idx="3">
+            <a:schemeClr val="dk1"/>
+          </a:lnRef>
+          <a:fillRef idx="0">
+            <a:schemeClr val="dk1"/>
+          </a:fillRef>
+          <a:effectRef idx="2">
+            <a:schemeClr val="dk1"/>
+          </a:effectRef>
+          <a:fontRef idx="minor">
+            <a:schemeClr val="tx1"/>
+          </a:fontRef>
+        </p:style>
+      </p:cxnSp>
+      <p:grpSp>
+        <p:nvGrpSpPr>
+          <p:cNvPr id="169" name="Grupo 168">
+            <a:extLst>
+              <a:ext uri="{FF2B5EF4-FFF2-40B4-BE49-F238E27FC236}">
+                <a16:creationId xmlns:a16="http://schemas.microsoft.com/office/drawing/2014/main" id="{FEA07E76-94E2-7BD1-64B3-91A00150B853}"/>
+              </a:ext>
+            </a:extLst>
+          </p:cNvPr>
+          <p:cNvGrpSpPr/>
+          <p:nvPr/>
+        </p:nvGrpSpPr>
+        <p:grpSpPr>
+          <a:xfrm>
+            <a:off x="4995612" y="33132114"/>
+            <a:ext cx="267522" cy="1261683"/>
+            <a:chOff x="4995612" y="33132114"/>
+            <a:chExt cx="267522" cy="1261683"/>
+          </a:xfrm>
+        </p:grpSpPr>
+        <p:sp>
+          <p:nvSpPr>
+            <p:cNvPr id="98" name="Elipse 97">
+              <a:extLst>
+                <a:ext uri="{FF2B5EF4-FFF2-40B4-BE49-F238E27FC236}">
+                  <a16:creationId xmlns:a16="http://schemas.microsoft.com/office/drawing/2014/main" id="{66B875D9-A915-B221-4DC9-61C3CEF15F17}"/>
+                </a:ext>
+              </a:extLst>
+            </p:cNvPr>
+            <p:cNvSpPr/>
+            <p:nvPr/>
+          </p:nvSpPr>
+          <p:spPr>
+            <a:xfrm>
+              <a:off x="4995612" y="33132114"/>
+              <a:ext cx="267522" cy="271132"/>
+            </a:xfrm>
+            <a:prstGeom prst="ellipse">
+              <a:avLst/>
+            </a:prstGeom>
+            <a:solidFill>
+              <a:schemeClr val="tx1"/>
+            </a:solidFill>
+          </p:spPr>
+          <p:style>
+            <a:lnRef idx="2">
+              <a:schemeClr val="accent1">
+                <a:shade val="50000"/>
+              </a:schemeClr>
+            </a:lnRef>
+            <a:fillRef idx="1">
+              <a:schemeClr val="accent1"/>
+            </a:fillRef>
+            <a:effectRef idx="0">
+              <a:schemeClr val="accent1"/>
+            </a:effectRef>
+            <a:fontRef idx="minor">
+              <a:schemeClr val="lt1"/>
+            </a:fontRef>
+          </p:style>
+          <p:txBody>
+            <a:bodyPr rtlCol="0" anchor="ctr"/>
+            <a:lstStyle/>
+            <a:p>
+              <a:pPr algn="ctr"/>
+              <a:endParaRPr lang="en-US" sz="4519"/>
+            </a:p>
+          </p:txBody>
+        </p:sp>
+        <p:sp>
+          <p:nvSpPr>
+            <p:cNvPr id="99" name="Elipse 98">
+              <a:extLst>
+                <a:ext uri="{FF2B5EF4-FFF2-40B4-BE49-F238E27FC236}">
+                  <a16:creationId xmlns:a16="http://schemas.microsoft.com/office/drawing/2014/main" id="{622282CA-F554-6AB4-12F5-1C0FCA4774F4}"/>
+                </a:ext>
+              </a:extLst>
+            </p:cNvPr>
+            <p:cNvSpPr/>
+            <p:nvPr/>
+          </p:nvSpPr>
+          <p:spPr>
+            <a:xfrm>
+              <a:off x="4995612" y="33627390"/>
+              <a:ext cx="267522" cy="271132"/>
+            </a:xfrm>
+            <a:prstGeom prst="ellipse">
+              <a:avLst/>
+            </a:prstGeom>
+            <a:solidFill>
+              <a:schemeClr val="tx1"/>
+            </a:solidFill>
+          </p:spPr>
+          <p:style>
+            <a:lnRef idx="2">
+              <a:schemeClr val="accent1">
+                <a:shade val="50000"/>
+              </a:schemeClr>
+            </a:lnRef>
+            <a:fillRef idx="1">
+              <a:schemeClr val="accent1"/>
+            </a:fillRef>
+            <a:effectRef idx="0">
+              <a:schemeClr val="accent1"/>
+            </a:effectRef>
+            <a:fontRef idx="minor">
+              <a:schemeClr val="lt1"/>
+            </a:fontRef>
+          </p:style>
+          <p:txBody>
+            <a:bodyPr rtlCol="0" anchor="ctr"/>
+            <a:lstStyle/>
+            <a:p>
+              <a:pPr algn="ctr"/>
+              <a:endParaRPr lang="en-US" sz="4519"/>
+            </a:p>
+          </p:txBody>
+        </p:sp>
+        <p:sp>
+          <p:nvSpPr>
+            <p:cNvPr id="100" name="Elipse 99">
+              <a:extLst>
+                <a:ext uri="{FF2B5EF4-FFF2-40B4-BE49-F238E27FC236}">
+                  <a16:creationId xmlns:a16="http://schemas.microsoft.com/office/drawing/2014/main" id="{1168D648-CB93-A0EA-8200-52CD7C46425E}"/>
+                </a:ext>
+              </a:extLst>
+            </p:cNvPr>
+            <p:cNvSpPr/>
+            <p:nvPr/>
+          </p:nvSpPr>
+          <p:spPr>
+            <a:xfrm>
+              <a:off x="4995612" y="34122665"/>
+              <a:ext cx="267522" cy="271132"/>
+            </a:xfrm>
+            <a:prstGeom prst="ellipse">
+              <a:avLst/>
+            </a:prstGeom>
+            <a:solidFill>
+              <a:schemeClr val="tx1"/>
+            </a:solidFill>
+          </p:spPr>
+          <p:style>
+            <a:lnRef idx="2">
+              <a:schemeClr val="accent1">
+                <a:shade val="50000"/>
+              </a:schemeClr>
+            </a:lnRef>
+            <a:fillRef idx="1">
+              <a:schemeClr val="accent1"/>
+            </a:fillRef>
+            <a:effectRef idx="0">
+              <a:schemeClr val="accent1"/>
+            </a:effectRef>
+            <a:fontRef idx="minor">
+              <a:schemeClr val="lt1"/>
+            </a:fontRef>
+          </p:style>
+          <p:txBody>
+            <a:bodyPr rtlCol="0" anchor="ctr"/>
+            <a:lstStyle/>
+            <a:p>
+              <a:pPr algn="ctr"/>
+              <a:endParaRPr lang="en-US" sz="4519"/>
+            </a:p>
+          </p:txBody>
+        </p:sp>
+      </p:grpSp>
+      <p:grpSp>
+        <p:nvGrpSpPr>
+          <p:cNvPr id="168" name="Grupo 167">
+            <a:extLst>
+              <a:ext uri="{FF2B5EF4-FFF2-40B4-BE49-F238E27FC236}">
+                <a16:creationId xmlns:a16="http://schemas.microsoft.com/office/drawing/2014/main" id="{0444086A-2472-43BC-FCB1-4E5CC7E0B50A}"/>
+              </a:ext>
+            </a:extLst>
+          </p:cNvPr>
+          <p:cNvGrpSpPr/>
+          <p:nvPr/>
+        </p:nvGrpSpPr>
+        <p:grpSpPr>
+          <a:xfrm>
+            <a:off x="13658436" y="34273421"/>
+            <a:ext cx="275762" cy="1157028"/>
+            <a:chOff x="13658436" y="34273421"/>
+            <a:chExt cx="275762" cy="1157028"/>
+          </a:xfrm>
+        </p:grpSpPr>
+        <p:sp>
+          <p:nvSpPr>
+            <p:cNvPr id="103" name="Elipse 102">
+              <a:extLst>
+                <a:ext uri="{FF2B5EF4-FFF2-40B4-BE49-F238E27FC236}">
+                  <a16:creationId xmlns:a16="http://schemas.microsoft.com/office/drawing/2014/main" id="{71807E7B-D118-C8AC-F068-3FA45AE584CE}"/>
+                </a:ext>
+              </a:extLst>
+            </p:cNvPr>
+            <p:cNvSpPr/>
+            <p:nvPr/>
+          </p:nvSpPr>
+          <p:spPr>
+            <a:xfrm>
+              <a:off x="13658436" y="34273421"/>
+              <a:ext cx="275762" cy="248642"/>
+            </a:xfrm>
+            <a:prstGeom prst="ellipse">
+              <a:avLst/>
+            </a:prstGeom>
+            <a:solidFill>
+              <a:schemeClr val="tx1"/>
+            </a:solidFill>
+          </p:spPr>
+          <p:style>
+            <a:lnRef idx="2">
+              <a:schemeClr val="accent1">
+                <a:shade val="50000"/>
+              </a:schemeClr>
+            </a:lnRef>
+            <a:fillRef idx="1">
+              <a:schemeClr val="accent1"/>
+            </a:fillRef>
+            <a:effectRef idx="0">
+              <a:schemeClr val="accent1"/>
+            </a:effectRef>
+            <a:fontRef idx="minor">
+              <a:schemeClr val="lt1"/>
+            </a:fontRef>
+          </p:style>
+          <p:txBody>
+            <a:bodyPr rtlCol="0" anchor="ctr"/>
+            <a:lstStyle/>
+            <a:p>
+              <a:pPr algn="ctr"/>
+              <a:endParaRPr lang="en-US" sz="4519"/>
+            </a:p>
+          </p:txBody>
+        </p:sp>
+        <p:sp>
+          <p:nvSpPr>
+            <p:cNvPr id="104" name="Elipse 103">
+              <a:extLst>
+                <a:ext uri="{FF2B5EF4-FFF2-40B4-BE49-F238E27FC236}">
+                  <a16:creationId xmlns:a16="http://schemas.microsoft.com/office/drawing/2014/main" id="{87DC55F4-890E-A815-3B2D-7E8CE2AC2B8A}"/>
+                </a:ext>
+              </a:extLst>
+            </p:cNvPr>
+            <p:cNvSpPr/>
+            <p:nvPr/>
+          </p:nvSpPr>
+          <p:spPr>
+            <a:xfrm>
+              <a:off x="13658436" y="34727614"/>
+              <a:ext cx="275762" cy="248642"/>
+            </a:xfrm>
+            <a:prstGeom prst="ellipse">
+              <a:avLst/>
+            </a:prstGeom>
+            <a:solidFill>
+              <a:schemeClr val="tx1"/>
+            </a:solidFill>
+          </p:spPr>
+          <p:style>
+            <a:lnRef idx="2">
+              <a:schemeClr val="accent1">
+                <a:shade val="50000"/>
+              </a:schemeClr>
+            </a:lnRef>
+            <a:fillRef idx="1">
+              <a:schemeClr val="accent1"/>
+            </a:fillRef>
+            <a:effectRef idx="0">
+              <a:schemeClr val="accent1"/>
+            </a:effectRef>
+            <a:fontRef idx="minor">
+              <a:schemeClr val="lt1"/>
+            </a:fontRef>
+          </p:style>
+          <p:txBody>
+            <a:bodyPr rtlCol="0" anchor="ctr"/>
+            <a:lstStyle/>
+            <a:p>
+              <a:pPr algn="ctr"/>
+              <a:endParaRPr lang="en-US" sz="4519"/>
+            </a:p>
+          </p:txBody>
+        </p:sp>
+        <p:sp>
+          <p:nvSpPr>
+            <p:cNvPr id="105" name="Elipse 104">
+              <a:extLst>
+                <a:ext uri="{FF2B5EF4-FFF2-40B4-BE49-F238E27FC236}">
+                  <a16:creationId xmlns:a16="http://schemas.microsoft.com/office/drawing/2014/main" id="{B7100853-1428-7AE7-CA1A-9850326FF95F}"/>
+                </a:ext>
+              </a:extLst>
+            </p:cNvPr>
+            <p:cNvSpPr/>
+            <p:nvPr/>
+          </p:nvSpPr>
+          <p:spPr>
+            <a:xfrm>
+              <a:off x="13658436" y="35181807"/>
+              <a:ext cx="275762" cy="248642"/>
+            </a:xfrm>
+            <a:prstGeom prst="ellipse">
+              <a:avLst/>
+            </a:prstGeom>
+            <a:solidFill>
+              <a:schemeClr val="tx1"/>
+            </a:solidFill>
+          </p:spPr>
+          <p:style>
+            <a:lnRef idx="2">
+              <a:schemeClr val="accent1">
+                <a:shade val="50000"/>
+              </a:schemeClr>
+            </a:lnRef>
+            <a:fillRef idx="1">
+              <a:schemeClr val="accent1"/>
+            </a:fillRef>
+            <a:effectRef idx="0">
+              <a:schemeClr val="accent1"/>
+            </a:effectRef>
+            <a:fontRef idx="minor">
+              <a:schemeClr val="lt1"/>
+            </a:fontRef>
+          </p:style>
+          <p:txBody>
+            <a:bodyPr rtlCol="0" anchor="ctr"/>
+            <a:lstStyle/>
+            <a:p>
+              <a:pPr algn="ctr"/>
+              <a:endParaRPr lang="en-US" sz="4519"/>
+            </a:p>
+          </p:txBody>
+        </p:sp>
+      </p:grpSp>
+      <p:sp>
+        <p:nvSpPr>
+          <p:cNvPr id="106" name="CuadroTexto 105">
+            <a:extLst>
+              <a:ext uri="{FF2B5EF4-FFF2-40B4-BE49-F238E27FC236}">
+                <a16:creationId xmlns:a16="http://schemas.microsoft.com/office/drawing/2014/main" id="{CB2A944C-1F97-4636-1743-424A16E30231}"/>
+              </a:ext>
+            </a:extLst>
+          </p:cNvPr>
+          <p:cNvSpPr txBox="1"/>
+          <p:nvPr/>
+        </p:nvSpPr>
+        <p:spPr>
+          <a:xfrm>
+            <a:off x="1557299" y="34584705"/>
+            <a:ext cx="6901478" cy="845744"/>
+          </a:xfrm>
+          <a:prstGeom prst="rect">
+            <a:avLst/>
+          </a:prstGeom>
+          <a:noFill/>
+        </p:spPr>
+        <p:txBody>
+          <a:bodyPr wrap="square">
+            <a:spAutoFit/>
+          </a:bodyPr>
+          <a:lstStyle/>
+          <a:p>
+            <a:pPr algn="ctr"/>
+            <a:r>
+              <a:rPr lang="es-CO" sz="4896" b="1" dirty="0"/>
+              <a:t>MODULO D</a:t>
+            </a:r>
+          </a:p>
+        </p:txBody>
+      </p:sp>
+      <p:cxnSp>
+        <p:nvCxnSpPr>
+          <p:cNvPr id="107" name="Conector recto de flecha 106">
+            <a:extLst>
+              <a:ext uri="{FF2B5EF4-FFF2-40B4-BE49-F238E27FC236}">
+                <a16:creationId xmlns:a16="http://schemas.microsoft.com/office/drawing/2014/main" id="{674B91B8-BC09-0149-BFD1-DECBD072EA17}"/>
+              </a:ext>
+            </a:extLst>
+          </p:cNvPr>
+          <p:cNvCxnSpPr>
+            <a:cxnSpLocks/>
+          </p:cNvCxnSpPr>
+          <p:nvPr/>
+        </p:nvCxnSpPr>
+        <p:spPr>
+          <a:xfrm>
+            <a:off x="5326796" y="22339024"/>
+            <a:ext cx="0" cy="716773"/>
+          </a:xfrm>
+          <a:prstGeom prst="straightConnector1">
+            <a:avLst/>
+          </a:prstGeom>
+          <a:ln>
+            <a:tailEnd type="triangle"/>
+          </a:ln>
+        </p:spPr>
+        <p:style>
+          <a:lnRef idx="3">
+            <a:schemeClr val="dk1"/>
+          </a:lnRef>
+          <a:fillRef idx="0">
+            <a:schemeClr val="dk1"/>
+          </a:fillRef>
+          <a:effectRef idx="2">
+            <a:schemeClr val="dk1"/>
+          </a:effectRef>
+          <a:fontRef idx="minor">
+            <a:schemeClr val="tx1"/>
+          </a:fontRef>
+        </p:style>
+      </p:cxnSp>
+      <p:cxnSp>
+        <p:nvCxnSpPr>
+          <p:cNvPr id="108" name="Conector recto de flecha 107">
+            <a:extLst>
+              <a:ext uri="{FF2B5EF4-FFF2-40B4-BE49-F238E27FC236}">
+                <a16:creationId xmlns:a16="http://schemas.microsoft.com/office/drawing/2014/main" id="{25B558B4-B754-247E-2F08-A3BF2237DDA5}"/>
+              </a:ext>
+            </a:extLst>
+          </p:cNvPr>
+          <p:cNvCxnSpPr>
+            <a:cxnSpLocks/>
+            <a:endCxn id="62" idx="1"/>
+          </p:cNvCxnSpPr>
+          <p:nvPr/>
+        </p:nvCxnSpPr>
+        <p:spPr>
+          <a:xfrm flipV="1">
+            <a:off x="8649397" y="22001006"/>
+            <a:ext cx="1803570" cy="1358060"/>
+          </a:xfrm>
+          <a:prstGeom prst="straightConnector1">
+            <a:avLst/>
+          </a:prstGeom>
+          <a:ln>
+            <a:tailEnd type="triangle"/>
+          </a:ln>
+        </p:spPr>
+        <p:style>
+          <a:lnRef idx="3">
+            <a:schemeClr val="dk1"/>
+          </a:lnRef>
+          <a:fillRef idx="0">
+            <a:schemeClr val="dk1"/>
+          </a:fillRef>
+          <a:effectRef idx="2">
+            <a:schemeClr val="dk1"/>
+          </a:effectRef>
+          <a:fontRef idx="minor">
+            <a:schemeClr val="tx1"/>
+          </a:fontRef>
+        </p:style>
+      </p:cxnSp>
+      <p:cxnSp>
+        <p:nvCxnSpPr>
+          <p:cNvPr id="111" name="Conector recto de flecha 110">
+            <a:extLst>
+              <a:ext uri="{FF2B5EF4-FFF2-40B4-BE49-F238E27FC236}">
+                <a16:creationId xmlns:a16="http://schemas.microsoft.com/office/drawing/2014/main" id="{92B88227-03A0-191A-01B9-5A049DCB1A00}"/>
+              </a:ext>
+            </a:extLst>
+          </p:cNvPr>
+          <p:cNvCxnSpPr>
+            <a:cxnSpLocks/>
+          </p:cNvCxnSpPr>
+          <p:nvPr/>
+        </p:nvCxnSpPr>
+        <p:spPr>
+          <a:xfrm>
+            <a:off x="13658436" y="22220810"/>
+            <a:ext cx="0" cy="1138256"/>
+          </a:xfrm>
+          <a:prstGeom prst="straightConnector1">
+            <a:avLst/>
+          </a:prstGeom>
+          <a:ln>
+            <a:tailEnd type="triangle"/>
+          </a:ln>
+        </p:spPr>
+        <p:style>
+          <a:lnRef idx="3">
+            <a:schemeClr val="dk1"/>
+          </a:lnRef>
+          <a:fillRef idx="0">
+            <a:schemeClr val="dk1"/>
+          </a:fillRef>
+          <a:effectRef idx="2">
+            <a:schemeClr val="dk1"/>
+          </a:effectRef>
+          <a:fontRef idx="minor">
+            <a:schemeClr val="tx1"/>
+          </a:fontRef>
+        </p:style>
+      </p:cxnSp>
+      <p:sp>
+        <p:nvSpPr>
+          <p:cNvPr id="115" name="CuadroTexto 114">
+            <a:extLst>
+              <a:ext uri="{FF2B5EF4-FFF2-40B4-BE49-F238E27FC236}">
+                <a16:creationId xmlns:a16="http://schemas.microsoft.com/office/drawing/2014/main" id="{74F99DD5-8CAB-3930-230F-12D5C70D56E1}"/>
+              </a:ext>
+            </a:extLst>
+          </p:cNvPr>
+          <p:cNvSpPr txBox="1"/>
+          <p:nvPr/>
+        </p:nvSpPr>
+        <p:spPr>
+          <a:xfrm>
+            <a:off x="1395614" y="25378316"/>
+            <a:ext cx="7862374" cy="845744"/>
+          </a:xfrm>
+          <a:prstGeom prst="rect">
+            <a:avLst/>
+          </a:prstGeom>
+          <a:noFill/>
+        </p:spPr>
+        <p:txBody>
+          <a:bodyPr wrap="square">
+            <a:spAutoFit/>
+          </a:bodyPr>
+          <a:lstStyle/>
+          <a:p>
+            <a:pPr algn="ctr"/>
+            <a:r>
+              <a:rPr lang="es-CO" sz="4896" dirty="0"/>
+              <a:t>Entrega canasta a modulo B</a:t>
+            </a:r>
+          </a:p>
+        </p:txBody>
+      </p:sp>
+      <p:cxnSp>
+        <p:nvCxnSpPr>
+          <p:cNvPr id="116" name="Conector recto de flecha 115">
+            <a:extLst>
+              <a:ext uri="{FF2B5EF4-FFF2-40B4-BE49-F238E27FC236}">
+                <a16:creationId xmlns:a16="http://schemas.microsoft.com/office/drawing/2014/main" id="{6ADD2B8B-5FDA-019B-4474-2B7164DBDA08}"/>
+              </a:ext>
+            </a:extLst>
+          </p:cNvPr>
+          <p:cNvCxnSpPr>
+            <a:cxnSpLocks/>
+          </p:cNvCxnSpPr>
+          <p:nvPr/>
+        </p:nvCxnSpPr>
+        <p:spPr>
+          <a:xfrm>
+            <a:off x="5359642" y="24627578"/>
+            <a:ext cx="0" cy="716773"/>
+          </a:xfrm>
+          <a:prstGeom prst="straightConnector1">
+            <a:avLst/>
+          </a:prstGeom>
+          <a:ln>
+            <a:tailEnd type="triangle"/>
+          </a:ln>
+        </p:spPr>
+        <p:style>
+          <a:lnRef idx="3">
+            <a:schemeClr val="dk1"/>
+          </a:lnRef>
+          <a:fillRef idx="0">
+            <a:schemeClr val="dk1"/>
+          </a:fillRef>
+          <a:effectRef idx="2">
+            <a:schemeClr val="dk1"/>
+          </a:effectRef>
+          <a:fontRef idx="minor">
+            <a:schemeClr val="tx1"/>
+          </a:fontRef>
+        </p:style>
+      </p:cxnSp>
+      <p:cxnSp>
+        <p:nvCxnSpPr>
+          <p:cNvPr id="117" name="Conector recto de flecha 116">
+            <a:extLst>
+              <a:ext uri="{FF2B5EF4-FFF2-40B4-BE49-F238E27FC236}">
+                <a16:creationId xmlns:a16="http://schemas.microsoft.com/office/drawing/2014/main" id="{C3944AA3-EE48-5CC8-4853-C3442B73F2F0}"/>
+              </a:ext>
+            </a:extLst>
+          </p:cNvPr>
+          <p:cNvCxnSpPr>
+            <a:cxnSpLocks/>
+          </p:cNvCxnSpPr>
+          <p:nvPr/>
+        </p:nvCxnSpPr>
+        <p:spPr>
+          <a:xfrm>
+            <a:off x="5279895" y="26218725"/>
+            <a:ext cx="0" cy="716773"/>
+          </a:xfrm>
+          <a:prstGeom prst="straightConnector1">
+            <a:avLst/>
+          </a:prstGeom>
+          <a:ln>
+            <a:tailEnd type="triangle"/>
+          </a:ln>
+        </p:spPr>
+        <p:style>
+          <a:lnRef idx="3">
+            <a:schemeClr val="dk1"/>
+          </a:lnRef>
+          <a:fillRef idx="0">
+            <a:schemeClr val="dk1"/>
+          </a:fillRef>
+          <a:effectRef idx="2">
+            <a:schemeClr val="dk1"/>
+          </a:effectRef>
+          <a:fontRef idx="minor">
+            <a:schemeClr val="tx1"/>
+          </a:fontRef>
+        </p:style>
+      </p:cxnSp>
+      <p:cxnSp>
+        <p:nvCxnSpPr>
+          <p:cNvPr id="118" name="Conector recto de flecha 117">
+            <a:extLst>
+              <a:ext uri="{FF2B5EF4-FFF2-40B4-BE49-F238E27FC236}">
+                <a16:creationId xmlns:a16="http://schemas.microsoft.com/office/drawing/2014/main" id="{F80C6939-1754-B147-B4A5-285E0A3FD625}"/>
+              </a:ext>
+            </a:extLst>
+          </p:cNvPr>
+          <p:cNvCxnSpPr>
+            <a:cxnSpLocks/>
+          </p:cNvCxnSpPr>
+          <p:nvPr/>
+        </p:nvCxnSpPr>
+        <p:spPr>
+          <a:xfrm flipV="1">
+            <a:off x="6591394" y="30657417"/>
+            <a:ext cx="3691594" cy="1857718"/>
+          </a:xfrm>
+          <a:prstGeom prst="straightConnector1">
+            <a:avLst/>
+          </a:prstGeom>
+          <a:ln>
+            <a:headEnd type="none" w="med" len="med"/>
+            <a:tailEnd type="arrow" w="med" len="med"/>
+          </a:ln>
+        </p:spPr>
+        <p:style>
+          <a:lnRef idx="3">
+            <a:schemeClr val="dk1"/>
+          </a:lnRef>
+          <a:fillRef idx="0">
+            <a:schemeClr val="dk1"/>
+          </a:fillRef>
+          <a:effectRef idx="2">
+            <a:schemeClr val="dk1"/>
+          </a:effectRef>
+          <a:fontRef idx="minor">
+            <a:schemeClr val="tx1"/>
+          </a:fontRef>
+        </p:style>
+      </p:cxnSp>
+      <p:sp>
+        <p:nvSpPr>
+          <p:cNvPr id="152" name="Marcador de contenido 2">
+            <a:extLst>
+              <a:ext uri="{FF2B5EF4-FFF2-40B4-BE49-F238E27FC236}">
+                <a16:creationId xmlns:a16="http://schemas.microsoft.com/office/drawing/2014/main" id="{D775E4CA-0499-A1D8-0472-C3F32B6EBBCC}"/>
+              </a:ext>
+            </a:extLst>
+          </p:cNvPr>
+          <p:cNvSpPr txBox="1">
+            <a:spLocks/>
+          </p:cNvSpPr>
+          <p:nvPr/>
+        </p:nvSpPr>
+        <p:spPr>
+          <a:xfrm>
+            <a:off x="19213606" y="11115516"/>
+            <a:ext cx="9823826" cy="5032171"/>
+          </a:xfrm>
+          <a:prstGeom prst="rect">
+            <a:avLst/>
+          </a:prstGeom>
+        </p:spPr>
+        <p:txBody>
+          <a:bodyPr vert="horz" lIns="391694" tIns="195847" rIns="391694" bIns="195847" rtlCol="0">
+            <a:normAutofit/>
+          </a:bodyPr>
+          <a:lstStyle>
+            <a:defPPr>
+              <a:defRPr lang="en-US"/>
+            </a:defPPr>
+            <a:lvl1pPr marL="228600" indent="-228600" defTabSz="914400">
+              <a:lnSpc>
+                <a:spcPct val="90000"/>
+              </a:lnSpc>
+              <a:spcBef>
+                <a:spcPts val="1000"/>
+              </a:spcBef>
+              <a:buFont typeface="Arial" panose="020B0604020202020204" pitchFamily="34" charset="0"/>
+              <a:buChar char="•"/>
+              <a:defRPr sz="5400"/>
+            </a:lvl1pPr>
+            <a:lvl2pPr marL="685800" indent="-228600" defTabSz="914400">
+              <a:lnSpc>
+                <a:spcPct val="90000"/>
+              </a:lnSpc>
+              <a:spcBef>
+                <a:spcPts val="500"/>
+              </a:spcBef>
+              <a:buFont typeface="Arial" panose="020B0604020202020204" pitchFamily="34" charset="0"/>
+              <a:buChar char="•"/>
+              <a:defRPr sz="2400"/>
+            </a:lvl2pPr>
+            <a:lvl3pPr marL="1143000" indent="-228600" defTabSz="914400">
+              <a:lnSpc>
+                <a:spcPct val="90000"/>
+              </a:lnSpc>
+              <a:spcBef>
+                <a:spcPts val="500"/>
+              </a:spcBef>
+              <a:buFont typeface="Arial" panose="020B0604020202020204" pitchFamily="34" charset="0"/>
+              <a:buChar char="•"/>
+              <a:defRPr sz="2000"/>
+            </a:lvl3pPr>
+            <a:lvl4pPr marL="1600200" indent="-228600" defTabSz="914400">
+              <a:lnSpc>
+                <a:spcPct val="90000"/>
+              </a:lnSpc>
+              <a:spcBef>
+                <a:spcPts val="500"/>
+              </a:spcBef>
+              <a:buFont typeface="Arial" panose="020B0604020202020204" pitchFamily="34" charset="0"/>
+              <a:buChar char="•"/>
+            </a:lvl4pPr>
+            <a:lvl5pPr marL="2057400" indent="-228600" defTabSz="914400">
+              <a:lnSpc>
+                <a:spcPct val="90000"/>
+              </a:lnSpc>
+              <a:spcBef>
+                <a:spcPts val="500"/>
+              </a:spcBef>
+              <a:buFont typeface="Arial" panose="020B0604020202020204" pitchFamily="34" charset="0"/>
+              <a:buChar char="•"/>
+            </a:lvl5pPr>
+            <a:lvl6pPr marL="2514600" indent="-228600" defTabSz="914400">
+              <a:lnSpc>
+                <a:spcPct val="90000"/>
+              </a:lnSpc>
+              <a:spcBef>
+                <a:spcPts val="500"/>
+              </a:spcBef>
+              <a:buFont typeface="Arial" panose="020B0604020202020204" pitchFamily="34" charset="0"/>
+              <a:buChar char="•"/>
+            </a:lvl6pPr>
+            <a:lvl7pPr marL="2971800" indent="-228600" defTabSz="914400">
+              <a:lnSpc>
+                <a:spcPct val="90000"/>
+              </a:lnSpc>
+              <a:spcBef>
+                <a:spcPts val="500"/>
+              </a:spcBef>
+              <a:buFont typeface="Arial" panose="020B0604020202020204" pitchFamily="34" charset="0"/>
+              <a:buChar char="•"/>
+            </a:lvl7pPr>
+            <a:lvl8pPr marL="3429000" indent="-228600" defTabSz="914400">
+              <a:lnSpc>
+                <a:spcPct val="90000"/>
+              </a:lnSpc>
+              <a:spcBef>
+                <a:spcPts val="500"/>
+              </a:spcBef>
+              <a:buFont typeface="Arial" panose="020B0604020202020204" pitchFamily="34" charset="0"/>
+              <a:buChar char="•"/>
+            </a:lvl8pPr>
+            <a:lvl9pPr marL="3886200" indent="-228600" defTabSz="914400">
+              <a:lnSpc>
+                <a:spcPct val="90000"/>
+              </a:lnSpc>
+              <a:spcBef>
+                <a:spcPts val="500"/>
+              </a:spcBef>
+              <a:buFont typeface="Arial" panose="020B0604020202020204" pitchFamily="34" charset="0"/>
+              <a:buChar char="•"/>
+            </a:lvl9pPr>
+          </a:lstStyle>
+          <a:p>
+            <a:r>
+              <a:rPr lang="es-CO" sz="5399" dirty="0"/>
+              <a:t>Si se </a:t>
+            </a:r>
+            <a:r>
+              <a:rPr lang="es-CO" sz="5399" dirty="0" err="1"/>
+              <a:t>loggea</a:t>
+            </a:r>
+            <a:r>
+              <a:rPr lang="es-CO" sz="5399" dirty="0"/>
+              <a:t> como operario A y los pedidos no están cargados no debería habilitar el </a:t>
+            </a:r>
+            <a:r>
+              <a:rPr lang="es-CO" sz="5399" dirty="0" err="1"/>
+              <a:t>picking</a:t>
+            </a:r>
+            <a:endParaRPr lang="en-US" sz="5399" dirty="0"/>
+          </a:p>
+        </p:txBody>
+      </p:sp>
+      <p:sp>
+        <p:nvSpPr>
+          <p:cNvPr id="153" name="Marcador de contenido 2">
+            <a:extLst>
+              <a:ext uri="{FF2B5EF4-FFF2-40B4-BE49-F238E27FC236}">
+                <a16:creationId xmlns:a16="http://schemas.microsoft.com/office/drawing/2014/main" id="{15B1810B-4D27-FB24-B799-827477B167F7}"/>
+              </a:ext>
+            </a:extLst>
+          </p:cNvPr>
+          <p:cNvSpPr txBox="1">
+            <a:spLocks/>
+          </p:cNvSpPr>
+          <p:nvPr/>
+        </p:nvSpPr>
+        <p:spPr>
+          <a:xfrm>
+            <a:off x="18899092" y="23702638"/>
+            <a:ext cx="10254132" cy="5032171"/>
+          </a:xfrm>
+          <a:prstGeom prst="rect">
+            <a:avLst/>
+          </a:prstGeom>
+        </p:spPr>
+        <p:txBody>
+          <a:bodyPr vert="horz" lIns="391694" tIns="195847" rIns="391694" bIns="195847" rtlCol="0">
+            <a:normAutofit/>
+          </a:bodyPr>
+          <a:lstStyle>
+            <a:lvl1pPr marL="228600" indent="-228600" algn="l" defTabSz="914400" rtl="0" eaLnBrk="1" latinLnBrk="0" hangingPunct="1">
+              <a:lnSpc>
+                <a:spcPct val="90000"/>
+              </a:lnSpc>
+              <a:spcBef>
+                <a:spcPts val="1000"/>
+              </a:spcBef>
+              <a:buFont typeface="Arial" panose="020B0604020202020204" pitchFamily="34" charset="0"/>
+              <a:buChar char="•"/>
+              <a:defRPr sz="2800" kern="1200">
+                <a:solidFill>
+                  <a:schemeClr val="tx1"/>
+                </a:solidFill>
+                <a:latin typeface="+mn-lt"/>
+                <a:ea typeface="+mn-ea"/>
+                <a:cs typeface="+mn-cs"/>
+              </a:defRPr>
+            </a:lvl1pPr>
+            <a:lvl2pPr marL="685800" indent="-228600" algn="l" defTabSz="914400" rtl="0" eaLnBrk="1" latinLnBrk="0" hangingPunct="1">
+              <a:lnSpc>
+                <a:spcPct val="90000"/>
+              </a:lnSpc>
+              <a:spcBef>
+                <a:spcPts val="500"/>
+              </a:spcBef>
+              <a:buFont typeface="Arial" panose="020B0604020202020204" pitchFamily="34" charset="0"/>
+              <a:buChar char="•"/>
+              <a:defRPr sz="2400" kern="1200">
+                <a:solidFill>
+                  <a:schemeClr val="tx1"/>
+                </a:solidFill>
+                <a:latin typeface="+mn-lt"/>
+                <a:ea typeface="+mn-ea"/>
+                <a:cs typeface="+mn-cs"/>
+              </a:defRPr>
+            </a:lvl2pPr>
+            <a:lvl3pPr marL="1143000" indent="-228600" algn="l" defTabSz="914400" rtl="0" eaLnBrk="1" latinLnBrk="0" hangingPunct="1">
+              <a:lnSpc>
+                <a:spcPct val="90000"/>
+              </a:lnSpc>
+              <a:spcBef>
+                <a:spcPts val="500"/>
+              </a:spcBef>
+              <a:buFont typeface="Arial" panose="020B0604020202020204" pitchFamily="34" charset="0"/>
+              <a:buChar char="•"/>
+              <a:defRPr sz="2000" kern="1200">
+                <a:solidFill>
+                  <a:schemeClr val="tx1"/>
+                </a:solidFill>
+                <a:latin typeface="+mn-lt"/>
+                <a:ea typeface="+mn-ea"/>
+                <a:cs typeface="+mn-cs"/>
+              </a:defRPr>
+            </a:lvl3pPr>
+            <a:lvl4pPr marL="1600200" indent="-228600" algn="l" defTabSz="914400" rtl="0" eaLnBrk="1" latinLnBrk="0" hangingPunct="1">
+              <a:lnSpc>
+                <a:spcPct val="90000"/>
+              </a:lnSpc>
+              <a:spcBef>
+                <a:spcPts val="500"/>
+              </a:spcBef>
+              <a:buFont typeface="Arial" panose="020B0604020202020204" pitchFamily="34" charset="0"/>
+              <a:buChar char="•"/>
+              <a:defRPr sz="1800" kern="1200">
+                <a:solidFill>
+                  <a:schemeClr val="tx1"/>
+                </a:solidFill>
+                <a:latin typeface="+mn-lt"/>
+                <a:ea typeface="+mn-ea"/>
+                <a:cs typeface="+mn-cs"/>
+              </a:defRPr>
+            </a:lvl4pPr>
+            <a:lvl5pPr marL="2057400" indent="-228600" algn="l" defTabSz="914400" rtl="0" eaLnBrk="1" latinLnBrk="0" hangingPunct="1">
+              <a:lnSpc>
+                <a:spcPct val="90000"/>
+              </a:lnSpc>
+              <a:spcBef>
+                <a:spcPts val="500"/>
+              </a:spcBef>
+              <a:buFont typeface="Arial" panose="020B0604020202020204" pitchFamily="34" charset="0"/>
+              <a:buChar char="•"/>
+              <a:defRPr sz="1800" kern="1200">
+                <a:solidFill>
+                  <a:schemeClr val="tx1"/>
+                </a:solidFill>
+                <a:latin typeface="+mn-lt"/>
+                <a:ea typeface="+mn-ea"/>
+                <a:cs typeface="+mn-cs"/>
+              </a:defRPr>
+            </a:lvl5pPr>
+            <a:lvl6pPr marL="2514600" indent="-228600" algn="l" defTabSz="914400" rtl="0" eaLnBrk="1" latinLnBrk="0" hangingPunct="1">
+              <a:lnSpc>
+                <a:spcPct val="90000"/>
+              </a:lnSpc>
+              <a:spcBef>
+                <a:spcPts val="500"/>
+              </a:spcBef>
+              <a:buFont typeface="Arial" panose="020B0604020202020204" pitchFamily="34" charset="0"/>
+              <a:buChar char="•"/>
+              <a:defRPr sz="1800" kern="1200">
+                <a:solidFill>
+                  <a:schemeClr val="tx1"/>
+                </a:solidFill>
+                <a:latin typeface="+mn-lt"/>
+                <a:ea typeface="+mn-ea"/>
+                <a:cs typeface="+mn-cs"/>
+              </a:defRPr>
+            </a:lvl6pPr>
+            <a:lvl7pPr marL="2971800" indent="-228600" algn="l" defTabSz="914400" rtl="0" eaLnBrk="1" latinLnBrk="0" hangingPunct="1">
+              <a:lnSpc>
+                <a:spcPct val="90000"/>
+              </a:lnSpc>
+              <a:spcBef>
+                <a:spcPts val="500"/>
+              </a:spcBef>
+              <a:buFont typeface="Arial" panose="020B0604020202020204" pitchFamily="34" charset="0"/>
+              <a:buChar char="•"/>
+              <a:defRPr sz="1800" kern="1200">
+                <a:solidFill>
+                  <a:schemeClr val="tx1"/>
+                </a:solidFill>
+                <a:latin typeface="+mn-lt"/>
+                <a:ea typeface="+mn-ea"/>
+                <a:cs typeface="+mn-cs"/>
+              </a:defRPr>
+            </a:lvl7pPr>
+            <a:lvl8pPr marL="3429000" indent="-228600" algn="l" defTabSz="914400" rtl="0" eaLnBrk="1" latinLnBrk="0" hangingPunct="1">
+              <a:lnSpc>
+                <a:spcPct val="90000"/>
+              </a:lnSpc>
+              <a:spcBef>
+                <a:spcPts val="500"/>
+              </a:spcBef>
+              <a:buFont typeface="Arial" panose="020B0604020202020204" pitchFamily="34" charset="0"/>
+              <a:buChar char="•"/>
+              <a:defRPr sz="1800" kern="1200">
+                <a:solidFill>
+                  <a:schemeClr val="tx1"/>
+                </a:solidFill>
+                <a:latin typeface="+mn-lt"/>
+                <a:ea typeface="+mn-ea"/>
+                <a:cs typeface="+mn-cs"/>
+              </a:defRPr>
+            </a:lvl8pPr>
+            <a:lvl9pPr marL="3886200" indent="-228600" algn="l" defTabSz="914400" rtl="0" eaLnBrk="1" latinLnBrk="0" hangingPunct="1">
+              <a:lnSpc>
+                <a:spcPct val="90000"/>
+              </a:lnSpc>
+              <a:spcBef>
+                <a:spcPts val="500"/>
+              </a:spcBef>
+              <a:buFont typeface="Arial" panose="020B0604020202020204" pitchFamily="34" charset="0"/>
+              <a:buChar char="•"/>
+              <a:defRPr sz="1800" kern="1200">
+                <a:solidFill>
+                  <a:schemeClr val="tx1"/>
+                </a:solidFill>
+                <a:latin typeface="+mn-lt"/>
+                <a:ea typeface="+mn-ea"/>
+                <a:cs typeface="+mn-cs"/>
+              </a:defRPr>
+            </a:lvl9pPr>
+          </a:lstStyle>
+          <a:p>
+            <a:r>
+              <a:rPr lang="es-CO" sz="5399" dirty="0"/>
+              <a:t>La operación es simultanea. La aplicación puede estar esperando la confirmación del pedido 2 en el modulo B y a su vez enviar los JSON para el pedido 3 en el modulo A</a:t>
+            </a:r>
+            <a:endParaRPr lang="en-US" sz="5399" dirty="0"/>
+          </a:p>
+        </p:txBody>
+      </p:sp>
+      <p:sp>
+        <p:nvSpPr>
+          <p:cNvPr id="154" name="Marcador de contenido 2">
+            <a:extLst>
+              <a:ext uri="{FF2B5EF4-FFF2-40B4-BE49-F238E27FC236}">
+                <a16:creationId xmlns:a16="http://schemas.microsoft.com/office/drawing/2014/main" id="{4F7BCB79-7816-3916-248B-689F0B506B37}"/>
+              </a:ext>
+            </a:extLst>
+          </p:cNvPr>
+          <p:cNvSpPr txBox="1">
+            <a:spLocks/>
+          </p:cNvSpPr>
+          <p:nvPr/>
+        </p:nvSpPr>
+        <p:spPr>
+          <a:xfrm>
+            <a:off x="18899092" y="29397624"/>
+            <a:ext cx="10254132" cy="3117511"/>
+          </a:xfrm>
+          <a:prstGeom prst="rect">
+            <a:avLst/>
+          </a:prstGeom>
+        </p:spPr>
+        <p:txBody>
+          <a:bodyPr vert="horz" lIns="391694" tIns="195847" rIns="391694" bIns="195847" rtlCol="0">
+            <a:normAutofit lnSpcReduction="10000"/>
+          </a:bodyPr>
+          <a:lstStyle>
+            <a:defPPr>
+              <a:defRPr lang="en-US"/>
+            </a:defPPr>
+            <a:lvl1pPr marL="228600" indent="-228600" defTabSz="914400">
+              <a:lnSpc>
+                <a:spcPct val="90000"/>
+              </a:lnSpc>
+              <a:spcBef>
+                <a:spcPts val="1000"/>
+              </a:spcBef>
+              <a:buFont typeface="Arial" panose="020B0604020202020204" pitchFamily="34" charset="0"/>
+              <a:buChar char="•"/>
+              <a:defRPr sz="5400"/>
+            </a:lvl1pPr>
+            <a:lvl2pPr marL="685800" indent="-228600" defTabSz="914400">
+              <a:lnSpc>
+                <a:spcPct val="90000"/>
+              </a:lnSpc>
+              <a:spcBef>
+                <a:spcPts val="500"/>
+              </a:spcBef>
+              <a:buFont typeface="Arial" panose="020B0604020202020204" pitchFamily="34" charset="0"/>
+              <a:buChar char="•"/>
+              <a:defRPr sz="2400"/>
+            </a:lvl2pPr>
+            <a:lvl3pPr marL="1143000" indent="-228600" defTabSz="914400">
+              <a:lnSpc>
+                <a:spcPct val="90000"/>
+              </a:lnSpc>
+              <a:spcBef>
+                <a:spcPts val="500"/>
+              </a:spcBef>
+              <a:buFont typeface="Arial" panose="020B0604020202020204" pitchFamily="34" charset="0"/>
+              <a:buChar char="•"/>
+              <a:defRPr sz="2000"/>
+            </a:lvl3pPr>
+            <a:lvl4pPr marL="1600200" indent="-228600" defTabSz="914400">
+              <a:lnSpc>
+                <a:spcPct val="90000"/>
+              </a:lnSpc>
+              <a:spcBef>
+                <a:spcPts val="500"/>
+              </a:spcBef>
+              <a:buFont typeface="Arial" panose="020B0604020202020204" pitchFamily="34" charset="0"/>
+              <a:buChar char="•"/>
+            </a:lvl4pPr>
+            <a:lvl5pPr marL="2057400" indent="-228600" defTabSz="914400">
+              <a:lnSpc>
+                <a:spcPct val="90000"/>
+              </a:lnSpc>
+              <a:spcBef>
+                <a:spcPts val="500"/>
+              </a:spcBef>
+              <a:buFont typeface="Arial" panose="020B0604020202020204" pitchFamily="34" charset="0"/>
+              <a:buChar char="•"/>
+            </a:lvl5pPr>
+            <a:lvl6pPr marL="2514600" indent="-228600" defTabSz="914400">
+              <a:lnSpc>
+                <a:spcPct val="90000"/>
+              </a:lnSpc>
+              <a:spcBef>
+                <a:spcPts val="500"/>
+              </a:spcBef>
+              <a:buFont typeface="Arial" panose="020B0604020202020204" pitchFamily="34" charset="0"/>
+              <a:buChar char="•"/>
+            </a:lvl6pPr>
+            <a:lvl7pPr marL="2971800" indent="-228600" defTabSz="914400">
+              <a:lnSpc>
+                <a:spcPct val="90000"/>
+              </a:lnSpc>
+              <a:spcBef>
+                <a:spcPts val="500"/>
+              </a:spcBef>
+              <a:buFont typeface="Arial" panose="020B0604020202020204" pitchFamily="34" charset="0"/>
+              <a:buChar char="•"/>
+            </a:lvl7pPr>
+            <a:lvl8pPr marL="3429000" indent="-228600" defTabSz="914400">
+              <a:lnSpc>
+                <a:spcPct val="90000"/>
+              </a:lnSpc>
+              <a:spcBef>
+                <a:spcPts val="500"/>
+              </a:spcBef>
+              <a:buFont typeface="Arial" panose="020B0604020202020204" pitchFamily="34" charset="0"/>
+              <a:buChar char="•"/>
+            </a:lvl8pPr>
+            <a:lvl9pPr marL="3886200" indent="-228600" defTabSz="914400">
+              <a:lnSpc>
+                <a:spcPct val="90000"/>
+              </a:lnSpc>
+              <a:spcBef>
+                <a:spcPts val="500"/>
+              </a:spcBef>
+              <a:buFont typeface="Arial" panose="020B0604020202020204" pitchFamily="34" charset="0"/>
+              <a:buChar char="•"/>
+            </a:lvl9pPr>
+          </a:lstStyle>
+          <a:p>
+            <a:r>
+              <a:rPr lang="es-CO" sz="5399" dirty="0"/>
+              <a:t>No se puede enviar información de un pedido al modulo B si no se ha confirmado en el modulo anterior</a:t>
+            </a:r>
+            <a:endParaRPr lang="en-US" sz="5399" dirty="0"/>
+          </a:p>
+        </p:txBody>
+      </p:sp>
+      <p:sp>
+        <p:nvSpPr>
+          <p:cNvPr id="166" name="CuadroTexto 165">
+            <a:extLst>
+              <a:ext uri="{FF2B5EF4-FFF2-40B4-BE49-F238E27FC236}">
+                <a16:creationId xmlns:a16="http://schemas.microsoft.com/office/drawing/2014/main" id="{1F8BFE27-88C5-C379-764C-E9A488BB995C}"/>
+              </a:ext>
+            </a:extLst>
+          </p:cNvPr>
+          <p:cNvSpPr txBox="1"/>
+          <p:nvPr/>
+        </p:nvSpPr>
+        <p:spPr>
+          <a:xfrm>
+            <a:off x="19213606" y="13699717"/>
+            <a:ext cx="7708110" cy="3117511"/>
+          </a:xfrm>
+          <a:prstGeom prst="rect">
+            <a:avLst/>
+          </a:prstGeom>
+        </p:spPr>
+        <p:txBody>
+          <a:bodyPr vert="horz" lIns="391694" tIns="195847" rIns="391694" bIns="195847" rtlCol="0">
+            <a:normAutofit/>
+          </a:bodyPr>
+          <a:lstStyle>
+            <a:defPPr>
+              <a:defRPr lang="en-US"/>
+            </a:defPPr>
+            <a:lvl1pPr marL="228600" indent="-228600" defTabSz="914400">
+              <a:lnSpc>
+                <a:spcPct val="90000"/>
+              </a:lnSpc>
+              <a:spcBef>
+                <a:spcPts val="1000"/>
+              </a:spcBef>
+              <a:buFont typeface="Arial" panose="020B0604020202020204" pitchFamily="34" charset="0"/>
+              <a:buChar char="•"/>
+              <a:defRPr sz="5400"/>
+            </a:lvl1pPr>
+            <a:lvl2pPr marL="685800" indent="-228600" defTabSz="914400">
+              <a:lnSpc>
+                <a:spcPct val="90000"/>
+              </a:lnSpc>
+              <a:spcBef>
+                <a:spcPts val="500"/>
+              </a:spcBef>
+              <a:buFont typeface="Arial" panose="020B0604020202020204" pitchFamily="34" charset="0"/>
+              <a:buChar char="•"/>
+              <a:defRPr sz="2400"/>
+            </a:lvl2pPr>
+            <a:lvl3pPr marL="1143000" indent="-228600" defTabSz="914400">
+              <a:lnSpc>
+                <a:spcPct val="90000"/>
+              </a:lnSpc>
+              <a:spcBef>
+                <a:spcPts val="500"/>
+              </a:spcBef>
+              <a:buFont typeface="Arial" panose="020B0604020202020204" pitchFamily="34" charset="0"/>
+              <a:buChar char="•"/>
+              <a:defRPr sz="2000"/>
+            </a:lvl3pPr>
+            <a:lvl4pPr marL="1600200" indent="-228600" defTabSz="914400">
+              <a:lnSpc>
+                <a:spcPct val="90000"/>
+              </a:lnSpc>
+              <a:spcBef>
+                <a:spcPts val="500"/>
+              </a:spcBef>
+              <a:buFont typeface="Arial" panose="020B0604020202020204" pitchFamily="34" charset="0"/>
+              <a:buChar char="•"/>
+            </a:lvl4pPr>
+            <a:lvl5pPr marL="2057400" indent="-228600" defTabSz="914400">
+              <a:lnSpc>
+                <a:spcPct val="90000"/>
+              </a:lnSpc>
+              <a:spcBef>
+                <a:spcPts val="500"/>
+              </a:spcBef>
+              <a:buFont typeface="Arial" panose="020B0604020202020204" pitchFamily="34" charset="0"/>
+              <a:buChar char="•"/>
+            </a:lvl5pPr>
+            <a:lvl6pPr marL="2514600" indent="-228600" defTabSz="914400">
+              <a:lnSpc>
+                <a:spcPct val="90000"/>
+              </a:lnSpc>
+              <a:spcBef>
+                <a:spcPts val="500"/>
+              </a:spcBef>
+              <a:buFont typeface="Arial" panose="020B0604020202020204" pitchFamily="34" charset="0"/>
+              <a:buChar char="•"/>
+            </a:lvl6pPr>
+            <a:lvl7pPr marL="2971800" indent="-228600" defTabSz="914400">
+              <a:lnSpc>
+                <a:spcPct val="90000"/>
+              </a:lnSpc>
+              <a:spcBef>
+                <a:spcPts val="500"/>
+              </a:spcBef>
+              <a:buFont typeface="Arial" panose="020B0604020202020204" pitchFamily="34" charset="0"/>
+              <a:buChar char="•"/>
+            </a:lvl7pPr>
+            <a:lvl8pPr marL="3429000" indent="-228600" defTabSz="914400">
+              <a:lnSpc>
+                <a:spcPct val="90000"/>
+              </a:lnSpc>
+              <a:spcBef>
+                <a:spcPts val="500"/>
+              </a:spcBef>
+              <a:buFont typeface="Arial" panose="020B0604020202020204" pitchFamily="34" charset="0"/>
+              <a:buChar char="•"/>
+            </a:lvl8pPr>
+            <a:lvl9pPr marL="3886200" indent="-228600" defTabSz="914400">
+              <a:lnSpc>
+                <a:spcPct val="90000"/>
+              </a:lnSpc>
+              <a:spcBef>
+                <a:spcPts val="500"/>
+              </a:spcBef>
+              <a:buFont typeface="Arial" panose="020B0604020202020204" pitchFamily="34" charset="0"/>
+              <a:buChar char="•"/>
+            </a:lvl9pPr>
+          </a:lstStyle>
+          <a:p>
+            <a:r>
+              <a:rPr lang="es-CO" sz="5399" dirty="0"/>
+              <a:t>Cada pedido queda con una canasta asociada</a:t>
+            </a:r>
+            <a:endParaRPr lang="en-US" sz="5399" dirty="0"/>
+          </a:p>
+        </p:txBody>
+      </p:sp>
+      <p:sp>
+        <p:nvSpPr>
+          <p:cNvPr id="167" name="Marcador de contenido 2">
+            <a:extLst>
+              <a:ext uri="{FF2B5EF4-FFF2-40B4-BE49-F238E27FC236}">
+                <a16:creationId xmlns:a16="http://schemas.microsoft.com/office/drawing/2014/main" id="{83C8D5A6-D319-33A1-9F84-14F672D5611B}"/>
+              </a:ext>
+            </a:extLst>
+          </p:cNvPr>
+          <p:cNvSpPr txBox="1">
+            <a:spLocks/>
+          </p:cNvSpPr>
+          <p:nvPr/>
+        </p:nvSpPr>
+        <p:spPr>
+          <a:xfrm>
+            <a:off x="19213606" y="821769"/>
+            <a:ext cx="4023661" cy="1228320"/>
+          </a:xfrm>
+          <a:prstGeom prst="rect">
+            <a:avLst/>
+          </a:prstGeom>
+        </p:spPr>
+        <p:txBody>
+          <a:bodyPr vert="horz" lIns="391694" tIns="195847" rIns="391694" bIns="195847" rtlCol="0">
+            <a:normAutofit lnSpcReduction="10000"/>
+          </a:bodyPr>
+          <a:lstStyle>
+            <a:lvl1pPr marL="228600" indent="-228600" algn="l" defTabSz="914400" rtl="0" eaLnBrk="1" latinLnBrk="0" hangingPunct="1">
+              <a:lnSpc>
+                <a:spcPct val="90000"/>
+              </a:lnSpc>
+              <a:spcBef>
+                <a:spcPts val="1000"/>
+              </a:spcBef>
+              <a:buFont typeface="Arial" panose="020B0604020202020204" pitchFamily="34" charset="0"/>
+              <a:buChar char="•"/>
+              <a:defRPr sz="2800" kern="1200">
+                <a:solidFill>
+                  <a:schemeClr val="tx1"/>
+                </a:solidFill>
+                <a:latin typeface="+mn-lt"/>
+                <a:ea typeface="+mn-ea"/>
+                <a:cs typeface="+mn-cs"/>
+              </a:defRPr>
+            </a:lvl1pPr>
+            <a:lvl2pPr marL="685800" indent="-228600" algn="l" defTabSz="914400" rtl="0" eaLnBrk="1" latinLnBrk="0" hangingPunct="1">
+              <a:lnSpc>
+                <a:spcPct val="90000"/>
+              </a:lnSpc>
+              <a:spcBef>
+                <a:spcPts val="500"/>
+              </a:spcBef>
+              <a:buFont typeface="Arial" panose="020B0604020202020204" pitchFamily="34" charset="0"/>
+              <a:buChar char="•"/>
+              <a:defRPr sz="2400" kern="1200">
+                <a:solidFill>
+                  <a:schemeClr val="tx1"/>
+                </a:solidFill>
+                <a:latin typeface="+mn-lt"/>
+                <a:ea typeface="+mn-ea"/>
+                <a:cs typeface="+mn-cs"/>
+              </a:defRPr>
+            </a:lvl2pPr>
+            <a:lvl3pPr marL="1143000" indent="-228600" algn="l" defTabSz="914400" rtl="0" eaLnBrk="1" latinLnBrk="0" hangingPunct="1">
+              <a:lnSpc>
+                <a:spcPct val="90000"/>
+              </a:lnSpc>
+              <a:spcBef>
+                <a:spcPts val="500"/>
+              </a:spcBef>
+              <a:buFont typeface="Arial" panose="020B0604020202020204" pitchFamily="34" charset="0"/>
+              <a:buChar char="•"/>
+              <a:defRPr sz="2000" kern="1200">
+                <a:solidFill>
+                  <a:schemeClr val="tx1"/>
+                </a:solidFill>
+                <a:latin typeface="+mn-lt"/>
+                <a:ea typeface="+mn-ea"/>
+                <a:cs typeface="+mn-cs"/>
+              </a:defRPr>
+            </a:lvl3pPr>
+            <a:lvl4pPr marL="1600200" indent="-228600" algn="l" defTabSz="914400" rtl="0" eaLnBrk="1" latinLnBrk="0" hangingPunct="1">
+              <a:lnSpc>
+                <a:spcPct val="90000"/>
+              </a:lnSpc>
+              <a:spcBef>
+                <a:spcPts val="500"/>
+              </a:spcBef>
+              <a:buFont typeface="Arial" panose="020B0604020202020204" pitchFamily="34" charset="0"/>
+              <a:buChar char="•"/>
+              <a:defRPr sz="1800" kern="1200">
+                <a:solidFill>
+                  <a:schemeClr val="tx1"/>
+                </a:solidFill>
+                <a:latin typeface="+mn-lt"/>
+                <a:ea typeface="+mn-ea"/>
+                <a:cs typeface="+mn-cs"/>
+              </a:defRPr>
+            </a:lvl4pPr>
+            <a:lvl5pPr marL="2057400" indent="-228600" algn="l" defTabSz="914400" rtl="0" eaLnBrk="1" latinLnBrk="0" hangingPunct="1">
+              <a:lnSpc>
+                <a:spcPct val="90000"/>
+              </a:lnSpc>
+              <a:spcBef>
+                <a:spcPts val="500"/>
+              </a:spcBef>
+              <a:buFont typeface="Arial" panose="020B0604020202020204" pitchFamily="34" charset="0"/>
+              <a:buChar char="•"/>
+              <a:defRPr sz="1800" kern="1200">
+                <a:solidFill>
+                  <a:schemeClr val="tx1"/>
+                </a:solidFill>
+                <a:latin typeface="+mn-lt"/>
+                <a:ea typeface="+mn-ea"/>
+                <a:cs typeface="+mn-cs"/>
+              </a:defRPr>
+            </a:lvl5pPr>
+            <a:lvl6pPr marL="2514600" indent="-228600" algn="l" defTabSz="914400" rtl="0" eaLnBrk="1" latinLnBrk="0" hangingPunct="1">
+              <a:lnSpc>
+                <a:spcPct val="90000"/>
+              </a:lnSpc>
+              <a:spcBef>
+                <a:spcPts val="500"/>
+              </a:spcBef>
+              <a:buFont typeface="Arial" panose="020B0604020202020204" pitchFamily="34" charset="0"/>
+              <a:buChar char="•"/>
+              <a:defRPr sz="1800" kern="1200">
+                <a:solidFill>
+                  <a:schemeClr val="tx1"/>
+                </a:solidFill>
+                <a:latin typeface="+mn-lt"/>
+                <a:ea typeface="+mn-ea"/>
+                <a:cs typeface="+mn-cs"/>
+              </a:defRPr>
+            </a:lvl6pPr>
+            <a:lvl7pPr marL="2971800" indent="-228600" algn="l" defTabSz="914400" rtl="0" eaLnBrk="1" latinLnBrk="0" hangingPunct="1">
+              <a:lnSpc>
+                <a:spcPct val="90000"/>
+              </a:lnSpc>
+              <a:spcBef>
+                <a:spcPts val="500"/>
+              </a:spcBef>
+              <a:buFont typeface="Arial" panose="020B0604020202020204" pitchFamily="34" charset="0"/>
+              <a:buChar char="•"/>
+              <a:defRPr sz="1800" kern="1200">
+                <a:solidFill>
+                  <a:schemeClr val="tx1"/>
+                </a:solidFill>
+                <a:latin typeface="+mn-lt"/>
+                <a:ea typeface="+mn-ea"/>
+                <a:cs typeface="+mn-cs"/>
+              </a:defRPr>
+            </a:lvl7pPr>
+            <a:lvl8pPr marL="3429000" indent="-228600" algn="l" defTabSz="914400" rtl="0" eaLnBrk="1" latinLnBrk="0" hangingPunct="1">
+              <a:lnSpc>
+                <a:spcPct val="90000"/>
+              </a:lnSpc>
+              <a:spcBef>
+                <a:spcPts val="500"/>
+              </a:spcBef>
+              <a:buFont typeface="Arial" panose="020B0604020202020204" pitchFamily="34" charset="0"/>
+              <a:buChar char="•"/>
+              <a:defRPr sz="1800" kern="1200">
+                <a:solidFill>
+                  <a:schemeClr val="tx1"/>
+                </a:solidFill>
+                <a:latin typeface="+mn-lt"/>
+                <a:ea typeface="+mn-ea"/>
+                <a:cs typeface="+mn-cs"/>
+              </a:defRPr>
+            </a:lvl8pPr>
+            <a:lvl9pPr marL="3886200" indent="-228600" algn="l" defTabSz="914400" rtl="0" eaLnBrk="1" latinLnBrk="0" hangingPunct="1">
+              <a:lnSpc>
+                <a:spcPct val="90000"/>
+              </a:lnSpc>
+              <a:spcBef>
+                <a:spcPts val="500"/>
+              </a:spcBef>
+              <a:buFont typeface="Arial" panose="020B0604020202020204" pitchFamily="34" charset="0"/>
+              <a:buChar char="•"/>
+              <a:defRPr sz="1800" kern="1200">
+                <a:solidFill>
+                  <a:schemeClr val="tx1"/>
+                </a:solidFill>
+                <a:latin typeface="+mn-lt"/>
+                <a:ea typeface="+mn-ea"/>
+                <a:cs typeface="+mn-cs"/>
+              </a:defRPr>
+            </a:lvl9pPr>
+          </a:lstStyle>
+          <a:p>
+            <a:pPr marL="0" indent="0">
+              <a:buNone/>
+            </a:pPr>
+            <a:r>
+              <a:rPr lang="es-CO" sz="6599" b="1" dirty="0"/>
+              <a:t>NOTAS</a:t>
+            </a:r>
+          </a:p>
+          <a:p>
+            <a:endParaRPr lang="en-US" sz="6599" b="1" dirty="0"/>
+          </a:p>
+        </p:txBody>
+      </p:sp>
+      <p:cxnSp>
+        <p:nvCxnSpPr>
+          <p:cNvPr id="170" name="Conector recto de flecha 169">
+            <a:extLst>
+              <a:ext uri="{FF2B5EF4-FFF2-40B4-BE49-F238E27FC236}">
+                <a16:creationId xmlns:a16="http://schemas.microsoft.com/office/drawing/2014/main" id="{61B6CA68-1A65-B91F-4F6F-161A0316599D}"/>
+              </a:ext>
+            </a:extLst>
+          </p:cNvPr>
+          <p:cNvCxnSpPr>
+            <a:cxnSpLocks/>
+          </p:cNvCxnSpPr>
+          <p:nvPr/>
+        </p:nvCxnSpPr>
+        <p:spPr>
+          <a:xfrm>
+            <a:off x="5249453" y="15917181"/>
+            <a:ext cx="30442" cy="643619"/>
+          </a:xfrm>
+          <a:prstGeom prst="straightConnector1">
+            <a:avLst/>
+          </a:prstGeom>
+          <a:ln>
+            <a:headEnd type="none" w="med" len="med"/>
+            <a:tailEnd type="arrow" w="med" len="med"/>
+          </a:ln>
+        </p:spPr>
+        <p:style>
+          <a:lnRef idx="3">
+            <a:schemeClr val="dk1"/>
+          </a:lnRef>
+          <a:fillRef idx="0">
+            <a:schemeClr val="dk1"/>
+          </a:fillRef>
+          <a:effectRef idx="2">
+            <a:schemeClr val="dk1"/>
+          </a:effectRef>
+          <a:fontRef idx="minor">
+            <a:schemeClr val="tx1"/>
+          </a:fontRef>
+        </p:style>
+      </p:cxnSp>
+      <p:sp>
+        <p:nvSpPr>
+          <p:cNvPr id="174" name="CuadroTexto 173">
+            <a:extLst>
+              <a:ext uri="{FF2B5EF4-FFF2-40B4-BE49-F238E27FC236}">
+                <a16:creationId xmlns:a16="http://schemas.microsoft.com/office/drawing/2014/main" id="{5E1D33BF-F915-A8D9-D51D-DAEF5AA53800}"/>
+              </a:ext>
+            </a:extLst>
+          </p:cNvPr>
+          <p:cNvSpPr txBox="1"/>
+          <p:nvPr/>
+        </p:nvSpPr>
+        <p:spPr>
+          <a:xfrm>
+            <a:off x="19069067" y="20122901"/>
+            <a:ext cx="7787946" cy="4601954"/>
+          </a:xfrm>
+          <a:prstGeom prst="rect">
+            <a:avLst/>
+          </a:prstGeom>
+        </p:spPr>
+        <p:txBody>
+          <a:bodyPr vert="horz" lIns="391694" tIns="195847" rIns="391694" bIns="195847" rtlCol="0">
+            <a:normAutofit/>
+          </a:bodyPr>
+          <a:lstStyle>
+            <a:defPPr>
+              <a:defRPr lang="en-US"/>
+            </a:defPPr>
+            <a:lvl1pPr marL="228600" indent="-228600" defTabSz="914400">
+              <a:lnSpc>
+                <a:spcPct val="90000"/>
+              </a:lnSpc>
+              <a:spcBef>
+                <a:spcPts val="1000"/>
+              </a:spcBef>
+              <a:buFont typeface="Arial" panose="020B0604020202020204" pitchFamily="34" charset="0"/>
+              <a:buChar char="•"/>
+              <a:defRPr sz="5399"/>
+            </a:lvl1pPr>
+            <a:lvl2pPr marL="685800" indent="-228600" defTabSz="914400">
+              <a:lnSpc>
+                <a:spcPct val="90000"/>
+              </a:lnSpc>
+              <a:spcBef>
+                <a:spcPts val="500"/>
+              </a:spcBef>
+              <a:buFont typeface="Arial" panose="020B0604020202020204" pitchFamily="34" charset="0"/>
+              <a:buChar char="•"/>
+              <a:defRPr sz="2400"/>
+            </a:lvl2pPr>
+            <a:lvl3pPr marL="1143000" indent="-228600" defTabSz="914400">
+              <a:lnSpc>
+                <a:spcPct val="90000"/>
+              </a:lnSpc>
+              <a:spcBef>
+                <a:spcPts val="500"/>
+              </a:spcBef>
+              <a:buFont typeface="Arial" panose="020B0604020202020204" pitchFamily="34" charset="0"/>
+              <a:buChar char="•"/>
+              <a:defRPr sz="2000"/>
+            </a:lvl3pPr>
+            <a:lvl4pPr marL="1600200" indent="-228600" defTabSz="914400">
+              <a:lnSpc>
+                <a:spcPct val="90000"/>
+              </a:lnSpc>
+              <a:spcBef>
+                <a:spcPts val="500"/>
+              </a:spcBef>
+              <a:buFont typeface="Arial" panose="020B0604020202020204" pitchFamily="34" charset="0"/>
+              <a:buChar char="•"/>
+            </a:lvl4pPr>
+            <a:lvl5pPr marL="2057400" indent="-228600" defTabSz="914400">
+              <a:lnSpc>
+                <a:spcPct val="90000"/>
+              </a:lnSpc>
+              <a:spcBef>
+                <a:spcPts val="500"/>
+              </a:spcBef>
+              <a:buFont typeface="Arial" panose="020B0604020202020204" pitchFamily="34" charset="0"/>
+              <a:buChar char="•"/>
+            </a:lvl5pPr>
+            <a:lvl6pPr marL="2514600" indent="-228600" defTabSz="914400">
+              <a:lnSpc>
+                <a:spcPct val="90000"/>
+              </a:lnSpc>
+              <a:spcBef>
+                <a:spcPts val="500"/>
+              </a:spcBef>
+              <a:buFont typeface="Arial" panose="020B0604020202020204" pitchFamily="34" charset="0"/>
+              <a:buChar char="•"/>
+            </a:lvl6pPr>
+            <a:lvl7pPr marL="2971800" indent="-228600" defTabSz="914400">
+              <a:lnSpc>
+                <a:spcPct val="90000"/>
+              </a:lnSpc>
+              <a:spcBef>
+                <a:spcPts val="500"/>
+              </a:spcBef>
+              <a:buFont typeface="Arial" panose="020B0604020202020204" pitchFamily="34" charset="0"/>
+              <a:buChar char="•"/>
+            </a:lvl7pPr>
+            <a:lvl8pPr marL="3429000" indent="-228600" defTabSz="914400">
+              <a:lnSpc>
+                <a:spcPct val="90000"/>
+              </a:lnSpc>
+              <a:spcBef>
+                <a:spcPts val="500"/>
+              </a:spcBef>
+              <a:buFont typeface="Arial" panose="020B0604020202020204" pitchFamily="34" charset="0"/>
+              <a:buChar char="•"/>
+            </a:lvl8pPr>
+            <a:lvl9pPr marL="3886200" indent="-228600" defTabSz="914400">
+              <a:lnSpc>
+                <a:spcPct val="90000"/>
+              </a:lnSpc>
+              <a:spcBef>
+                <a:spcPts val="500"/>
+              </a:spcBef>
+              <a:buFont typeface="Arial" panose="020B0604020202020204" pitchFamily="34" charset="0"/>
+              <a:buChar char="•"/>
+            </a:lvl9pPr>
+          </a:lstStyle>
+          <a:p>
+            <a:r>
+              <a:rPr lang="es-CO" dirty="0"/>
+              <a:t>No se puede alumbrar el modulo con otro pedido si no se ha confirmado el primero</a:t>
+            </a:r>
+            <a:endParaRPr lang="en-US" dirty="0"/>
+          </a:p>
+        </p:txBody>
+      </p:sp>
+      <p:sp>
+        <p:nvSpPr>
+          <p:cNvPr id="86" name="Rectángulo 85">
+            <a:extLst>
+              <a:ext uri="{FF2B5EF4-FFF2-40B4-BE49-F238E27FC236}">
+                <a16:creationId xmlns:a16="http://schemas.microsoft.com/office/drawing/2014/main" id="{1CBDED93-898B-C48D-7F47-FFA22C47AFB1}"/>
+              </a:ext>
+            </a:extLst>
+          </p:cNvPr>
+          <p:cNvSpPr/>
+          <p:nvPr/>
+        </p:nvSpPr>
+        <p:spPr>
+          <a:xfrm rot="10800000" flipV="1">
+            <a:off x="-8893526" y="17366174"/>
+            <a:ext cx="9172422" cy="5144355"/>
+          </a:xfrm>
+          <a:prstGeom prst="rect">
+            <a:avLst/>
+          </a:prstGeom>
+          <a:solidFill>
+            <a:schemeClr val="accent2">
+              <a:alpha val="42000"/>
+            </a:schemeClr>
+          </a:solidFill>
+        </p:spPr>
+        <p:style>
+          <a:lnRef idx="2">
+            <a:schemeClr val="accent1">
+              <a:shade val="50000"/>
+            </a:schemeClr>
+          </a:lnRef>
+          <a:fillRef idx="1">
+            <a:schemeClr val="accent1"/>
+          </a:fillRef>
+          <a:effectRef idx="0">
+            <a:schemeClr val="accent1"/>
+          </a:effectRef>
+          <a:fontRef idx="minor">
+            <a:schemeClr val="lt1"/>
+          </a:fontRef>
+        </p:style>
+        <p:txBody>
+          <a:bodyPr rtlCol="0" anchor="ctr"/>
+          <a:lstStyle/>
+          <a:p>
+            <a:pPr algn="ctr"/>
+            <a:endParaRPr lang="en-US" sz="4519" dirty="0"/>
+          </a:p>
+        </p:txBody>
+      </p:sp>
+      <p:sp>
+        <p:nvSpPr>
+          <p:cNvPr id="87" name="Marcador de contenido 2">
+            <a:extLst>
+              <a:ext uri="{FF2B5EF4-FFF2-40B4-BE49-F238E27FC236}">
+                <a16:creationId xmlns:a16="http://schemas.microsoft.com/office/drawing/2014/main" id="{6AECC6FD-FA4B-E0DD-2F71-77E2D028EEE3}"/>
+              </a:ext>
+            </a:extLst>
+          </p:cNvPr>
+          <p:cNvSpPr txBox="1">
+            <a:spLocks/>
+          </p:cNvSpPr>
+          <p:nvPr/>
+        </p:nvSpPr>
+        <p:spPr>
+          <a:xfrm>
+            <a:off x="-8783751" y="17504781"/>
+            <a:ext cx="9062647" cy="5327001"/>
+          </a:xfrm>
+          <a:prstGeom prst="rect">
+            <a:avLst/>
+          </a:prstGeom>
+        </p:spPr>
+        <p:txBody>
+          <a:bodyPr vert="horz" lIns="186541" tIns="93271" rIns="186541" bIns="93271" rtlCol="0">
+            <a:normAutofit/>
+          </a:bodyPr>
+          <a:lstStyle>
+            <a:lvl1pPr marL="224988" indent="-224988" algn="l" defTabSz="899952" rtl="0" eaLnBrk="1" latinLnBrk="0" hangingPunct="1">
+              <a:lnSpc>
+                <a:spcPct val="90000"/>
+              </a:lnSpc>
+              <a:spcBef>
+                <a:spcPts val="984"/>
+              </a:spcBef>
+              <a:buFont typeface="Arial" panose="020B0604020202020204" pitchFamily="34" charset="0"/>
+              <a:buChar char="•"/>
+              <a:defRPr sz="2756" kern="1200">
+                <a:solidFill>
+                  <a:schemeClr val="tx1"/>
+                </a:solidFill>
+                <a:latin typeface="+mn-lt"/>
+                <a:ea typeface="+mn-ea"/>
+                <a:cs typeface="+mn-cs"/>
+              </a:defRPr>
+            </a:lvl1pPr>
+            <a:lvl2pPr marL="674964" indent="-224988" algn="l" defTabSz="899952" rtl="0" eaLnBrk="1" latinLnBrk="0" hangingPunct="1">
+              <a:lnSpc>
+                <a:spcPct val="90000"/>
+              </a:lnSpc>
+              <a:spcBef>
+                <a:spcPts val="492"/>
+              </a:spcBef>
+              <a:buFont typeface="Arial" panose="020B0604020202020204" pitchFamily="34" charset="0"/>
+              <a:buChar char="•"/>
+              <a:defRPr sz="2362" kern="1200">
+                <a:solidFill>
+                  <a:schemeClr val="tx1"/>
+                </a:solidFill>
+                <a:latin typeface="+mn-lt"/>
+                <a:ea typeface="+mn-ea"/>
+                <a:cs typeface="+mn-cs"/>
+              </a:defRPr>
+            </a:lvl2pPr>
+            <a:lvl3pPr marL="1124941" indent="-224988" algn="l" defTabSz="899952" rtl="0" eaLnBrk="1" latinLnBrk="0" hangingPunct="1">
+              <a:lnSpc>
+                <a:spcPct val="90000"/>
+              </a:lnSpc>
+              <a:spcBef>
+                <a:spcPts val="492"/>
+              </a:spcBef>
+              <a:buFont typeface="Arial" panose="020B0604020202020204" pitchFamily="34" charset="0"/>
+              <a:buChar char="•"/>
+              <a:defRPr sz="1968" kern="1200">
+                <a:solidFill>
+                  <a:schemeClr val="tx1"/>
+                </a:solidFill>
+                <a:latin typeface="+mn-lt"/>
+                <a:ea typeface="+mn-ea"/>
+                <a:cs typeface="+mn-cs"/>
+              </a:defRPr>
+            </a:lvl3pPr>
+            <a:lvl4pPr marL="1574917" indent="-224988" algn="l" defTabSz="899952" rtl="0" eaLnBrk="1" latinLnBrk="0" hangingPunct="1">
+              <a:lnSpc>
+                <a:spcPct val="90000"/>
+              </a:lnSpc>
+              <a:spcBef>
+                <a:spcPts val="492"/>
+              </a:spcBef>
+              <a:buFont typeface="Arial" panose="020B0604020202020204" pitchFamily="34" charset="0"/>
+              <a:buChar char="•"/>
+              <a:defRPr sz="1772" kern="1200">
+                <a:solidFill>
+                  <a:schemeClr val="tx1"/>
+                </a:solidFill>
+                <a:latin typeface="+mn-lt"/>
+                <a:ea typeface="+mn-ea"/>
+                <a:cs typeface="+mn-cs"/>
+              </a:defRPr>
+            </a:lvl4pPr>
+            <a:lvl5pPr marL="2024893" indent="-224988" algn="l" defTabSz="899952" rtl="0" eaLnBrk="1" latinLnBrk="0" hangingPunct="1">
+              <a:lnSpc>
+                <a:spcPct val="90000"/>
+              </a:lnSpc>
+              <a:spcBef>
+                <a:spcPts val="492"/>
+              </a:spcBef>
+              <a:buFont typeface="Arial" panose="020B0604020202020204" pitchFamily="34" charset="0"/>
+              <a:buChar char="•"/>
+              <a:defRPr sz="1772" kern="1200">
+                <a:solidFill>
+                  <a:schemeClr val="tx1"/>
+                </a:solidFill>
+                <a:latin typeface="+mn-lt"/>
+                <a:ea typeface="+mn-ea"/>
+                <a:cs typeface="+mn-cs"/>
+              </a:defRPr>
+            </a:lvl5pPr>
+            <a:lvl6pPr marL="2474869" indent="-224988" algn="l" defTabSz="899952" rtl="0" eaLnBrk="1" latinLnBrk="0" hangingPunct="1">
+              <a:lnSpc>
+                <a:spcPct val="90000"/>
+              </a:lnSpc>
+              <a:spcBef>
+                <a:spcPts val="492"/>
+              </a:spcBef>
+              <a:buFont typeface="Arial" panose="020B0604020202020204" pitchFamily="34" charset="0"/>
+              <a:buChar char="•"/>
+              <a:defRPr sz="1772" kern="1200">
+                <a:solidFill>
+                  <a:schemeClr val="tx1"/>
+                </a:solidFill>
+                <a:latin typeface="+mn-lt"/>
+                <a:ea typeface="+mn-ea"/>
+                <a:cs typeface="+mn-cs"/>
+              </a:defRPr>
+            </a:lvl6pPr>
+            <a:lvl7pPr marL="2924846" indent="-224988" algn="l" defTabSz="899952" rtl="0" eaLnBrk="1" latinLnBrk="0" hangingPunct="1">
+              <a:lnSpc>
+                <a:spcPct val="90000"/>
+              </a:lnSpc>
+              <a:spcBef>
+                <a:spcPts val="492"/>
+              </a:spcBef>
+              <a:buFont typeface="Arial" panose="020B0604020202020204" pitchFamily="34" charset="0"/>
+              <a:buChar char="•"/>
+              <a:defRPr sz="1772" kern="1200">
+                <a:solidFill>
+                  <a:schemeClr val="tx1"/>
+                </a:solidFill>
+                <a:latin typeface="+mn-lt"/>
+                <a:ea typeface="+mn-ea"/>
+                <a:cs typeface="+mn-cs"/>
+              </a:defRPr>
+            </a:lvl7pPr>
+            <a:lvl8pPr marL="3374822" indent="-224988" algn="l" defTabSz="899952" rtl="0" eaLnBrk="1" latinLnBrk="0" hangingPunct="1">
+              <a:lnSpc>
+                <a:spcPct val="90000"/>
+              </a:lnSpc>
+              <a:spcBef>
+                <a:spcPts val="492"/>
+              </a:spcBef>
+              <a:buFont typeface="Arial" panose="020B0604020202020204" pitchFamily="34" charset="0"/>
+              <a:buChar char="•"/>
+              <a:defRPr sz="1772" kern="1200">
+                <a:solidFill>
+                  <a:schemeClr val="tx1"/>
+                </a:solidFill>
+                <a:latin typeface="+mn-lt"/>
+                <a:ea typeface="+mn-ea"/>
+                <a:cs typeface="+mn-cs"/>
+              </a:defRPr>
+            </a:lvl8pPr>
+            <a:lvl9pPr marL="3824798" indent="-224988" algn="l" defTabSz="899952" rtl="0" eaLnBrk="1" latinLnBrk="0" hangingPunct="1">
+              <a:lnSpc>
+                <a:spcPct val="90000"/>
+              </a:lnSpc>
+              <a:spcBef>
+                <a:spcPts val="492"/>
+              </a:spcBef>
+              <a:buFont typeface="Arial" panose="020B0604020202020204" pitchFamily="34" charset="0"/>
+              <a:buChar char="•"/>
+              <a:defRPr sz="1772" kern="1200">
+                <a:solidFill>
+                  <a:schemeClr val="tx1"/>
+                </a:solidFill>
+                <a:latin typeface="+mn-lt"/>
+                <a:ea typeface="+mn-ea"/>
+                <a:cs typeface="+mn-cs"/>
+              </a:defRPr>
+            </a:lvl9pPr>
+          </a:lstStyle>
+          <a:p>
+            <a:pPr marL="0" indent="0" algn="ctr">
+              <a:buNone/>
+            </a:pPr>
+            <a:endParaRPr lang="es-CO" sz="5712" dirty="0"/>
+          </a:p>
+          <a:p>
+            <a:pPr marL="0" indent="0" algn="ctr">
+              <a:buNone/>
+            </a:pPr>
+            <a:r>
+              <a:rPr lang="es-CO" sz="5712" dirty="0"/>
+              <a:t>Subir segundo  conjunto de pedidos</a:t>
+            </a:r>
+          </a:p>
+          <a:p>
+            <a:pPr marL="0" indent="0" algn="ctr">
+              <a:buNone/>
+            </a:pPr>
+            <a:endParaRPr lang="es-CO" sz="5712" dirty="0"/>
+          </a:p>
+          <a:p>
+            <a:pPr marL="0" indent="0" algn="ctr">
+              <a:buNone/>
+            </a:pPr>
+            <a:r>
+              <a:rPr lang="es-CO" sz="5712" dirty="0"/>
+              <a:t>Aceptar e iniciar </a:t>
+            </a:r>
+            <a:r>
+              <a:rPr lang="es-CO" sz="5712" dirty="0" err="1"/>
+              <a:t>Picking</a:t>
+            </a:r>
+            <a:endParaRPr lang="en-US" sz="5712" dirty="0"/>
+          </a:p>
+        </p:txBody>
+      </p:sp>
+      <p:cxnSp>
+        <p:nvCxnSpPr>
+          <p:cNvPr id="89" name="Conector recto de flecha 88">
+            <a:extLst>
+              <a:ext uri="{FF2B5EF4-FFF2-40B4-BE49-F238E27FC236}">
+                <a16:creationId xmlns:a16="http://schemas.microsoft.com/office/drawing/2014/main" id="{0BB53575-9CEF-45D3-CBA3-185DC271DE7D}"/>
+              </a:ext>
+            </a:extLst>
+          </p:cNvPr>
+          <p:cNvCxnSpPr>
+            <a:cxnSpLocks/>
+          </p:cNvCxnSpPr>
+          <p:nvPr/>
+        </p:nvCxnSpPr>
+        <p:spPr>
+          <a:xfrm>
+            <a:off x="-4319034" y="20112372"/>
+            <a:ext cx="0" cy="889318"/>
+          </a:xfrm>
+          <a:prstGeom prst="straightConnector1">
+            <a:avLst/>
+          </a:prstGeom>
+          <a:ln w="9525" cap="flat" cmpd="sng" algn="ctr">
+            <a:solidFill>
+              <a:schemeClr val="dk1"/>
+            </a:solidFill>
+            <a:prstDash val="solid"/>
+            <a:round/>
+            <a:headEnd type="none" w="med" len="med"/>
+            <a:tailEnd type="arrow" w="med" len="med"/>
+          </a:ln>
+        </p:spPr>
+        <p:style>
+          <a:lnRef idx="0">
+            <a:scrgbClr r="0" g="0" b="0"/>
+          </a:lnRef>
+          <a:fillRef idx="0">
+            <a:scrgbClr r="0" g="0" b="0"/>
+          </a:fillRef>
+          <a:effectRef idx="0">
+            <a:scrgbClr r="0" g="0" b="0"/>
+          </a:effectRef>
+          <a:fontRef idx="minor">
+            <a:schemeClr val="tx1"/>
+          </a:fontRef>
+        </p:style>
+      </p:cxnSp>
+      <p:sp>
+        <p:nvSpPr>
+          <p:cNvPr id="90" name="Rectángulo 89">
+            <a:extLst>
+              <a:ext uri="{FF2B5EF4-FFF2-40B4-BE49-F238E27FC236}">
+                <a16:creationId xmlns:a16="http://schemas.microsoft.com/office/drawing/2014/main" id="{1255ECDC-5466-A4F0-19F2-DC504E263CA4}"/>
+              </a:ext>
+            </a:extLst>
+          </p:cNvPr>
+          <p:cNvSpPr/>
+          <p:nvPr/>
+        </p:nvSpPr>
+        <p:spPr>
+          <a:xfrm rot="10800000" flipV="1">
+            <a:off x="-9039197" y="23151238"/>
+            <a:ext cx="9172422" cy="6444204"/>
+          </a:xfrm>
+          <a:prstGeom prst="rect">
+            <a:avLst/>
+          </a:prstGeom>
+          <a:solidFill>
+            <a:schemeClr val="accent4">
+              <a:lumMod val="20000"/>
+              <a:lumOff val="80000"/>
+              <a:alpha val="42000"/>
+            </a:schemeClr>
+          </a:solidFill>
+        </p:spPr>
+        <p:style>
+          <a:lnRef idx="2">
+            <a:schemeClr val="accent1">
+              <a:shade val="50000"/>
+            </a:schemeClr>
+          </a:lnRef>
+          <a:fillRef idx="1">
+            <a:schemeClr val="accent1"/>
+          </a:fillRef>
+          <a:effectRef idx="0">
+            <a:schemeClr val="accent1"/>
+          </a:effectRef>
+          <a:fontRef idx="minor">
+            <a:schemeClr val="lt1"/>
+          </a:fontRef>
+        </p:style>
+        <p:txBody>
+          <a:bodyPr rtlCol="0" anchor="ctr"/>
+          <a:lstStyle/>
+          <a:p>
+            <a:pPr algn="ctr"/>
+            <a:endParaRPr lang="en-US" sz="4519" dirty="0"/>
+          </a:p>
+        </p:txBody>
+      </p:sp>
+      <p:sp>
+        <p:nvSpPr>
+          <p:cNvPr id="92" name="Marcador de contenido 2">
+            <a:extLst>
+              <a:ext uri="{FF2B5EF4-FFF2-40B4-BE49-F238E27FC236}">
+                <a16:creationId xmlns:a16="http://schemas.microsoft.com/office/drawing/2014/main" id="{32FB1200-210D-EA5A-E326-9D1C70493F15}"/>
+              </a:ext>
+            </a:extLst>
+          </p:cNvPr>
+          <p:cNvSpPr txBox="1">
+            <a:spLocks/>
+          </p:cNvSpPr>
+          <p:nvPr/>
+        </p:nvSpPr>
+        <p:spPr>
+          <a:xfrm>
+            <a:off x="-8867087" y="23382302"/>
+            <a:ext cx="9062647" cy="6213140"/>
+          </a:xfrm>
+          <a:prstGeom prst="rect">
+            <a:avLst/>
+          </a:prstGeom>
+        </p:spPr>
+        <p:txBody>
+          <a:bodyPr vert="horz" lIns="186541" tIns="93271" rIns="186541" bIns="93271" rtlCol="0">
+            <a:normAutofit/>
+          </a:bodyPr>
+          <a:lstStyle>
+            <a:lvl1pPr marL="224988" indent="-224988" algn="l" defTabSz="899952" rtl="0" eaLnBrk="1" latinLnBrk="0" hangingPunct="1">
+              <a:lnSpc>
+                <a:spcPct val="90000"/>
+              </a:lnSpc>
+              <a:spcBef>
+                <a:spcPts val="984"/>
+              </a:spcBef>
+              <a:buFont typeface="Arial" panose="020B0604020202020204" pitchFamily="34" charset="0"/>
+              <a:buChar char="•"/>
+              <a:defRPr sz="2756" kern="1200">
+                <a:solidFill>
+                  <a:schemeClr val="tx1"/>
+                </a:solidFill>
+                <a:latin typeface="+mn-lt"/>
+                <a:ea typeface="+mn-ea"/>
+                <a:cs typeface="+mn-cs"/>
+              </a:defRPr>
+            </a:lvl1pPr>
+            <a:lvl2pPr marL="674964" indent="-224988" algn="l" defTabSz="899952" rtl="0" eaLnBrk="1" latinLnBrk="0" hangingPunct="1">
+              <a:lnSpc>
+                <a:spcPct val="90000"/>
+              </a:lnSpc>
+              <a:spcBef>
+                <a:spcPts val="492"/>
+              </a:spcBef>
+              <a:buFont typeface="Arial" panose="020B0604020202020204" pitchFamily="34" charset="0"/>
+              <a:buChar char="•"/>
+              <a:defRPr sz="2362" kern="1200">
+                <a:solidFill>
+                  <a:schemeClr val="tx1"/>
+                </a:solidFill>
+                <a:latin typeface="+mn-lt"/>
+                <a:ea typeface="+mn-ea"/>
+                <a:cs typeface="+mn-cs"/>
+              </a:defRPr>
+            </a:lvl2pPr>
+            <a:lvl3pPr marL="1124941" indent="-224988" algn="l" defTabSz="899952" rtl="0" eaLnBrk="1" latinLnBrk="0" hangingPunct="1">
+              <a:lnSpc>
+                <a:spcPct val="90000"/>
+              </a:lnSpc>
+              <a:spcBef>
+                <a:spcPts val="492"/>
+              </a:spcBef>
+              <a:buFont typeface="Arial" panose="020B0604020202020204" pitchFamily="34" charset="0"/>
+              <a:buChar char="•"/>
+              <a:defRPr sz="1968" kern="1200">
+                <a:solidFill>
+                  <a:schemeClr val="tx1"/>
+                </a:solidFill>
+                <a:latin typeface="+mn-lt"/>
+                <a:ea typeface="+mn-ea"/>
+                <a:cs typeface="+mn-cs"/>
+              </a:defRPr>
+            </a:lvl3pPr>
+            <a:lvl4pPr marL="1574917" indent="-224988" algn="l" defTabSz="899952" rtl="0" eaLnBrk="1" latinLnBrk="0" hangingPunct="1">
+              <a:lnSpc>
+                <a:spcPct val="90000"/>
+              </a:lnSpc>
+              <a:spcBef>
+                <a:spcPts val="492"/>
+              </a:spcBef>
+              <a:buFont typeface="Arial" panose="020B0604020202020204" pitchFamily="34" charset="0"/>
+              <a:buChar char="•"/>
+              <a:defRPr sz="1772" kern="1200">
+                <a:solidFill>
+                  <a:schemeClr val="tx1"/>
+                </a:solidFill>
+                <a:latin typeface="+mn-lt"/>
+                <a:ea typeface="+mn-ea"/>
+                <a:cs typeface="+mn-cs"/>
+              </a:defRPr>
+            </a:lvl4pPr>
+            <a:lvl5pPr marL="2024893" indent="-224988" algn="l" defTabSz="899952" rtl="0" eaLnBrk="1" latinLnBrk="0" hangingPunct="1">
+              <a:lnSpc>
+                <a:spcPct val="90000"/>
+              </a:lnSpc>
+              <a:spcBef>
+                <a:spcPts val="492"/>
+              </a:spcBef>
+              <a:buFont typeface="Arial" panose="020B0604020202020204" pitchFamily="34" charset="0"/>
+              <a:buChar char="•"/>
+              <a:defRPr sz="1772" kern="1200">
+                <a:solidFill>
+                  <a:schemeClr val="tx1"/>
+                </a:solidFill>
+                <a:latin typeface="+mn-lt"/>
+                <a:ea typeface="+mn-ea"/>
+                <a:cs typeface="+mn-cs"/>
+              </a:defRPr>
+            </a:lvl5pPr>
+            <a:lvl6pPr marL="2474869" indent="-224988" algn="l" defTabSz="899952" rtl="0" eaLnBrk="1" latinLnBrk="0" hangingPunct="1">
+              <a:lnSpc>
+                <a:spcPct val="90000"/>
+              </a:lnSpc>
+              <a:spcBef>
+                <a:spcPts val="492"/>
+              </a:spcBef>
+              <a:buFont typeface="Arial" panose="020B0604020202020204" pitchFamily="34" charset="0"/>
+              <a:buChar char="•"/>
+              <a:defRPr sz="1772" kern="1200">
+                <a:solidFill>
+                  <a:schemeClr val="tx1"/>
+                </a:solidFill>
+                <a:latin typeface="+mn-lt"/>
+                <a:ea typeface="+mn-ea"/>
+                <a:cs typeface="+mn-cs"/>
+              </a:defRPr>
+            </a:lvl6pPr>
+            <a:lvl7pPr marL="2924846" indent="-224988" algn="l" defTabSz="899952" rtl="0" eaLnBrk="1" latinLnBrk="0" hangingPunct="1">
+              <a:lnSpc>
+                <a:spcPct val="90000"/>
+              </a:lnSpc>
+              <a:spcBef>
+                <a:spcPts val="492"/>
+              </a:spcBef>
+              <a:buFont typeface="Arial" panose="020B0604020202020204" pitchFamily="34" charset="0"/>
+              <a:buChar char="•"/>
+              <a:defRPr sz="1772" kern="1200">
+                <a:solidFill>
+                  <a:schemeClr val="tx1"/>
+                </a:solidFill>
+                <a:latin typeface="+mn-lt"/>
+                <a:ea typeface="+mn-ea"/>
+                <a:cs typeface="+mn-cs"/>
+              </a:defRPr>
+            </a:lvl7pPr>
+            <a:lvl8pPr marL="3374822" indent="-224988" algn="l" defTabSz="899952" rtl="0" eaLnBrk="1" latinLnBrk="0" hangingPunct="1">
+              <a:lnSpc>
+                <a:spcPct val="90000"/>
+              </a:lnSpc>
+              <a:spcBef>
+                <a:spcPts val="492"/>
+              </a:spcBef>
+              <a:buFont typeface="Arial" panose="020B0604020202020204" pitchFamily="34" charset="0"/>
+              <a:buChar char="•"/>
+              <a:defRPr sz="1772" kern="1200">
+                <a:solidFill>
+                  <a:schemeClr val="tx1"/>
+                </a:solidFill>
+                <a:latin typeface="+mn-lt"/>
+                <a:ea typeface="+mn-ea"/>
+                <a:cs typeface="+mn-cs"/>
+              </a:defRPr>
+            </a:lvl8pPr>
+            <a:lvl9pPr marL="3824798" indent="-224988" algn="l" defTabSz="899952" rtl="0" eaLnBrk="1" latinLnBrk="0" hangingPunct="1">
+              <a:lnSpc>
+                <a:spcPct val="90000"/>
+              </a:lnSpc>
+              <a:spcBef>
+                <a:spcPts val="492"/>
+              </a:spcBef>
+              <a:buFont typeface="Arial" panose="020B0604020202020204" pitchFamily="34" charset="0"/>
+              <a:buChar char="•"/>
+              <a:defRPr sz="1772" kern="1200">
+                <a:solidFill>
+                  <a:schemeClr val="tx1"/>
+                </a:solidFill>
+                <a:latin typeface="+mn-lt"/>
+                <a:ea typeface="+mn-ea"/>
+                <a:cs typeface="+mn-cs"/>
+              </a:defRPr>
+            </a:lvl9pPr>
+          </a:lstStyle>
+          <a:p>
+            <a:pPr marL="0" indent="0" algn="ctr">
+              <a:buNone/>
+            </a:pPr>
+            <a:r>
+              <a:rPr lang="es-CO" sz="5712" dirty="0"/>
+              <a:t>Operario modulo A</a:t>
+            </a:r>
+          </a:p>
+          <a:p>
+            <a:pPr marL="0" indent="0" algn="ctr">
+              <a:buNone/>
+            </a:pPr>
+            <a:endParaRPr lang="es-CO" sz="5712" dirty="0"/>
+          </a:p>
+          <a:p>
+            <a:pPr marL="0" indent="0" algn="ctr">
+              <a:buNone/>
+            </a:pPr>
+            <a:r>
+              <a:rPr lang="es-CO" sz="5712" dirty="0"/>
+              <a:t>Escanea un código de canasta y lo asocia a pedido disponible. </a:t>
+            </a:r>
+          </a:p>
+          <a:p>
+            <a:pPr marL="0" indent="0" algn="ctr">
+              <a:buNone/>
+            </a:pPr>
+            <a:endParaRPr lang="es-CO" sz="5712" dirty="0"/>
+          </a:p>
+          <a:p>
+            <a:pPr marL="0" indent="0" algn="ctr">
+              <a:buNone/>
+            </a:pPr>
+            <a:r>
+              <a:rPr lang="es-CO" sz="5712" dirty="0"/>
+              <a:t>Aceptar</a:t>
+            </a:r>
+            <a:endParaRPr lang="en-US" sz="5712" dirty="0"/>
+          </a:p>
+        </p:txBody>
+      </p:sp>
+      <p:cxnSp>
+        <p:nvCxnSpPr>
+          <p:cNvPr id="95" name="Conector recto de flecha 94">
+            <a:extLst>
+              <a:ext uri="{FF2B5EF4-FFF2-40B4-BE49-F238E27FC236}">
+                <a16:creationId xmlns:a16="http://schemas.microsoft.com/office/drawing/2014/main" id="{E6F71D89-D122-94E3-83C6-6350043E4C69}"/>
+              </a:ext>
+            </a:extLst>
+          </p:cNvPr>
+          <p:cNvCxnSpPr>
+            <a:cxnSpLocks/>
+          </p:cNvCxnSpPr>
+          <p:nvPr/>
+        </p:nvCxnSpPr>
+        <p:spPr>
+          <a:xfrm>
+            <a:off x="-4398285" y="24055827"/>
+            <a:ext cx="0" cy="988067"/>
+          </a:xfrm>
+          <a:prstGeom prst="straightConnector1">
+            <a:avLst/>
+          </a:prstGeom>
+          <a:ln>
+            <a:headEnd type="none" w="med" len="med"/>
+            <a:tailEnd type="arrow" w="med" len="med"/>
+          </a:ln>
+        </p:spPr>
+        <p:style>
+          <a:lnRef idx="3">
+            <a:schemeClr val="dk1"/>
+          </a:lnRef>
+          <a:fillRef idx="0">
+            <a:schemeClr val="dk1"/>
+          </a:fillRef>
+          <a:effectRef idx="2">
+            <a:schemeClr val="dk1"/>
+          </a:effectRef>
+          <a:fontRef idx="minor">
+            <a:schemeClr val="tx1"/>
+          </a:fontRef>
+        </p:style>
+      </p:cxnSp>
+      <p:cxnSp>
+        <p:nvCxnSpPr>
+          <p:cNvPr id="96" name="Conector recto de flecha 95">
+            <a:extLst>
+              <a:ext uri="{FF2B5EF4-FFF2-40B4-BE49-F238E27FC236}">
+                <a16:creationId xmlns:a16="http://schemas.microsoft.com/office/drawing/2014/main" id="{64725652-F798-52B2-0944-9F17183AD913}"/>
+              </a:ext>
+            </a:extLst>
+          </p:cNvPr>
+          <p:cNvCxnSpPr>
+            <a:cxnSpLocks/>
+          </p:cNvCxnSpPr>
+          <p:nvPr/>
+        </p:nvCxnSpPr>
+        <p:spPr>
+          <a:xfrm>
+            <a:off x="-4259673" y="29369431"/>
+            <a:ext cx="0" cy="674724"/>
+          </a:xfrm>
+          <a:prstGeom prst="straightConnector1">
+            <a:avLst/>
+          </a:prstGeom>
+          <a:ln>
+            <a:tailEnd type="triangle"/>
+          </a:ln>
+        </p:spPr>
+        <p:style>
+          <a:lnRef idx="3">
+            <a:schemeClr val="dk1"/>
+          </a:lnRef>
+          <a:fillRef idx="0">
+            <a:schemeClr val="dk1"/>
+          </a:fillRef>
+          <a:effectRef idx="2">
+            <a:schemeClr val="dk1"/>
+          </a:effectRef>
+          <a:fontRef idx="minor">
+            <a:schemeClr val="tx1"/>
+          </a:fontRef>
+        </p:style>
+      </p:cxnSp>
+      <p:sp>
+        <p:nvSpPr>
+          <p:cNvPr id="102" name="CuadroTexto 101">
+            <a:extLst>
+              <a:ext uri="{FF2B5EF4-FFF2-40B4-BE49-F238E27FC236}">
+                <a16:creationId xmlns:a16="http://schemas.microsoft.com/office/drawing/2014/main" id="{5B8892BA-7A09-773A-993A-9FE52390033E}"/>
+              </a:ext>
+            </a:extLst>
+          </p:cNvPr>
+          <p:cNvSpPr txBox="1"/>
+          <p:nvPr/>
+        </p:nvSpPr>
+        <p:spPr>
+          <a:xfrm>
+            <a:off x="-7666323" y="30082693"/>
+            <a:ext cx="6901478" cy="1599156"/>
+          </a:xfrm>
+          <a:prstGeom prst="rect">
+            <a:avLst/>
+          </a:prstGeom>
+          <a:noFill/>
+        </p:spPr>
+        <p:txBody>
+          <a:bodyPr wrap="square">
+            <a:spAutoFit/>
+          </a:bodyPr>
+          <a:lstStyle/>
+          <a:p>
+            <a:pPr algn="ctr"/>
+            <a:r>
+              <a:rPr lang="es-CO" sz="4896" dirty="0"/>
+              <a:t>Leer JSON y alumbrar tags del modulo A</a:t>
+            </a:r>
+          </a:p>
+        </p:txBody>
+      </p:sp>
+      <p:cxnSp>
+        <p:nvCxnSpPr>
+          <p:cNvPr id="114" name="Conector recto de flecha 113">
+            <a:extLst>
+              <a:ext uri="{FF2B5EF4-FFF2-40B4-BE49-F238E27FC236}">
+                <a16:creationId xmlns:a16="http://schemas.microsoft.com/office/drawing/2014/main" id="{50C01525-F0D2-986A-AE07-8DD1B73AE8CA}"/>
+              </a:ext>
+            </a:extLst>
+          </p:cNvPr>
+          <p:cNvCxnSpPr>
+            <a:cxnSpLocks/>
+          </p:cNvCxnSpPr>
+          <p:nvPr/>
+        </p:nvCxnSpPr>
+        <p:spPr>
+          <a:xfrm>
+            <a:off x="-4215589" y="31484689"/>
+            <a:ext cx="0" cy="716773"/>
+          </a:xfrm>
+          <a:prstGeom prst="straightConnector1">
+            <a:avLst/>
+          </a:prstGeom>
+          <a:ln>
+            <a:tailEnd type="triangle"/>
+          </a:ln>
+        </p:spPr>
+        <p:style>
+          <a:lnRef idx="3">
+            <a:schemeClr val="dk1"/>
+          </a:lnRef>
+          <a:fillRef idx="0">
+            <a:schemeClr val="dk1"/>
+          </a:fillRef>
+          <a:effectRef idx="2">
+            <a:schemeClr val="dk1"/>
+          </a:effectRef>
+          <a:fontRef idx="minor">
+            <a:schemeClr val="tx1"/>
+          </a:fontRef>
+        </p:style>
+      </p:cxnSp>
+      <p:cxnSp>
+        <p:nvCxnSpPr>
+          <p:cNvPr id="123" name="Conector recto de flecha 122">
+            <a:extLst>
+              <a:ext uri="{FF2B5EF4-FFF2-40B4-BE49-F238E27FC236}">
+                <a16:creationId xmlns:a16="http://schemas.microsoft.com/office/drawing/2014/main" id="{16685CC6-8F05-3A02-566E-7A1460D5EA3B}"/>
+              </a:ext>
+            </a:extLst>
+          </p:cNvPr>
+          <p:cNvCxnSpPr>
+            <a:cxnSpLocks/>
+          </p:cNvCxnSpPr>
+          <p:nvPr/>
+        </p:nvCxnSpPr>
+        <p:spPr>
+          <a:xfrm>
+            <a:off x="-4217526" y="27721531"/>
+            <a:ext cx="30442" cy="643619"/>
+          </a:xfrm>
+          <a:prstGeom prst="straightConnector1">
+            <a:avLst/>
+          </a:prstGeom>
+          <a:ln>
+            <a:headEnd type="none" w="med" len="med"/>
+            <a:tailEnd type="arrow" w="med" len="med"/>
+          </a:ln>
+        </p:spPr>
+        <p:style>
+          <a:lnRef idx="3">
+            <a:schemeClr val="dk1"/>
+          </a:lnRef>
+          <a:fillRef idx="0">
+            <a:schemeClr val="dk1"/>
+          </a:fillRef>
+          <a:effectRef idx="2">
+            <a:schemeClr val="dk1"/>
+          </a:effectRef>
+          <a:fontRef idx="minor">
+            <a:schemeClr val="tx1"/>
+          </a:fontRef>
+        </p:style>
+      </p:cxnSp>
+      <p:grpSp>
+        <p:nvGrpSpPr>
+          <p:cNvPr id="4" name="Grupo 3">
+            <a:extLst>
+              <a:ext uri="{FF2B5EF4-FFF2-40B4-BE49-F238E27FC236}">
+                <a16:creationId xmlns:a16="http://schemas.microsoft.com/office/drawing/2014/main" id="{9E70FB82-CC77-984E-8883-72E48D125C5D}"/>
+              </a:ext>
+            </a:extLst>
+          </p:cNvPr>
+          <p:cNvGrpSpPr/>
+          <p:nvPr/>
+        </p:nvGrpSpPr>
+        <p:grpSpPr>
+          <a:xfrm flipH="1">
+            <a:off x="-9846817" y="21967696"/>
+            <a:ext cx="5448531" cy="2659881"/>
+            <a:chOff x="-26552006" y="7340381"/>
+            <a:chExt cx="5448531" cy="3283170"/>
+          </a:xfrm>
+        </p:grpSpPr>
+        <p:cxnSp>
+          <p:nvCxnSpPr>
+            <p:cNvPr id="124" name="Conector recto 123">
+              <a:extLst>
+                <a:ext uri="{FF2B5EF4-FFF2-40B4-BE49-F238E27FC236}">
+                  <a16:creationId xmlns:a16="http://schemas.microsoft.com/office/drawing/2014/main" id="{F3F9C795-D71D-90D1-2552-F3AF47A79EA6}"/>
+                </a:ext>
+              </a:extLst>
+            </p:cNvPr>
+            <p:cNvCxnSpPr>
+              <a:cxnSpLocks/>
+            </p:cNvCxnSpPr>
+            <p:nvPr/>
+          </p:nvCxnSpPr>
+          <p:spPr>
+            <a:xfrm>
+              <a:off x="-26552006" y="7340381"/>
+              <a:ext cx="0" cy="1216895"/>
+            </a:xfrm>
+            <a:prstGeom prst="line">
+              <a:avLst/>
+            </a:prstGeom>
+          </p:spPr>
+          <p:style>
+            <a:lnRef idx="3">
+              <a:schemeClr val="dk1"/>
+            </a:lnRef>
+            <a:fillRef idx="0">
+              <a:schemeClr val="dk1"/>
+            </a:fillRef>
+            <a:effectRef idx="2">
+              <a:schemeClr val="dk1"/>
+            </a:effectRef>
+            <a:fontRef idx="minor">
+              <a:schemeClr val="tx1"/>
+            </a:fontRef>
+          </p:style>
+        </p:cxnSp>
+        <p:cxnSp>
+          <p:nvCxnSpPr>
+            <p:cNvPr id="125" name="Conector recto 124">
+              <a:extLst>
+                <a:ext uri="{FF2B5EF4-FFF2-40B4-BE49-F238E27FC236}">
+                  <a16:creationId xmlns:a16="http://schemas.microsoft.com/office/drawing/2014/main" id="{C18DA2CA-7D16-001D-87DE-3776BA457FE1}"/>
+                </a:ext>
+              </a:extLst>
+            </p:cNvPr>
+            <p:cNvCxnSpPr>
+              <a:cxnSpLocks/>
+            </p:cNvCxnSpPr>
+            <p:nvPr/>
+          </p:nvCxnSpPr>
+          <p:spPr>
+            <a:xfrm>
+              <a:off x="-26552006" y="8557267"/>
+              <a:ext cx="5448524" cy="0"/>
+            </a:xfrm>
+            <a:prstGeom prst="line">
+              <a:avLst/>
+            </a:prstGeom>
+          </p:spPr>
+          <p:style>
+            <a:lnRef idx="3">
+              <a:schemeClr val="dk1"/>
+            </a:lnRef>
+            <a:fillRef idx="0">
+              <a:schemeClr val="dk1"/>
+            </a:fillRef>
+            <a:effectRef idx="2">
+              <a:schemeClr val="dk1"/>
+            </a:effectRef>
+            <a:fontRef idx="minor">
+              <a:schemeClr val="tx1"/>
+            </a:fontRef>
+          </p:style>
+        </p:cxnSp>
+        <p:cxnSp>
+          <p:nvCxnSpPr>
+            <p:cNvPr id="126" name="Conector recto 125">
+              <a:extLst>
+                <a:ext uri="{FF2B5EF4-FFF2-40B4-BE49-F238E27FC236}">
+                  <a16:creationId xmlns:a16="http://schemas.microsoft.com/office/drawing/2014/main" id="{3541D752-2DB4-A067-3422-C17034869F2A}"/>
+                </a:ext>
+              </a:extLst>
+            </p:cNvPr>
+            <p:cNvCxnSpPr>
+              <a:cxnSpLocks/>
+            </p:cNvCxnSpPr>
+            <p:nvPr/>
+          </p:nvCxnSpPr>
+          <p:spPr>
+            <a:xfrm>
+              <a:off x="-21103482" y="8557275"/>
+              <a:ext cx="0" cy="2066276"/>
+            </a:xfrm>
+            <a:prstGeom prst="line">
+              <a:avLst/>
+            </a:prstGeom>
+          </p:spPr>
+          <p:style>
+            <a:lnRef idx="3">
+              <a:schemeClr val="dk1"/>
+            </a:lnRef>
+            <a:fillRef idx="0">
+              <a:schemeClr val="dk1"/>
+            </a:fillRef>
+            <a:effectRef idx="2">
+              <a:schemeClr val="dk1"/>
+            </a:effectRef>
+            <a:fontRef idx="minor">
+              <a:schemeClr val="tx1"/>
+            </a:fontRef>
+          </p:style>
+        </p:cxnSp>
+        <p:cxnSp>
+          <p:nvCxnSpPr>
+            <p:cNvPr id="127" name="Conector recto 126">
+              <a:extLst>
+                <a:ext uri="{FF2B5EF4-FFF2-40B4-BE49-F238E27FC236}">
+                  <a16:creationId xmlns:a16="http://schemas.microsoft.com/office/drawing/2014/main" id="{7DD0FEA0-5284-EAA3-4167-E90709FA0F29}"/>
+                </a:ext>
+              </a:extLst>
+            </p:cNvPr>
+            <p:cNvCxnSpPr>
+              <a:cxnSpLocks/>
+            </p:cNvCxnSpPr>
+            <p:nvPr/>
+          </p:nvCxnSpPr>
+          <p:spPr>
+            <a:xfrm flipH="1">
+              <a:off x="-26501386" y="10623542"/>
+              <a:ext cx="5397911" cy="0"/>
+            </a:xfrm>
+            <a:prstGeom prst="line">
+              <a:avLst/>
+            </a:prstGeom>
+          </p:spPr>
+          <p:style>
+            <a:lnRef idx="3">
+              <a:schemeClr val="dk1"/>
+            </a:lnRef>
+            <a:fillRef idx="0">
+              <a:schemeClr val="dk1"/>
+            </a:fillRef>
+            <a:effectRef idx="2">
+              <a:schemeClr val="dk1"/>
+            </a:effectRef>
+            <a:fontRef idx="minor">
+              <a:schemeClr val="tx1"/>
+            </a:fontRef>
+          </p:style>
+        </p:cxnSp>
+      </p:grpSp>
+      <p:grpSp>
+        <p:nvGrpSpPr>
+          <p:cNvPr id="128" name="Grupo 127">
+            <a:extLst>
+              <a:ext uri="{FF2B5EF4-FFF2-40B4-BE49-F238E27FC236}">
+                <a16:creationId xmlns:a16="http://schemas.microsoft.com/office/drawing/2014/main" id="{07DA60A5-B169-444F-E8C5-B9A14F87F859}"/>
+              </a:ext>
+            </a:extLst>
+          </p:cNvPr>
+          <p:cNvGrpSpPr/>
+          <p:nvPr/>
+        </p:nvGrpSpPr>
+        <p:grpSpPr>
+          <a:xfrm rot="10800000">
+            <a:off x="-4353912" y="32772404"/>
+            <a:ext cx="267522" cy="1261683"/>
+            <a:chOff x="4995612" y="33132114"/>
+            <a:chExt cx="267522" cy="1261683"/>
+          </a:xfrm>
+        </p:grpSpPr>
+        <p:sp>
+          <p:nvSpPr>
+            <p:cNvPr id="129" name="Elipse 128">
+              <a:extLst>
+                <a:ext uri="{FF2B5EF4-FFF2-40B4-BE49-F238E27FC236}">
+                  <a16:creationId xmlns:a16="http://schemas.microsoft.com/office/drawing/2014/main" id="{91C109D4-3665-A40C-7697-2684C0A07824}"/>
+                </a:ext>
+              </a:extLst>
+            </p:cNvPr>
+            <p:cNvSpPr/>
+            <p:nvPr/>
+          </p:nvSpPr>
+          <p:spPr>
+            <a:xfrm>
+              <a:off x="4995612" y="33132114"/>
+              <a:ext cx="267522" cy="271132"/>
+            </a:xfrm>
+            <a:prstGeom prst="ellipse">
+              <a:avLst/>
+            </a:prstGeom>
+            <a:solidFill>
+              <a:schemeClr val="tx1"/>
+            </a:solidFill>
+          </p:spPr>
+          <p:style>
+            <a:lnRef idx="2">
+              <a:schemeClr val="accent1">
+                <a:shade val="50000"/>
+              </a:schemeClr>
+            </a:lnRef>
+            <a:fillRef idx="1">
+              <a:schemeClr val="accent1"/>
+            </a:fillRef>
+            <a:effectRef idx="0">
+              <a:schemeClr val="accent1"/>
+            </a:effectRef>
+            <a:fontRef idx="minor">
+              <a:schemeClr val="lt1"/>
+            </a:fontRef>
+          </p:style>
+          <p:txBody>
+            <a:bodyPr rtlCol="0" anchor="ctr"/>
+            <a:lstStyle/>
+            <a:p>
+              <a:pPr algn="ctr"/>
+              <a:endParaRPr lang="en-US" sz="4519"/>
+            </a:p>
+          </p:txBody>
+        </p:sp>
+        <p:sp>
+          <p:nvSpPr>
+            <p:cNvPr id="130" name="Elipse 129">
+              <a:extLst>
+                <a:ext uri="{FF2B5EF4-FFF2-40B4-BE49-F238E27FC236}">
+                  <a16:creationId xmlns:a16="http://schemas.microsoft.com/office/drawing/2014/main" id="{5C7D99AE-4B76-D738-2033-DBBEC031767E}"/>
+                </a:ext>
+              </a:extLst>
+            </p:cNvPr>
+            <p:cNvSpPr/>
+            <p:nvPr/>
+          </p:nvSpPr>
+          <p:spPr>
+            <a:xfrm>
+              <a:off x="4995612" y="33627390"/>
+              <a:ext cx="267522" cy="271132"/>
+            </a:xfrm>
+            <a:prstGeom prst="ellipse">
+              <a:avLst/>
+            </a:prstGeom>
+            <a:solidFill>
+              <a:schemeClr val="tx1"/>
+            </a:solidFill>
+          </p:spPr>
+          <p:style>
+            <a:lnRef idx="2">
+              <a:schemeClr val="accent1">
+                <a:shade val="50000"/>
+              </a:schemeClr>
+            </a:lnRef>
+            <a:fillRef idx="1">
+              <a:schemeClr val="accent1"/>
+            </a:fillRef>
+            <a:effectRef idx="0">
+              <a:schemeClr val="accent1"/>
+            </a:effectRef>
+            <a:fontRef idx="minor">
+              <a:schemeClr val="lt1"/>
+            </a:fontRef>
+          </p:style>
+          <p:txBody>
+            <a:bodyPr rtlCol="0" anchor="ctr"/>
+            <a:lstStyle/>
+            <a:p>
+              <a:pPr algn="ctr"/>
+              <a:endParaRPr lang="en-US" sz="4519"/>
+            </a:p>
+          </p:txBody>
+        </p:sp>
+        <p:sp>
+          <p:nvSpPr>
+            <p:cNvPr id="131" name="Elipse 130">
+              <a:extLst>
+                <a:ext uri="{FF2B5EF4-FFF2-40B4-BE49-F238E27FC236}">
+                  <a16:creationId xmlns:a16="http://schemas.microsoft.com/office/drawing/2014/main" id="{0A6C6D12-DBBC-7289-285F-4E49C3D122AC}"/>
+                </a:ext>
+              </a:extLst>
+            </p:cNvPr>
+            <p:cNvSpPr/>
+            <p:nvPr/>
+          </p:nvSpPr>
+          <p:spPr>
+            <a:xfrm>
+              <a:off x="4995612" y="34122665"/>
+              <a:ext cx="267522" cy="271132"/>
+            </a:xfrm>
+            <a:prstGeom prst="ellipse">
+              <a:avLst/>
+            </a:prstGeom>
+            <a:solidFill>
+              <a:schemeClr val="tx1"/>
+            </a:solidFill>
+          </p:spPr>
+          <p:style>
+            <a:lnRef idx="2">
+              <a:schemeClr val="accent1">
+                <a:shade val="50000"/>
+              </a:schemeClr>
+            </a:lnRef>
+            <a:fillRef idx="1">
+              <a:schemeClr val="accent1"/>
+            </a:fillRef>
+            <a:effectRef idx="0">
+              <a:schemeClr val="accent1"/>
+            </a:effectRef>
+            <a:fontRef idx="minor">
+              <a:schemeClr val="lt1"/>
+            </a:fontRef>
+          </p:style>
+          <p:txBody>
+            <a:bodyPr rtlCol="0" anchor="ctr"/>
+            <a:lstStyle/>
+            <a:p>
+              <a:pPr algn="ctr"/>
+              <a:endParaRPr lang="en-US" sz="4519"/>
+            </a:p>
+          </p:txBody>
+        </p:sp>
+      </p:grpSp>
+      <p:sp>
+        <p:nvSpPr>
+          <p:cNvPr id="132" name="Rectángulo 131">
+            <a:extLst>
+              <a:ext uri="{FF2B5EF4-FFF2-40B4-BE49-F238E27FC236}">
+                <a16:creationId xmlns:a16="http://schemas.microsoft.com/office/drawing/2014/main" id="{15BAC354-1F94-D206-9E40-A2936122A0DD}"/>
+              </a:ext>
+            </a:extLst>
+          </p:cNvPr>
+          <p:cNvSpPr/>
+          <p:nvPr/>
+        </p:nvSpPr>
+        <p:spPr>
+          <a:xfrm rot="10800000" flipV="1">
+            <a:off x="-18611091" y="28226543"/>
+            <a:ext cx="9172422" cy="5144355"/>
+          </a:xfrm>
+          <a:prstGeom prst="rect">
+            <a:avLst/>
+          </a:prstGeom>
+          <a:solidFill>
+            <a:schemeClr val="accent2">
+              <a:alpha val="42000"/>
+            </a:schemeClr>
+          </a:solidFill>
+        </p:spPr>
+        <p:style>
+          <a:lnRef idx="2">
+            <a:schemeClr val="accent1">
+              <a:shade val="50000"/>
+            </a:schemeClr>
+          </a:lnRef>
+          <a:fillRef idx="1">
+            <a:schemeClr val="accent1"/>
+          </a:fillRef>
+          <a:effectRef idx="0">
+            <a:schemeClr val="accent1"/>
+          </a:effectRef>
+          <a:fontRef idx="minor">
+            <a:schemeClr val="lt1"/>
+          </a:fontRef>
+        </p:style>
+        <p:txBody>
+          <a:bodyPr rtlCol="0" anchor="ctr"/>
+          <a:lstStyle/>
+          <a:p>
+            <a:pPr algn="ctr"/>
+            <a:endParaRPr lang="en-US" sz="4519" dirty="0"/>
+          </a:p>
+        </p:txBody>
+      </p:sp>
+      <p:sp>
+        <p:nvSpPr>
+          <p:cNvPr id="133" name="Marcador de contenido 2">
+            <a:extLst>
+              <a:ext uri="{FF2B5EF4-FFF2-40B4-BE49-F238E27FC236}">
+                <a16:creationId xmlns:a16="http://schemas.microsoft.com/office/drawing/2014/main" id="{79F99CB8-F244-FD23-730F-C6D7A3753331}"/>
+              </a:ext>
+            </a:extLst>
+          </p:cNvPr>
+          <p:cNvSpPr txBox="1">
+            <a:spLocks/>
+          </p:cNvSpPr>
+          <p:nvPr/>
+        </p:nvSpPr>
+        <p:spPr>
+          <a:xfrm>
+            <a:off x="-18501316" y="28365150"/>
+            <a:ext cx="9062647" cy="5327001"/>
+          </a:xfrm>
+          <a:prstGeom prst="rect">
+            <a:avLst/>
+          </a:prstGeom>
+          <a:solidFill>
+            <a:schemeClr val="accent4">
+              <a:lumMod val="40000"/>
+              <a:lumOff val="60000"/>
+            </a:schemeClr>
+          </a:solidFill>
+        </p:spPr>
+        <p:txBody>
+          <a:bodyPr vert="horz" lIns="186541" tIns="93271" rIns="186541" bIns="93271" rtlCol="0">
+            <a:normAutofit/>
+          </a:bodyPr>
+          <a:lstStyle>
+            <a:lvl1pPr marL="224988" indent="-224988" algn="l" defTabSz="899952" rtl="0" eaLnBrk="1" latinLnBrk="0" hangingPunct="1">
+              <a:lnSpc>
+                <a:spcPct val="90000"/>
+              </a:lnSpc>
+              <a:spcBef>
+                <a:spcPts val="984"/>
+              </a:spcBef>
+              <a:buFont typeface="Arial" panose="020B0604020202020204" pitchFamily="34" charset="0"/>
+              <a:buChar char="•"/>
+              <a:defRPr sz="2756" kern="1200">
+                <a:solidFill>
+                  <a:schemeClr val="tx1"/>
+                </a:solidFill>
+                <a:latin typeface="+mn-lt"/>
+                <a:ea typeface="+mn-ea"/>
+                <a:cs typeface="+mn-cs"/>
+              </a:defRPr>
+            </a:lvl1pPr>
+            <a:lvl2pPr marL="674964" indent="-224988" algn="l" defTabSz="899952" rtl="0" eaLnBrk="1" latinLnBrk="0" hangingPunct="1">
+              <a:lnSpc>
+                <a:spcPct val="90000"/>
+              </a:lnSpc>
+              <a:spcBef>
+                <a:spcPts val="492"/>
+              </a:spcBef>
+              <a:buFont typeface="Arial" panose="020B0604020202020204" pitchFamily="34" charset="0"/>
+              <a:buChar char="•"/>
+              <a:defRPr sz="2362" kern="1200">
+                <a:solidFill>
+                  <a:schemeClr val="tx1"/>
+                </a:solidFill>
+                <a:latin typeface="+mn-lt"/>
+                <a:ea typeface="+mn-ea"/>
+                <a:cs typeface="+mn-cs"/>
+              </a:defRPr>
+            </a:lvl2pPr>
+            <a:lvl3pPr marL="1124941" indent="-224988" algn="l" defTabSz="899952" rtl="0" eaLnBrk="1" latinLnBrk="0" hangingPunct="1">
+              <a:lnSpc>
+                <a:spcPct val="90000"/>
+              </a:lnSpc>
+              <a:spcBef>
+                <a:spcPts val="492"/>
+              </a:spcBef>
+              <a:buFont typeface="Arial" panose="020B0604020202020204" pitchFamily="34" charset="0"/>
+              <a:buChar char="•"/>
+              <a:defRPr sz="1968" kern="1200">
+                <a:solidFill>
+                  <a:schemeClr val="tx1"/>
+                </a:solidFill>
+                <a:latin typeface="+mn-lt"/>
+                <a:ea typeface="+mn-ea"/>
+                <a:cs typeface="+mn-cs"/>
+              </a:defRPr>
+            </a:lvl3pPr>
+            <a:lvl4pPr marL="1574917" indent="-224988" algn="l" defTabSz="899952" rtl="0" eaLnBrk="1" latinLnBrk="0" hangingPunct="1">
+              <a:lnSpc>
+                <a:spcPct val="90000"/>
+              </a:lnSpc>
+              <a:spcBef>
+                <a:spcPts val="492"/>
+              </a:spcBef>
+              <a:buFont typeface="Arial" panose="020B0604020202020204" pitchFamily="34" charset="0"/>
+              <a:buChar char="•"/>
+              <a:defRPr sz="1772" kern="1200">
+                <a:solidFill>
+                  <a:schemeClr val="tx1"/>
+                </a:solidFill>
+                <a:latin typeface="+mn-lt"/>
+                <a:ea typeface="+mn-ea"/>
+                <a:cs typeface="+mn-cs"/>
+              </a:defRPr>
+            </a:lvl4pPr>
+            <a:lvl5pPr marL="2024893" indent="-224988" algn="l" defTabSz="899952" rtl="0" eaLnBrk="1" latinLnBrk="0" hangingPunct="1">
+              <a:lnSpc>
+                <a:spcPct val="90000"/>
+              </a:lnSpc>
+              <a:spcBef>
+                <a:spcPts val="492"/>
+              </a:spcBef>
+              <a:buFont typeface="Arial" panose="020B0604020202020204" pitchFamily="34" charset="0"/>
+              <a:buChar char="•"/>
+              <a:defRPr sz="1772" kern="1200">
+                <a:solidFill>
+                  <a:schemeClr val="tx1"/>
+                </a:solidFill>
+                <a:latin typeface="+mn-lt"/>
+                <a:ea typeface="+mn-ea"/>
+                <a:cs typeface="+mn-cs"/>
+              </a:defRPr>
+            </a:lvl5pPr>
+            <a:lvl6pPr marL="2474869" indent="-224988" algn="l" defTabSz="899952" rtl="0" eaLnBrk="1" latinLnBrk="0" hangingPunct="1">
+              <a:lnSpc>
+                <a:spcPct val="90000"/>
+              </a:lnSpc>
+              <a:spcBef>
+                <a:spcPts val="492"/>
+              </a:spcBef>
+              <a:buFont typeface="Arial" panose="020B0604020202020204" pitchFamily="34" charset="0"/>
+              <a:buChar char="•"/>
+              <a:defRPr sz="1772" kern="1200">
+                <a:solidFill>
+                  <a:schemeClr val="tx1"/>
+                </a:solidFill>
+                <a:latin typeface="+mn-lt"/>
+                <a:ea typeface="+mn-ea"/>
+                <a:cs typeface="+mn-cs"/>
+              </a:defRPr>
+            </a:lvl6pPr>
+            <a:lvl7pPr marL="2924846" indent="-224988" algn="l" defTabSz="899952" rtl="0" eaLnBrk="1" latinLnBrk="0" hangingPunct="1">
+              <a:lnSpc>
+                <a:spcPct val="90000"/>
+              </a:lnSpc>
+              <a:spcBef>
+                <a:spcPts val="492"/>
+              </a:spcBef>
+              <a:buFont typeface="Arial" panose="020B0604020202020204" pitchFamily="34" charset="0"/>
+              <a:buChar char="•"/>
+              <a:defRPr sz="1772" kern="1200">
+                <a:solidFill>
+                  <a:schemeClr val="tx1"/>
+                </a:solidFill>
+                <a:latin typeface="+mn-lt"/>
+                <a:ea typeface="+mn-ea"/>
+                <a:cs typeface="+mn-cs"/>
+              </a:defRPr>
+            </a:lvl7pPr>
+            <a:lvl8pPr marL="3374822" indent="-224988" algn="l" defTabSz="899952" rtl="0" eaLnBrk="1" latinLnBrk="0" hangingPunct="1">
+              <a:lnSpc>
+                <a:spcPct val="90000"/>
+              </a:lnSpc>
+              <a:spcBef>
+                <a:spcPts val="492"/>
+              </a:spcBef>
+              <a:buFont typeface="Arial" panose="020B0604020202020204" pitchFamily="34" charset="0"/>
+              <a:buChar char="•"/>
+              <a:defRPr sz="1772" kern="1200">
+                <a:solidFill>
+                  <a:schemeClr val="tx1"/>
+                </a:solidFill>
+                <a:latin typeface="+mn-lt"/>
+                <a:ea typeface="+mn-ea"/>
+                <a:cs typeface="+mn-cs"/>
+              </a:defRPr>
+            </a:lvl8pPr>
+            <a:lvl9pPr marL="3824798" indent="-224988" algn="l" defTabSz="899952" rtl="0" eaLnBrk="1" latinLnBrk="0" hangingPunct="1">
+              <a:lnSpc>
+                <a:spcPct val="90000"/>
+              </a:lnSpc>
+              <a:spcBef>
+                <a:spcPts val="492"/>
+              </a:spcBef>
+              <a:buFont typeface="Arial" panose="020B0604020202020204" pitchFamily="34" charset="0"/>
+              <a:buChar char="•"/>
+              <a:defRPr sz="1772" kern="1200">
+                <a:solidFill>
+                  <a:schemeClr val="tx1"/>
+                </a:solidFill>
+                <a:latin typeface="+mn-lt"/>
+                <a:ea typeface="+mn-ea"/>
+                <a:cs typeface="+mn-cs"/>
+              </a:defRPr>
+            </a:lvl9pPr>
+          </a:lstStyle>
+          <a:p>
+            <a:pPr marL="0" indent="0" algn="ctr">
+              <a:buNone/>
+            </a:pPr>
+            <a:endParaRPr lang="es-CO" sz="5712" dirty="0"/>
+          </a:p>
+          <a:p>
+            <a:pPr marL="0" indent="0" algn="ctr">
+              <a:buNone/>
+            </a:pPr>
+            <a:r>
+              <a:rPr lang="es-CO" sz="5712" dirty="0"/>
+              <a:t>Subir segundo  conjunto de pedidos</a:t>
+            </a:r>
+          </a:p>
+          <a:p>
+            <a:pPr marL="0" indent="0" algn="ctr">
+              <a:buNone/>
+            </a:pPr>
+            <a:endParaRPr lang="es-CO" sz="5712" dirty="0"/>
+          </a:p>
+          <a:p>
+            <a:pPr marL="0" indent="0" algn="ctr">
+              <a:buNone/>
+            </a:pPr>
+            <a:r>
+              <a:rPr lang="es-CO" sz="5712" dirty="0"/>
+              <a:t>Aceptar e iniciar </a:t>
+            </a:r>
+            <a:r>
+              <a:rPr lang="es-CO" sz="5712" dirty="0" err="1"/>
+              <a:t>Picking</a:t>
+            </a:r>
+            <a:endParaRPr lang="en-US" sz="5712" dirty="0"/>
+          </a:p>
+        </p:txBody>
+      </p:sp>
+      <p:cxnSp>
+        <p:nvCxnSpPr>
+          <p:cNvPr id="134" name="Conector recto de flecha 133">
+            <a:extLst>
+              <a:ext uri="{FF2B5EF4-FFF2-40B4-BE49-F238E27FC236}">
+                <a16:creationId xmlns:a16="http://schemas.microsoft.com/office/drawing/2014/main" id="{2D1458EA-0ABF-098B-2B56-93B27FBF8C8F}"/>
+              </a:ext>
+            </a:extLst>
+          </p:cNvPr>
+          <p:cNvCxnSpPr>
+            <a:cxnSpLocks/>
+          </p:cNvCxnSpPr>
+          <p:nvPr/>
+        </p:nvCxnSpPr>
+        <p:spPr>
+          <a:xfrm>
+            <a:off x="-14036599" y="30972741"/>
+            <a:ext cx="0" cy="889318"/>
+          </a:xfrm>
+          <a:prstGeom prst="straightConnector1">
+            <a:avLst/>
+          </a:prstGeom>
+          <a:ln w="9525" cap="flat" cmpd="sng" algn="ctr">
+            <a:solidFill>
+              <a:schemeClr val="dk1"/>
+            </a:solidFill>
+            <a:prstDash val="solid"/>
+            <a:round/>
+            <a:headEnd type="none" w="med" len="med"/>
+            <a:tailEnd type="arrow" w="med" len="med"/>
+          </a:ln>
+        </p:spPr>
+        <p:style>
+          <a:lnRef idx="0">
+            <a:scrgbClr r="0" g="0" b="0"/>
+          </a:lnRef>
+          <a:fillRef idx="0">
+            <a:scrgbClr r="0" g="0" b="0"/>
+          </a:fillRef>
+          <a:effectRef idx="0">
+            <a:scrgbClr r="0" g="0" b="0"/>
+          </a:effectRef>
+          <a:fontRef idx="minor">
+            <a:schemeClr val="tx1"/>
+          </a:fontRef>
+        </p:style>
+      </p:cxnSp>
+      <p:grpSp>
+        <p:nvGrpSpPr>
+          <p:cNvPr id="140" name="Grupo 139">
+            <a:extLst>
+              <a:ext uri="{FF2B5EF4-FFF2-40B4-BE49-F238E27FC236}">
+                <a16:creationId xmlns:a16="http://schemas.microsoft.com/office/drawing/2014/main" id="{2D3AE5F0-DDFF-1E72-EB4A-D1E156EBCDB6}"/>
+              </a:ext>
+            </a:extLst>
+          </p:cNvPr>
+          <p:cNvGrpSpPr/>
+          <p:nvPr/>
+        </p:nvGrpSpPr>
+        <p:grpSpPr>
+          <a:xfrm rot="10800000">
+            <a:off x="-13969993" y="34393797"/>
+            <a:ext cx="267522" cy="1261683"/>
+            <a:chOff x="4995612" y="33132114"/>
+            <a:chExt cx="267522" cy="1261683"/>
+          </a:xfrm>
+        </p:grpSpPr>
+        <p:sp>
+          <p:nvSpPr>
+            <p:cNvPr id="141" name="Elipse 140">
+              <a:extLst>
+                <a:ext uri="{FF2B5EF4-FFF2-40B4-BE49-F238E27FC236}">
+                  <a16:creationId xmlns:a16="http://schemas.microsoft.com/office/drawing/2014/main" id="{2B61B445-6A78-FD5C-D0F3-D6C4279EC305}"/>
+                </a:ext>
+              </a:extLst>
+            </p:cNvPr>
+            <p:cNvSpPr/>
+            <p:nvPr/>
+          </p:nvSpPr>
+          <p:spPr>
+            <a:xfrm>
+              <a:off x="4995612" y="33132114"/>
+              <a:ext cx="267522" cy="271132"/>
+            </a:xfrm>
+            <a:prstGeom prst="ellipse">
+              <a:avLst/>
+            </a:prstGeom>
+            <a:solidFill>
+              <a:schemeClr val="tx1"/>
+            </a:solidFill>
+          </p:spPr>
+          <p:style>
+            <a:lnRef idx="2">
+              <a:schemeClr val="accent1">
+                <a:shade val="50000"/>
+              </a:schemeClr>
+            </a:lnRef>
+            <a:fillRef idx="1">
+              <a:schemeClr val="accent1"/>
+            </a:fillRef>
+            <a:effectRef idx="0">
+              <a:schemeClr val="accent1"/>
+            </a:effectRef>
+            <a:fontRef idx="minor">
+              <a:schemeClr val="lt1"/>
+            </a:fontRef>
+          </p:style>
+          <p:txBody>
+            <a:bodyPr rtlCol="0" anchor="ctr"/>
+            <a:lstStyle/>
+            <a:p>
+              <a:pPr algn="ctr"/>
+              <a:endParaRPr lang="en-US" sz="4519"/>
+            </a:p>
+          </p:txBody>
+        </p:sp>
+        <p:sp>
+          <p:nvSpPr>
+            <p:cNvPr id="142" name="Elipse 141">
+              <a:extLst>
+                <a:ext uri="{FF2B5EF4-FFF2-40B4-BE49-F238E27FC236}">
+                  <a16:creationId xmlns:a16="http://schemas.microsoft.com/office/drawing/2014/main" id="{DEC36588-6972-0600-970C-A508500BBCE0}"/>
+                </a:ext>
+              </a:extLst>
+            </p:cNvPr>
+            <p:cNvSpPr/>
+            <p:nvPr/>
+          </p:nvSpPr>
+          <p:spPr>
+            <a:xfrm>
+              <a:off x="4995612" y="33627390"/>
+              <a:ext cx="267522" cy="271132"/>
+            </a:xfrm>
+            <a:prstGeom prst="ellipse">
+              <a:avLst/>
+            </a:prstGeom>
+            <a:solidFill>
+              <a:schemeClr val="tx1"/>
+            </a:solidFill>
+          </p:spPr>
+          <p:style>
+            <a:lnRef idx="2">
+              <a:schemeClr val="accent1">
+                <a:shade val="50000"/>
+              </a:schemeClr>
+            </a:lnRef>
+            <a:fillRef idx="1">
+              <a:schemeClr val="accent1"/>
+            </a:fillRef>
+            <a:effectRef idx="0">
+              <a:schemeClr val="accent1"/>
+            </a:effectRef>
+            <a:fontRef idx="minor">
+              <a:schemeClr val="lt1"/>
+            </a:fontRef>
+          </p:style>
+          <p:txBody>
+            <a:bodyPr rtlCol="0" anchor="ctr"/>
+            <a:lstStyle/>
+            <a:p>
+              <a:pPr algn="ctr"/>
+              <a:endParaRPr lang="en-US" sz="4519"/>
+            </a:p>
+          </p:txBody>
+        </p:sp>
+        <p:sp>
+          <p:nvSpPr>
+            <p:cNvPr id="143" name="Elipse 142">
+              <a:extLst>
+                <a:ext uri="{FF2B5EF4-FFF2-40B4-BE49-F238E27FC236}">
+                  <a16:creationId xmlns:a16="http://schemas.microsoft.com/office/drawing/2014/main" id="{B99084DF-67F4-8A45-C7EC-CBA0F5CBB667}"/>
+                </a:ext>
+              </a:extLst>
+            </p:cNvPr>
+            <p:cNvSpPr/>
+            <p:nvPr/>
+          </p:nvSpPr>
+          <p:spPr>
+            <a:xfrm>
+              <a:off x="4995612" y="34122665"/>
+              <a:ext cx="267522" cy="271132"/>
+            </a:xfrm>
+            <a:prstGeom prst="ellipse">
+              <a:avLst/>
+            </a:prstGeom>
+            <a:solidFill>
+              <a:schemeClr val="tx1"/>
+            </a:solidFill>
+          </p:spPr>
+          <p:style>
+            <a:lnRef idx="2">
+              <a:schemeClr val="accent1">
+                <a:shade val="50000"/>
+              </a:schemeClr>
+            </a:lnRef>
+            <a:fillRef idx="1">
+              <a:schemeClr val="accent1"/>
+            </a:fillRef>
+            <a:effectRef idx="0">
+              <a:schemeClr val="accent1"/>
+            </a:effectRef>
+            <a:fontRef idx="minor">
+              <a:schemeClr val="lt1"/>
+            </a:fontRef>
+          </p:style>
+          <p:txBody>
+            <a:bodyPr rtlCol="0" anchor="ctr"/>
+            <a:lstStyle/>
+            <a:p>
+              <a:pPr algn="ctr"/>
+              <a:endParaRPr lang="en-US" sz="4519"/>
+            </a:p>
+          </p:txBody>
+        </p:sp>
+      </p:grpSp>
+    </p:spTree>
+    <p:extLst>
+      <p:ext uri="{BB962C8B-B14F-4D97-AF65-F5344CB8AC3E}">
+        <p14:creationId xmlns:p14="http://schemas.microsoft.com/office/powerpoint/2010/main" val="3843344686"/>
+      </p:ext>
+    </p:extLst>
+  </p:cSld>
+  <p:clrMapOvr>
+    <a:masterClrMapping/>
+  </p:clrMapOvr>
+</p:sld>
+</file>
+
 <file path=ppt/theme/theme1.xml><?xml version="1.0" encoding="utf-8"?>
 <a:theme xmlns:a="http://schemas.openxmlformats.org/drawingml/2006/main" name="Tema de Office">
   <a:themeElements>
